--- a/Linked Movie Exploration Graph.pptx
+++ b/Linked Movie Exploration Graph.pptx
@@ -109,6 +109,11 @@
       </a:defRPr>
     </a:lvl9pPr>
   </p:defaultTextStyle>
+  <p:extLst>
+    <p:ext uri="{EFAFB233-063F-42B5-8137-9DF3F51BA10A}">
+      <p15:sldGuideLst xmlns:p15="http://schemas.microsoft.com/office/powerpoint/2012/main"/>
+    </p:ext>
+  </p:extLst>
 </p:presentation>
 </file>
 
@@ -157,7 +162,6 @@
               <a:rPr lang="de-DE"/>
               <a:t>Titelmasterformat durch Klicken bearbeiten</a:t>
             </a:r>
-            <a:endParaRPr lang="de-DE"/>
           </a:p>
         </p:txBody>
       </p:sp>
@@ -222,7 +226,6 @@
               <a:rPr lang="de-DE"/>
               <a:t>Formatvorlage des Untertitelmasters durch Klicken bearbeiten</a:t>
             </a:r>
-            <a:endParaRPr lang="de-DE"/>
           </a:p>
         </p:txBody>
       </p:sp>
@@ -243,7 +246,7 @@
           <a:p>
             <a:fld id="{2107A019-A245-4CF9-8404-4037D2D39BB4}" type="datetimeFigureOut">
               <a:rPr lang="de-DE" smtClean="0"/>
-              <a:t>07.12.2016</a:t>
+              <a:t>12.12.2016</a:t>
             </a:fld>
             <a:endParaRPr lang="de-DE"/>
           </a:p>
@@ -340,7 +343,6 @@
               <a:rPr lang="de-DE"/>
               <a:t>Titelmasterformat durch Klicken bearbeiten</a:t>
             </a:r>
-            <a:endParaRPr lang="de-DE"/>
           </a:p>
         </p:txBody>
       </p:sp>
@@ -392,7 +394,6 @@
               <a:rPr lang="de-DE"/>
               <a:t>Fünfte Ebene</a:t>
             </a:r>
-            <a:endParaRPr lang="de-DE"/>
           </a:p>
         </p:txBody>
       </p:sp>
@@ -413,7 +414,7 @@
           <a:p>
             <a:fld id="{2107A019-A245-4CF9-8404-4037D2D39BB4}" type="datetimeFigureOut">
               <a:rPr lang="de-DE" smtClean="0"/>
-              <a:t>07.12.2016</a:t>
+              <a:t>12.12.2016</a:t>
             </a:fld>
             <a:endParaRPr lang="de-DE"/>
           </a:p>
@@ -515,7 +516,6 @@
               <a:rPr lang="de-DE"/>
               <a:t>Titelmasterformat durch Klicken bearbeiten</a:t>
             </a:r>
-            <a:endParaRPr lang="de-DE"/>
           </a:p>
         </p:txBody>
       </p:sp>
@@ -572,7 +572,6 @@
               <a:rPr lang="de-DE"/>
               <a:t>Fünfte Ebene</a:t>
             </a:r>
-            <a:endParaRPr lang="de-DE"/>
           </a:p>
         </p:txBody>
       </p:sp>
@@ -593,7 +592,7 @@
           <a:p>
             <a:fld id="{2107A019-A245-4CF9-8404-4037D2D39BB4}" type="datetimeFigureOut">
               <a:rPr lang="de-DE" smtClean="0"/>
-              <a:t>07.12.2016</a:t>
+              <a:t>12.12.2016</a:t>
             </a:fld>
             <a:endParaRPr lang="de-DE"/>
           </a:p>
@@ -690,7 +689,6 @@
               <a:rPr lang="de-DE"/>
               <a:t>Titelmasterformat durch Klicken bearbeiten</a:t>
             </a:r>
-            <a:endParaRPr lang="de-DE"/>
           </a:p>
         </p:txBody>
       </p:sp>
@@ -742,7 +740,6 @@
               <a:rPr lang="de-DE"/>
               <a:t>Fünfte Ebene</a:t>
             </a:r>
-            <a:endParaRPr lang="de-DE"/>
           </a:p>
         </p:txBody>
       </p:sp>
@@ -763,7 +760,7 @@
           <a:p>
             <a:fld id="{2107A019-A245-4CF9-8404-4037D2D39BB4}" type="datetimeFigureOut">
               <a:rPr lang="de-DE" smtClean="0"/>
-              <a:t>07.12.2016</a:t>
+              <a:t>12.12.2016</a:t>
             </a:fld>
             <a:endParaRPr lang="de-DE"/>
           </a:p>
@@ -869,7 +866,6 @@
               <a:rPr lang="de-DE"/>
               <a:t>Titelmasterformat durch Klicken bearbeiten</a:t>
             </a:r>
-            <a:endParaRPr lang="de-DE"/>
           </a:p>
         </p:txBody>
       </p:sp>
@@ -1009,7 +1005,7 @@
           <a:p>
             <a:fld id="{2107A019-A245-4CF9-8404-4037D2D39BB4}" type="datetimeFigureOut">
               <a:rPr lang="de-DE" smtClean="0"/>
-              <a:t>07.12.2016</a:t>
+              <a:t>12.12.2016</a:t>
             </a:fld>
             <a:endParaRPr lang="de-DE"/>
           </a:p>
@@ -1106,7 +1102,6 @@
               <a:rPr lang="de-DE"/>
               <a:t>Titelmasterformat durch Klicken bearbeiten</a:t>
             </a:r>
-            <a:endParaRPr lang="de-DE"/>
           </a:p>
         </p:txBody>
       </p:sp>
@@ -1163,7 +1158,6 @@
               <a:rPr lang="de-DE"/>
               <a:t>Fünfte Ebene</a:t>
             </a:r>
-            <a:endParaRPr lang="de-DE"/>
           </a:p>
         </p:txBody>
       </p:sp>
@@ -1220,7 +1214,6 @@
               <a:rPr lang="de-DE"/>
               <a:t>Fünfte Ebene</a:t>
             </a:r>
-            <a:endParaRPr lang="de-DE"/>
           </a:p>
         </p:txBody>
       </p:sp>
@@ -1241,7 +1234,7 @@
           <a:p>
             <a:fld id="{2107A019-A245-4CF9-8404-4037D2D39BB4}" type="datetimeFigureOut">
               <a:rPr lang="de-DE" smtClean="0"/>
-              <a:t>07.12.2016</a:t>
+              <a:t>12.12.2016</a:t>
             </a:fld>
             <a:endParaRPr lang="de-DE"/>
           </a:p>
@@ -1343,7 +1336,6 @@
               <a:rPr lang="de-DE"/>
               <a:t>Titelmasterformat durch Klicken bearbeiten</a:t>
             </a:r>
-            <a:endParaRPr lang="de-DE"/>
           </a:p>
         </p:txBody>
       </p:sp>
@@ -1465,7 +1457,6 @@
               <a:rPr lang="de-DE"/>
               <a:t>Fünfte Ebene</a:t>
             </a:r>
-            <a:endParaRPr lang="de-DE"/>
           </a:p>
         </p:txBody>
       </p:sp>
@@ -1587,7 +1578,6 @@
               <a:rPr lang="de-DE"/>
               <a:t>Fünfte Ebene</a:t>
             </a:r>
-            <a:endParaRPr lang="de-DE"/>
           </a:p>
         </p:txBody>
       </p:sp>
@@ -1608,7 +1598,7 @@
           <a:p>
             <a:fld id="{2107A019-A245-4CF9-8404-4037D2D39BB4}" type="datetimeFigureOut">
               <a:rPr lang="de-DE" smtClean="0"/>
-              <a:t>07.12.2016</a:t>
+              <a:t>12.12.2016</a:t>
             </a:fld>
             <a:endParaRPr lang="de-DE"/>
           </a:p>
@@ -1705,7 +1695,6 @@
               <a:rPr lang="de-DE"/>
               <a:t>Titelmasterformat durch Klicken bearbeiten</a:t>
             </a:r>
-            <a:endParaRPr lang="de-DE"/>
           </a:p>
         </p:txBody>
       </p:sp>
@@ -1726,7 +1715,7 @@
           <a:p>
             <a:fld id="{2107A019-A245-4CF9-8404-4037D2D39BB4}" type="datetimeFigureOut">
               <a:rPr lang="de-DE" smtClean="0"/>
-              <a:t>07.12.2016</a:t>
+              <a:t>12.12.2016</a:t>
             </a:fld>
             <a:endParaRPr lang="de-DE"/>
           </a:p>
@@ -1821,7 +1810,7 @@
           <a:p>
             <a:fld id="{2107A019-A245-4CF9-8404-4037D2D39BB4}" type="datetimeFigureOut">
               <a:rPr lang="de-DE" smtClean="0"/>
-              <a:t>07.12.2016</a:t>
+              <a:t>12.12.2016</a:t>
             </a:fld>
             <a:endParaRPr lang="de-DE"/>
           </a:p>
@@ -1927,7 +1916,6 @@
               <a:rPr lang="de-DE"/>
               <a:t>Titelmasterformat durch Klicken bearbeiten</a:t>
             </a:r>
-            <a:endParaRPr lang="de-DE"/>
           </a:p>
         </p:txBody>
       </p:sp>
@@ -2012,7 +2000,6 @@
               <a:rPr lang="de-DE"/>
               <a:t>Fünfte Ebene</a:t>
             </a:r>
-            <a:endParaRPr lang="de-DE"/>
           </a:p>
         </p:txBody>
       </p:sp>
@@ -2098,7 +2085,7 @@
           <a:p>
             <a:fld id="{2107A019-A245-4CF9-8404-4037D2D39BB4}" type="datetimeFigureOut">
               <a:rPr lang="de-DE" smtClean="0"/>
-              <a:t>07.12.2016</a:t>
+              <a:t>12.12.2016</a:t>
             </a:fld>
             <a:endParaRPr lang="de-DE"/>
           </a:p>
@@ -2204,7 +2191,6 @@
               <a:rPr lang="de-DE"/>
               <a:t>Titelmasterformat durch Klicken bearbeiten</a:t>
             </a:r>
-            <a:endParaRPr lang="de-DE"/>
           </a:p>
         </p:txBody>
       </p:sp>
@@ -2351,7 +2337,7 @@
           <a:p>
             <a:fld id="{2107A019-A245-4CF9-8404-4037D2D39BB4}" type="datetimeFigureOut">
               <a:rPr lang="de-DE" smtClean="0"/>
-              <a:t>07.12.2016</a:t>
+              <a:t>12.12.2016</a:t>
             </a:fld>
             <a:endParaRPr lang="de-DE"/>
           </a:p>
@@ -2463,7 +2449,6 @@
               <a:rPr lang="de-DE"/>
               <a:t>Titelmasterformat durch Klicken bearbeiten</a:t>
             </a:r>
-            <a:endParaRPr lang="de-DE"/>
           </a:p>
         </p:txBody>
       </p:sp>
@@ -2525,7 +2510,6 @@
               <a:rPr lang="de-DE"/>
               <a:t>Fünfte Ebene</a:t>
             </a:r>
-            <a:endParaRPr lang="de-DE"/>
           </a:p>
         </p:txBody>
       </p:sp>
@@ -2564,7 +2548,7 @@
           <a:p>
             <a:fld id="{2107A019-A245-4CF9-8404-4037D2D39BB4}" type="datetimeFigureOut">
               <a:rPr lang="de-DE" smtClean="0"/>
-              <a:t>07.12.2016</a:t>
+              <a:t>12.12.2016</a:t>
             </a:fld>
             <a:endParaRPr lang="de-DE"/>
           </a:p>
@@ -3062,7 +3046,6 @@
               <a:rPr lang="de-DE" dirty="0"/>
               <a:t> Movie Exploration Graph</a:t>
             </a:r>
-            <a:endParaRPr lang="de-DE" dirty="0"/>
           </a:p>
         </p:txBody>
       </p:sp>
@@ -3155,7 +3138,6 @@
               <a:rPr lang="de-DE" dirty="0"/>
               <a:t> Movie Exploration Graph</a:t>
             </a:r>
-            <a:endParaRPr lang="de-DE" dirty="0"/>
           </a:p>
         </p:txBody>
       </p:sp>
@@ -3652,6 +3634,29 @@
           <a:p>
             <a:endParaRPr lang="de-DE" dirty="0"/>
           </a:p>
+          <a:p>
+            <a:r>
+              <a:rPr lang="de-DE" dirty="0" err="1"/>
+              <a:t>Good</a:t>
+            </a:r>
+            <a:r>
+              <a:rPr lang="de-DE" dirty="0"/>
+              <a:t> </a:t>
+            </a:r>
+            <a:r>
+              <a:rPr lang="de-DE" dirty="0" err="1"/>
+              <a:t>movie</a:t>
+            </a:r>
+            <a:r>
+              <a:rPr lang="de-DE" dirty="0"/>
+              <a:t> </a:t>
+            </a:r>
+            <a:r>
+              <a:rPr lang="de-DE" dirty="0" err="1"/>
+              <a:t>recommendations</a:t>
+            </a:r>
+            <a:endParaRPr lang="de-DE" dirty="0"/>
+          </a:p>
         </p:txBody>
       </p:sp>
     </p:spTree>
@@ -3738,13 +3743,107 @@
           <a:p>
             <a:pPr lvl="1"/>
             <a:r>
-              <a:rPr lang="de-DE" dirty="0" err="1"/>
-              <a:t>Sparql</a:t>
+              <a:rPr lang="de-DE" dirty="0"/>
+              <a:t>Sparql.JS </a:t>
+            </a:r>
+            <a:r>
+              <a:rPr lang="de-DE" dirty="0" err="1"/>
+              <a:t>setup</a:t>
             </a:r>
             <a:endParaRPr lang="de-DE" dirty="0"/>
           </a:p>
           <a:p>
             <a:pPr lvl="1"/>
+            <a:r>
+              <a:rPr lang="de-DE" dirty="0"/>
+              <a:t>Entity </a:t>
+            </a:r>
+            <a:r>
+              <a:rPr lang="de-DE" dirty="0" err="1"/>
+              <a:t>queries</a:t>
+            </a:r>
+            <a:endParaRPr lang="de-DE" dirty="0"/>
+          </a:p>
+          <a:p>
+            <a:pPr lvl="1"/>
+            <a:r>
+              <a:rPr lang="de-DE" dirty="0"/>
+              <a:t>Movie </a:t>
+            </a:r>
+            <a:r>
+              <a:rPr lang="de-DE" dirty="0" err="1"/>
+              <a:t>recommendation</a:t>
+            </a:r>
+            <a:r>
+              <a:rPr lang="de-DE" dirty="0"/>
+              <a:t> </a:t>
+            </a:r>
+            <a:r>
+              <a:rPr lang="de-DE" dirty="0" err="1"/>
+              <a:t>algorithms</a:t>
+            </a:r>
+            <a:endParaRPr lang="de-DE" dirty="0"/>
+          </a:p>
+          <a:p>
+            <a:pPr lvl="1"/>
+            <a:endParaRPr lang="de-DE" dirty="0"/>
+          </a:p>
+          <a:p>
+            <a:r>
+              <a:rPr lang="de-DE" dirty="0"/>
+              <a:t>Mathias Möller</a:t>
+            </a:r>
+          </a:p>
+          <a:p>
+            <a:pPr lvl="1"/>
+            <a:r>
+              <a:rPr lang="de-DE" dirty="0"/>
+              <a:t>Graph </a:t>
+            </a:r>
+            <a:r>
+              <a:rPr lang="de-DE" dirty="0" err="1"/>
+              <a:t>visualization</a:t>
+            </a:r>
+            <a:endParaRPr lang="de-DE" dirty="0"/>
+          </a:p>
+          <a:p>
+            <a:pPr lvl="1"/>
+            <a:r>
+              <a:rPr lang="de-DE" dirty="0" err="1"/>
+              <a:t>Result</a:t>
+            </a:r>
+            <a:r>
+              <a:rPr lang="de-DE" dirty="0"/>
+              <a:t> </a:t>
+            </a:r>
+            <a:r>
+              <a:rPr lang="de-DE" dirty="0" err="1"/>
+              <a:t>parsing</a:t>
+            </a:r>
+            <a:endParaRPr lang="de-DE" dirty="0"/>
+          </a:p>
+          <a:p>
+            <a:pPr lvl="1"/>
+            <a:r>
+              <a:rPr lang="de-DE" dirty="0" err="1"/>
+              <a:t>Filtering</a:t>
+            </a:r>
+            <a:r>
+              <a:rPr lang="de-DE" dirty="0"/>
+              <a:t> </a:t>
+            </a:r>
+            <a:r>
+              <a:rPr lang="de-DE" dirty="0" err="1"/>
+              <a:t>important</a:t>
+            </a:r>
+            <a:r>
+              <a:rPr lang="de-DE" dirty="0"/>
+              <a:t> </a:t>
+            </a:r>
+            <a:r>
+              <a:rPr lang="de-DE" dirty="0" err="1"/>
+              <a:t>data</a:t>
+            </a:r>
             <a:endParaRPr lang="de-DE" dirty="0"/>
           </a:p>
         </p:txBody>

--- a/Linked Movie Exploration Graph.pptx
+++ b/Linked Movie Exploration Graph.pptx
@@ -6,11 +6,11 @@
   </p:sldMasterIdLst>
   <p:sldIdLst>
     <p:sldId id="256" r:id="rId2"/>
-    <p:sldId id="257" r:id="rId3"/>
-    <p:sldId id="258" r:id="rId4"/>
-    <p:sldId id="259" r:id="rId5"/>
-    <p:sldId id="261" r:id="rId6"/>
-    <p:sldId id="260" r:id="rId7"/>
+    <p:sldId id="260" r:id="rId3"/>
+    <p:sldId id="257" r:id="rId4"/>
+    <p:sldId id="258" r:id="rId5"/>
+    <p:sldId id="259" r:id="rId6"/>
+    <p:sldId id="261" r:id="rId7"/>
   </p:sldIdLst>
   <p:sldSz cx="12192000" cy="6858000"/>
   <p:notesSz cx="6858000" cy="9144000"/>
@@ -109,6 +109,11 @@
       </a:defRPr>
     </a:lvl9pPr>
   </p:defaultTextStyle>
+  <p:extLst>
+    <p:ext uri="{EFAFB233-063F-42B5-8137-9DF3F51BA10A}">
+      <p15:sldGuideLst xmlns:p15="http://schemas.microsoft.com/office/powerpoint/2012/main"/>
+    </p:ext>
+  </p:extLst>
 </p:presentation>
 </file>
 
@@ -157,7 +162,6 @@
               <a:rPr lang="de-DE"/>
               <a:t>Titelmasterformat durch Klicken bearbeiten</a:t>
             </a:r>
-            <a:endParaRPr lang="de-DE"/>
           </a:p>
         </p:txBody>
       </p:sp>
@@ -222,7 +226,6 @@
               <a:rPr lang="de-DE"/>
               <a:t>Formatvorlage des Untertitelmasters durch Klicken bearbeiten</a:t>
             </a:r>
-            <a:endParaRPr lang="de-DE"/>
           </a:p>
         </p:txBody>
       </p:sp>
@@ -243,7 +246,7 @@
           <a:p>
             <a:fld id="{2107A019-A245-4CF9-8404-4037D2D39BB4}" type="datetimeFigureOut">
               <a:rPr lang="de-DE" smtClean="0"/>
-              <a:t>07.12.2016</a:t>
+              <a:t>13.12.2016</a:t>
             </a:fld>
             <a:endParaRPr lang="de-DE"/>
           </a:p>
@@ -340,7 +343,6 @@
               <a:rPr lang="de-DE"/>
               <a:t>Titelmasterformat durch Klicken bearbeiten</a:t>
             </a:r>
-            <a:endParaRPr lang="de-DE"/>
           </a:p>
         </p:txBody>
       </p:sp>
@@ -392,7 +394,6 @@
               <a:rPr lang="de-DE"/>
               <a:t>Fünfte Ebene</a:t>
             </a:r>
-            <a:endParaRPr lang="de-DE"/>
           </a:p>
         </p:txBody>
       </p:sp>
@@ -413,7 +414,7 @@
           <a:p>
             <a:fld id="{2107A019-A245-4CF9-8404-4037D2D39BB4}" type="datetimeFigureOut">
               <a:rPr lang="de-DE" smtClean="0"/>
-              <a:t>07.12.2016</a:t>
+              <a:t>13.12.2016</a:t>
             </a:fld>
             <a:endParaRPr lang="de-DE"/>
           </a:p>
@@ -515,7 +516,6 @@
               <a:rPr lang="de-DE"/>
               <a:t>Titelmasterformat durch Klicken bearbeiten</a:t>
             </a:r>
-            <a:endParaRPr lang="de-DE"/>
           </a:p>
         </p:txBody>
       </p:sp>
@@ -572,7 +572,6 @@
               <a:rPr lang="de-DE"/>
               <a:t>Fünfte Ebene</a:t>
             </a:r>
-            <a:endParaRPr lang="de-DE"/>
           </a:p>
         </p:txBody>
       </p:sp>
@@ -593,7 +592,7 @@
           <a:p>
             <a:fld id="{2107A019-A245-4CF9-8404-4037D2D39BB4}" type="datetimeFigureOut">
               <a:rPr lang="de-DE" smtClean="0"/>
-              <a:t>07.12.2016</a:t>
+              <a:t>13.12.2016</a:t>
             </a:fld>
             <a:endParaRPr lang="de-DE"/>
           </a:p>
@@ -690,7 +689,6 @@
               <a:rPr lang="de-DE"/>
               <a:t>Titelmasterformat durch Klicken bearbeiten</a:t>
             </a:r>
-            <a:endParaRPr lang="de-DE"/>
           </a:p>
         </p:txBody>
       </p:sp>
@@ -742,7 +740,6 @@
               <a:rPr lang="de-DE"/>
               <a:t>Fünfte Ebene</a:t>
             </a:r>
-            <a:endParaRPr lang="de-DE"/>
           </a:p>
         </p:txBody>
       </p:sp>
@@ -763,7 +760,7 @@
           <a:p>
             <a:fld id="{2107A019-A245-4CF9-8404-4037D2D39BB4}" type="datetimeFigureOut">
               <a:rPr lang="de-DE" smtClean="0"/>
-              <a:t>07.12.2016</a:t>
+              <a:t>13.12.2016</a:t>
             </a:fld>
             <a:endParaRPr lang="de-DE"/>
           </a:p>
@@ -869,7 +866,6 @@
               <a:rPr lang="de-DE"/>
               <a:t>Titelmasterformat durch Klicken bearbeiten</a:t>
             </a:r>
-            <a:endParaRPr lang="de-DE"/>
           </a:p>
         </p:txBody>
       </p:sp>
@@ -1009,7 +1005,7 @@
           <a:p>
             <a:fld id="{2107A019-A245-4CF9-8404-4037D2D39BB4}" type="datetimeFigureOut">
               <a:rPr lang="de-DE" smtClean="0"/>
-              <a:t>07.12.2016</a:t>
+              <a:t>13.12.2016</a:t>
             </a:fld>
             <a:endParaRPr lang="de-DE"/>
           </a:p>
@@ -1106,7 +1102,6 @@
               <a:rPr lang="de-DE"/>
               <a:t>Titelmasterformat durch Klicken bearbeiten</a:t>
             </a:r>
-            <a:endParaRPr lang="de-DE"/>
           </a:p>
         </p:txBody>
       </p:sp>
@@ -1163,7 +1158,6 @@
               <a:rPr lang="de-DE"/>
               <a:t>Fünfte Ebene</a:t>
             </a:r>
-            <a:endParaRPr lang="de-DE"/>
           </a:p>
         </p:txBody>
       </p:sp>
@@ -1220,7 +1214,6 @@
               <a:rPr lang="de-DE"/>
               <a:t>Fünfte Ebene</a:t>
             </a:r>
-            <a:endParaRPr lang="de-DE"/>
           </a:p>
         </p:txBody>
       </p:sp>
@@ -1241,7 +1234,7 @@
           <a:p>
             <a:fld id="{2107A019-A245-4CF9-8404-4037D2D39BB4}" type="datetimeFigureOut">
               <a:rPr lang="de-DE" smtClean="0"/>
-              <a:t>07.12.2016</a:t>
+              <a:t>13.12.2016</a:t>
             </a:fld>
             <a:endParaRPr lang="de-DE"/>
           </a:p>
@@ -1343,7 +1336,6 @@
               <a:rPr lang="de-DE"/>
               <a:t>Titelmasterformat durch Klicken bearbeiten</a:t>
             </a:r>
-            <a:endParaRPr lang="de-DE"/>
           </a:p>
         </p:txBody>
       </p:sp>
@@ -1465,7 +1457,6 @@
               <a:rPr lang="de-DE"/>
               <a:t>Fünfte Ebene</a:t>
             </a:r>
-            <a:endParaRPr lang="de-DE"/>
           </a:p>
         </p:txBody>
       </p:sp>
@@ -1587,7 +1578,6 @@
               <a:rPr lang="de-DE"/>
               <a:t>Fünfte Ebene</a:t>
             </a:r>
-            <a:endParaRPr lang="de-DE"/>
           </a:p>
         </p:txBody>
       </p:sp>
@@ -1608,7 +1598,7 @@
           <a:p>
             <a:fld id="{2107A019-A245-4CF9-8404-4037D2D39BB4}" type="datetimeFigureOut">
               <a:rPr lang="de-DE" smtClean="0"/>
-              <a:t>07.12.2016</a:t>
+              <a:t>13.12.2016</a:t>
             </a:fld>
             <a:endParaRPr lang="de-DE"/>
           </a:p>
@@ -1705,7 +1695,6 @@
               <a:rPr lang="de-DE"/>
               <a:t>Titelmasterformat durch Klicken bearbeiten</a:t>
             </a:r>
-            <a:endParaRPr lang="de-DE"/>
           </a:p>
         </p:txBody>
       </p:sp>
@@ -1726,7 +1715,7 @@
           <a:p>
             <a:fld id="{2107A019-A245-4CF9-8404-4037D2D39BB4}" type="datetimeFigureOut">
               <a:rPr lang="de-DE" smtClean="0"/>
-              <a:t>07.12.2016</a:t>
+              <a:t>13.12.2016</a:t>
             </a:fld>
             <a:endParaRPr lang="de-DE"/>
           </a:p>
@@ -1821,7 +1810,7 @@
           <a:p>
             <a:fld id="{2107A019-A245-4CF9-8404-4037D2D39BB4}" type="datetimeFigureOut">
               <a:rPr lang="de-DE" smtClean="0"/>
-              <a:t>07.12.2016</a:t>
+              <a:t>13.12.2016</a:t>
             </a:fld>
             <a:endParaRPr lang="de-DE"/>
           </a:p>
@@ -1927,7 +1916,6 @@
               <a:rPr lang="de-DE"/>
               <a:t>Titelmasterformat durch Klicken bearbeiten</a:t>
             </a:r>
-            <a:endParaRPr lang="de-DE"/>
           </a:p>
         </p:txBody>
       </p:sp>
@@ -2012,7 +2000,6 @@
               <a:rPr lang="de-DE"/>
               <a:t>Fünfte Ebene</a:t>
             </a:r>
-            <a:endParaRPr lang="de-DE"/>
           </a:p>
         </p:txBody>
       </p:sp>
@@ -2098,7 +2085,7 @@
           <a:p>
             <a:fld id="{2107A019-A245-4CF9-8404-4037D2D39BB4}" type="datetimeFigureOut">
               <a:rPr lang="de-DE" smtClean="0"/>
-              <a:t>07.12.2016</a:t>
+              <a:t>13.12.2016</a:t>
             </a:fld>
             <a:endParaRPr lang="de-DE"/>
           </a:p>
@@ -2204,7 +2191,6 @@
               <a:rPr lang="de-DE"/>
               <a:t>Titelmasterformat durch Klicken bearbeiten</a:t>
             </a:r>
-            <a:endParaRPr lang="de-DE"/>
           </a:p>
         </p:txBody>
       </p:sp>
@@ -2351,7 +2337,7 @@
           <a:p>
             <a:fld id="{2107A019-A245-4CF9-8404-4037D2D39BB4}" type="datetimeFigureOut">
               <a:rPr lang="de-DE" smtClean="0"/>
-              <a:t>07.12.2016</a:t>
+              <a:t>13.12.2016</a:t>
             </a:fld>
             <a:endParaRPr lang="de-DE"/>
           </a:p>
@@ -2463,7 +2449,6 @@
               <a:rPr lang="de-DE"/>
               <a:t>Titelmasterformat durch Klicken bearbeiten</a:t>
             </a:r>
-            <a:endParaRPr lang="de-DE"/>
           </a:p>
         </p:txBody>
       </p:sp>
@@ -2525,7 +2510,6 @@
               <a:rPr lang="de-DE"/>
               <a:t>Fünfte Ebene</a:t>
             </a:r>
-            <a:endParaRPr lang="de-DE"/>
           </a:p>
         </p:txBody>
       </p:sp>
@@ -2564,7 +2548,7 @@
           <a:p>
             <a:fld id="{2107A019-A245-4CF9-8404-4037D2D39BB4}" type="datetimeFigureOut">
               <a:rPr lang="de-DE" smtClean="0"/>
-              <a:t>07.12.2016</a:t>
+              <a:t>13.12.2016</a:t>
             </a:fld>
             <a:endParaRPr lang="de-DE"/>
           </a:p>
@@ -3062,7 +3046,6 @@
               <a:rPr lang="de-DE" dirty="0"/>
               <a:t> Movie Exploration Graph</a:t>
             </a:r>
-            <a:endParaRPr lang="de-DE" dirty="0"/>
           </a:p>
         </p:txBody>
       </p:sp>
@@ -3089,15 +3072,7 @@
             </a:r>
             <a:r>
               <a:rPr lang="de-DE" dirty="0"/>
-              <a:t> </a:t>
-            </a:r>
-            <a:r>
-              <a:rPr lang="de-DE" sz="2450" dirty="0"/>
-              <a:t>Lorenzo Toso</a:t>
-            </a:r>
-            <a:r>
-              <a:rPr lang="de-DE" dirty="0"/>
-              <a:t> &amp; Mathias Möller</a:t>
+              <a:t> Lorenzo Toso &amp; Mathias Möller</a:t>
             </a:r>
           </a:p>
         </p:txBody>
@@ -3134,117 +3109,49 @@
       </p:grpSpPr>
       <p:sp>
         <p:nvSpPr>
-          <p:cNvPr id="2" name="Titel 1"/>
-          <p:cNvSpPr>
-            <a:spLocks noGrp="1"/>
-          </p:cNvSpPr>
-          <p:nvPr>
-            <p:ph type="title"/>
-          </p:nvPr>
-        </p:nvSpPr>
-        <p:spPr/>
-        <p:txBody>
-          <a:bodyPr/>
-          <a:lstStyle/>
-          <a:p>
+          <p:cNvPr id="4" name="Titel 3"/>
+          <p:cNvSpPr>
+            <a:spLocks noGrp="1"/>
+          </p:cNvSpPr>
+          <p:nvPr>
+            <p:ph type="ctrTitle"/>
+          </p:nvPr>
+        </p:nvSpPr>
+        <p:spPr/>
+        <p:txBody>
+          <a:bodyPr/>
+          <a:lstStyle/>
+          <a:p>
+            <a:r>
+              <a:rPr lang="de-DE" dirty="0"/>
+              <a:t>Live Demo TODO: erst </a:t>
+            </a:r>
             <a:r>
               <a:rPr lang="de-DE" dirty="0" err="1"/>
-              <a:t>Linked</a:t>
+              <a:t>demo</a:t>
             </a:r>
             <a:r>
               <a:rPr lang="de-DE" dirty="0"/>
-              <a:t> Movie Exploration Graph</a:t>
-            </a:r>
-            <a:endParaRPr lang="de-DE" dirty="0"/>
-          </a:p>
-        </p:txBody>
-      </p:sp>
-      <p:sp>
-        <p:nvSpPr>
-          <p:cNvPr id="3" name="Inhaltsplatzhalter 2"/>
-          <p:cNvSpPr>
-            <a:spLocks noGrp="1"/>
-          </p:cNvSpPr>
-          <p:nvPr>
-            <p:ph idx="1"/>
-          </p:nvPr>
-        </p:nvSpPr>
-        <p:spPr/>
-        <p:txBody>
-          <a:bodyPr/>
-          <a:lstStyle/>
-          <a:p>
-            <a:r>
-              <a:rPr lang="de-DE" dirty="0"/>
-              <a:t>Language: JavaScript</a:t>
-            </a:r>
-          </a:p>
-          <a:p>
-            <a:r>
-              <a:rPr lang="de-DE" dirty="0"/>
-              <a:t>Frontend-Template: Materialdesign Light (</a:t>
-            </a:r>
-            <a:r>
-              <a:rPr lang="de-DE" dirty="0" err="1"/>
-              <a:t>Cutting</a:t>
-            </a:r>
-            <a:r>
-              <a:rPr lang="de-DE" dirty="0"/>
-              <a:t> Edge)</a:t>
-            </a:r>
-          </a:p>
-          <a:p>
-            <a:r>
-              <a:rPr lang="de-DE" dirty="0"/>
-              <a:t>Libraries: </a:t>
-            </a:r>
-          </a:p>
-          <a:p>
-            <a:pPr lvl="1"/>
-            <a:r>
-              <a:rPr lang="de-DE" dirty="0"/>
-              <a:t>Graph-Drawing: Vis.JS</a:t>
-            </a:r>
-          </a:p>
-          <a:p>
-            <a:pPr lvl="1"/>
-            <a:r>
-              <a:rPr lang="de-DE" dirty="0" err="1"/>
-              <a:t>Sparql</a:t>
-            </a:r>
-            <a:r>
-              <a:rPr lang="de-DE" dirty="0"/>
-              <a:t>: SPARQL.JS</a:t>
-            </a:r>
-          </a:p>
-          <a:p>
-            <a:r>
-              <a:rPr lang="de-DE" dirty="0" err="1"/>
-              <a:t>Sparql</a:t>
-            </a:r>
-            <a:r>
-              <a:rPr lang="de-DE" dirty="0"/>
-              <a:t>-Endpoints:</a:t>
-            </a:r>
-          </a:p>
-          <a:p>
-            <a:pPr lvl="1"/>
-            <a:r>
-              <a:rPr lang="de-DE" dirty="0" err="1"/>
-              <a:t>DBPedia</a:t>
-            </a:r>
-            <a:endParaRPr lang="de-DE" dirty="0"/>
-          </a:p>
-          <a:p>
-            <a:pPr lvl="1"/>
-            <a:r>
-              <a:rPr lang="de-DE" dirty="0" err="1"/>
-              <a:t>LinkedMDB</a:t>
-            </a:r>
-            <a:endParaRPr lang="de-DE" dirty="0"/>
-          </a:p>
-          <a:p>
-            <a:pPr lvl="1"/>
+              <a:t>?</a:t>
+            </a:r>
+          </a:p>
+        </p:txBody>
+      </p:sp>
+      <p:sp>
+        <p:nvSpPr>
+          <p:cNvPr id="5" name="Untertitel 4"/>
+          <p:cNvSpPr>
+            <a:spLocks noGrp="1"/>
+          </p:cNvSpPr>
+          <p:nvPr>
+            <p:ph type="subTitle" idx="1"/>
+          </p:nvPr>
+        </p:nvSpPr>
+        <p:spPr/>
+        <p:txBody>
+          <a:bodyPr/>
+          <a:lstStyle/>
+          <a:p>
             <a:endParaRPr lang="de-DE" dirty="0"/>
           </a:p>
         </p:txBody>
@@ -3252,7 +3159,7 @@
     </p:spTree>
     <p:extLst>
       <p:ext uri="{BB962C8B-B14F-4D97-AF65-F5344CB8AC3E}">
-        <p14:creationId xmlns:p14="http://schemas.microsoft.com/office/powerpoint/2010/main" val="1536855750"/>
+        <p14:creationId xmlns:p14="http://schemas.microsoft.com/office/powerpoint/2010/main" val="741498421"/>
       </p:ext>
     </p:extLst>
   </p:cSld>
@@ -3296,202 +3203,97 @@
           <a:p>
             <a:r>
               <a:rPr lang="de-DE" dirty="0" err="1"/>
-              <a:t>Functionality</a:t>
+              <a:t>Linked</a:t>
+            </a:r>
+            <a:r>
+              <a:rPr lang="de-DE" dirty="0"/>
+              <a:t> Movie Exploration Graph</a:t>
+            </a:r>
+          </a:p>
+        </p:txBody>
+      </p:sp>
+      <p:sp>
+        <p:nvSpPr>
+          <p:cNvPr id="3" name="Inhaltsplatzhalter 2"/>
+          <p:cNvSpPr>
+            <a:spLocks noGrp="1"/>
+          </p:cNvSpPr>
+          <p:nvPr>
+            <p:ph idx="1"/>
+          </p:nvPr>
+        </p:nvSpPr>
+        <p:spPr/>
+        <p:txBody>
+          <a:bodyPr/>
+          <a:lstStyle/>
+          <a:p>
+            <a:r>
+              <a:rPr lang="de-DE" dirty="0"/>
+              <a:t>Language: JavaScript</a:t>
+            </a:r>
+          </a:p>
+          <a:p>
+            <a:r>
+              <a:rPr lang="de-DE" dirty="0"/>
+              <a:t>Libraries: </a:t>
+            </a:r>
+          </a:p>
+          <a:p>
+            <a:pPr lvl="1"/>
+            <a:r>
+              <a:rPr lang="de-DE" dirty="0"/>
+              <a:t>Graph-Drawing: Vis.JS</a:t>
+            </a:r>
+          </a:p>
+          <a:p>
+            <a:pPr lvl="1"/>
+            <a:r>
+              <a:rPr lang="de-DE" dirty="0" err="1"/>
+              <a:t>Sparql</a:t>
+            </a:r>
+            <a:r>
+              <a:rPr lang="de-DE" dirty="0"/>
+              <a:t>: SPARQL.JS</a:t>
+            </a:r>
+          </a:p>
+          <a:p>
+            <a:r>
+              <a:rPr lang="de-DE" dirty="0" err="1"/>
+              <a:t>Sparql</a:t>
+            </a:r>
+            <a:r>
+              <a:rPr lang="de-DE" dirty="0"/>
+              <a:t>-Endpoints:</a:t>
+            </a:r>
+          </a:p>
+          <a:p>
+            <a:pPr lvl="1"/>
+            <a:r>
+              <a:rPr lang="de-DE" dirty="0" err="1"/>
+              <a:t>DBPedia</a:t>
             </a:r>
             <a:endParaRPr lang="de-DE" dirty="0"/>
           </a:p>
-        </p:txBody>
-      </p:sp>
-      <p:sp>
-        <p:nvSpPr>
-          <p:cNvPr id="3" name="Inhaltsplatzhalter 2"/>
-          <p:cNvSpPr>
-            <a:spLocks noGrp="1"/>
-          </p:cNvSpPr>
-          <p:nvPr>
-            <p:ph idx="1"/>
-          </p:nvPr>
-        </p:nvSpPr>
-        <p:spPr/>
-        <p:txBody>
-          <a:bodyPr/>
-          <a:lstStyle/>
+          <a:p>
+            <a:pPr lvl="1"/>
+            <a:r>
+              <a:rPr lang="de-DE" dirty="0" err="1"/>
+              <a:t>LinkedMDB</a:t>
+            </a:r>
+            <a:endParaRPr lang="de-DE" dirty="0"/>
+          </a:p>
           <a:p>
             <a:r>
               <a:rPr lang="de-DE" dirty="0"/>
-              <a:t>Create </a:t>
-            </a:r>
-            <a:r>
-              <a:rPr lang="de-DE" dirty="0" err="1"/>
-              <a:t>graph</a:t>
-            </a:r>
-            <a:r>
-              <a:rPr lang="de-DE" dirty="0"/>
-              <a:t> </a:t>
-            </a:r>
-            <a:r>
-              <a:rPr lang="de-DE" dirty="0" err="1"/>
-              <a:t>based</a:t>
-            </a:r>
-            <a:r>
-              <a:rPr lang="de-DE" dirty="0"/>
-              <a:t> on </a:t>
-            </a:r>
-            <a:r>
-              <a:rPr lang="de-DE" dirty="0" err="1"/>
-              <a:t>search</a:t>
-            </a:r>
-            <a:r>
-              <a:rPr lang="de-DE" dirty="0"/>
-              <a:t> </a:t>
-            </a:r>
-            <a:r>
-              <a:rPr lang="de-DE" dirty="0" err="1"/>
-              <a:t>term</a:t>
-            </a:r>
-            <a:endParaRPr lang="de-DE" dirty="0"/>
-          </a:p>
-          <a:p>
-            <a:pPr lvl="1"/>
-            <a:r>
-              <a:rPr lang="de-DE" dirty="0" err="1"/>
-              <a:t>Explore</a:t>
-            </a:r>
-            <a:r>
-              <a:rPr lang="de-DE" dirty="0"/>
-              <a:t> Movies, </a:t>
-            </a:r>
-            <a:r>
-              <a:rPr lang="de-DE" dirty="0" err="1"/>
-              <a:t>Actors</a:t>
-            </a:r>
-            <a:r>
-              <a:rPr lang="de-DE" dirty="0"/>
-              <a:t>, Producers, Awards </a:t>
-            </a:r>
-            <a:r>
-              <a:rPr lang="de-DE" dirty="0" err="1"/>
-              <a:t>etc</a:t>
-            </a:r>
-            <a:r>
-              <a:rPr lang="de-DE" dirty="0"/>
-              <a:t>! </a:t>
-            </a:r>
-          </a:p>
-          <a:p>
-            <a:pPr lvl="1"/>
-            <a:endParaRPr lang="de-DE" dirty="0"/>
-          </a:p>
-          <a:p>
-            <a:r>
-              <a:rPr lang="de-DE" dirty="0" err="1"/>
-              <a:t>Allow</a:t>
-            </a:r>
-            <a:r>
-              <a:rPr lang="de-DE" dirty="0"/>
-              <a:t> </a:t>
-            </a:r>
-            <a:r>
-              <a:rPr lang="de-DE" dirty="0" err="1"/>
-              <a:t>further</a:t>
-            </a:r>
-            <a:r>
-              <a:rPr lang="de-DE" dirty="0"/>
-              <a:t> </a:t>
-            </a:r>
-            <a:r>
-              <a:rPr lang="de-DE" dirty="0" err="1"/>
-              <a:t>exploration</a:t>
-            </a:r>
-            <a:r>
-              <a:rPr lang="de-DE" dirty="0"/>
-              <a:t> </a:t>
-            </a:r>
-            <a:r>
-              <a:rPr lang="de-DE" dirty="0" err="1"/>
-              <a:t>by</a:t>
-            </a:r>
-            <a:r>
-              <a:rPr lang="de-DE" dirty="0"/>
-              <a:t> </a:t>
-            </a:r>
-            <a:r>
-              <a:rPr lang="de-DE" dirty="0" err="1"/>
-              <a:t>clicking</a:t>
-            </a:r>
-            <a:r>
-              <a:rPr lang="de-DE" dirty="0"/>
-              <a:t> </a:t>
-            </a:r>
-            <a:r>
-              <a:rPr lang="de-DE" dirty="0" err="1"/>
-              <a:t>nodes</a:t>
-            </a:r>
-            <a:endParaRPr lang="de-DE" dirty="0"/>
-          </a:p>
-          <a:p>
-            <a:pPr lvl="1"/>
-            <a:r>
-              <a:rPr lang="de-DE" dirty="0" err="1"/>
-              <a:t>Expands</a:t>
-            </a:r>
-            <a:r>
-              <a:rPr lang="de-DE" dirty="0"/>
-              <a:t> </a:t>
-            </a:r>
-            <a:r>
-              <a:rPr lang="de-DE" dirty="0" err="1"/>
-              <a:t>the</a:t>
-            </a:r>
-            <a:r>
-              <a:rPr lang="de-DE" dirty="0"/>
-              <a:t> </a:t>
-            </a:r>
-            <a:r>
-              <a:rPr lang="de-DE" dirty="0" err="1"/>
-              <a:t>graph</a:t>
-            </a:r>
-            <a:endParaRPr lang="de-DE" dirty="0"/>
-          </a:p>
-          <a:p>
-            <a:pPr lvl="1"/>
-            <a:endParaRPr lang="de-DE" dirty="0"/>
-          </a:p>
-          <a:p>
-            <a:r>
-              <a:rPr lang="de-DE" dirty="0" err="1"/>
-              <a:t>Explore</a:t>
-            </a:r>
-            <a:r>
-              <a:rPr lang="de-DE" dirty="0"/>
-              <a:t> </a:t>
-            </a:r>
-            <a:r>
-              <a:rPr lang="de-DE" dirty="0" err="1"/>
-              <a:t>movie</a:t>
-            </a:r>
-            <a:r>
-              <a:rPr lang="de-DE" dirty="0"/>
-              <a:t> </a:t>
-            </a:r>
-            <a:r>
-              <a:rPr lang="de-DE" dirty="0" err="1"/>
-              <a:t>recommendations</a:t>
-            </a:r>
-            <a:endParaRPr lang="de-DE" dirty="0"/>
-          </a:p>
-          <a:p>
-            <a:endParaRPr lang="de-DE" dirty="0"/>
-          </a:p>
-          <a:p>
-            <a:endParaRPr lang="de-DE" dirty="0"/>
+              <a:t>Frontend-Template: Materialdesign Light</a:t>
+            </a:r>
           </a:p>
         </p:txBody>
       </p:sp>
     </p:spTree>
     <p:extLst>
       <p:ext uri="{BB962C8B-B14F-4D97-AF65-F5344CB8AC3E}">
-        <p14:creationId xmlns:p14="http://schemas.microsoft.com/office/powerpoint/2010/main" val="1815357314"/>
+        <p14:creationId xmlns:p14="http://schemas.microsoft.com/office/powerpoint/2010/main" val="1536855750"/>
       </p:ext>
     </p:extLst>
   </p:cSld>
@@ -3535,7 +3337,7 @@
           <a:p>
             <a:r>
               <a:rPr lang="de-DE" dirty="0" err="1"/>
-              <a:t>Challanges</a:t>
+              <a:t>Functionality</a:t>
             </a:r>
             <a:endParaRPr lang="de-DE" dirty="0"/>
           </a:p>
@@ -3557,107 +3359,63 @@
           <a:lstStyle/>
           <a:p>
             <a:r>
-              <a:rPr lang="de-DE" dirty="0"/>
-              <a:t>Performance </a:t>
-            </a:r>
-            <a:r>
-              <a:rPr lang="de-DE" dirty="0" err="1"/>
-              <a:t>of</a:t>
-            </a:r>
-            <a:r>
-              <a:rPr lang="de-DE" dirty="0"/>
-              <a:t> </a:t>
-            </a:r>
-            <a:r>
-              <a:rPr lang="de-DE" dirty="0" err="1"/>
-              <a:t>graph</a:t>
-            </a:r>
-            <a:r>
-              <a:rPr lang="de-DE" dirty="0"/>
-              <a:t> </a:t>
-            </a:r>
-            <a:r>
-              <a:rPr lang="de-DE" dirty="0" err="1"/>
-              <a:t>drawing</a:t>
-            </a:r>
-            <a:endParaRPr lang="de-DE" dirty="0"/>
-          </a:p>
-          <a:p>
-            <a:endParaRPr lang="de-DE" dirty="0"/>
-          </a:p>
-          <a:p>
-            <a:r>
-              <a:rPr lang="de-DE" dirty="0" err="1"/>
-              <a:t>Merge</a:t>
-            </a:r>
-            <a:r>
-              <a:rPr lang="de-DE" dirty="0"/>
-              <a:t> </a:t>
-            </a:r>
-            <a:r>
-              <a:rPr lang="de-DE" dirty="0" err="1"/>
-              <a:t>already</a:t>
-            </a:r>
-            <a:r>
-              <a:rPr lang="de-DE" dirty="0"/>
-              <a:t> </a:t>
-            </a:r>
-            <a:r>
-              <a:rPr lang="de-DE" dirty="0" err="1"/>
-              <a:t>existing</a:t>
-            </a:r>
-            <a:r>
-              <a:rPr lang="de-DE" dirty="0"/>
-              <a:t> </a:t>
-            </a:r>
-            <a:r>
-              <a:rPr lang="de-DE" dirty="0" err="1"/>
-              <a:t>nodes</a:t>
-            </a:r>
-            <a:endParaRPr lang="de-DE" dirty="0"/>
-          </a:p>
-          <a:p>
-            <a:endParaRPr lang="de-DE" dirty="0"/>
-          </a:p>
-          <a:p>
-            <a:r>
-              <a:rPr lang="de-DE" dirty="0"/>
-              <a:t>CORS-</a:t>
-            </a:r>
-            <a:r>
-              <a:rPr lang="de-DE" dirty="0" err="1"/>
-              <a:t>Requests</a:t>
-            </a:r>
-            <a:r>
-              <a:rPr lang="de-DE" dirty="0"/>
-              <a:t> </a:t>
-            </a:r>
-            <a:r>
-              <a:rPr lang="de-DE" dirty="0" err="1"/>
-              <a:t>are</a:t>
-            </a:r>
-            <a:r>
-              <a:rPr lang="de-DE" dirty="0"/>
-              <a:t> </a:t>
-            </a:r>
-            <a:r>
-              <a:rPr lang="de-DE" dirty="0" err="1"/>
-              <a:t>forbidden</a:t>
-            </a:r>
-            <a:r>
-              <a:rPr lang="de-DE" dirty="0"/>
-              <a:t> in JavaScript</a:t>
-            </a:r>
-          </a:p>
-          <a:p>
-            <a:endParaRPr lang="de-DE" dirty="0"/>
+              <a:rPr lang="en-GB" dirty="0"/>
+              <a:t>Create graph based on search term</a:t>
+            </a:r>
+          </a:p>
+          <a:p>
+            <a:pPr lvl="1"/>
+            <a:r>
+              <a:rPr lang="en-GB" dirty="0"/>
+              <a:t>Explore Movies, Actors, Producers, Awards, etc. </a:t>
+            </a:r>
+          </a:p>
+          <a:p>
+            <a:pPr lvl="1"/>
+            <a:endParaRPr lang="en-GB" dirty="0"/>
+          </a:p>
+          <a:p>
+            <a:r>
+              <a:rPr lang="en-GB" dirty="0"/>
+              <a:t>Allow further exploration by clicking nodes</a:t>
+            </a:r>
+          </a:p>
+          <a:p>
+            <a:pPr lvl="1"/>
+            <a:r>
+              <a:rPr lang="en-GB" dirty="0"/>
+              <a:t>Loads further data from SPARQL endpoint</a:t>
+            </a:r>
+          </a:p>
+          <a:p>
+            <a:pPr lvl="1"/>
+            <a:r>
+              <a:rPr lang="en-GB" dirty="0"/>
+              <a:t>Expands the graph</a:t>
+            </a:r>
+          </a:p>
+          <a:p>
+            <a:pPr lvl="1"/>
+            <a:endParaRPr lang="en-GB" dirty="0"/>
+          </a:p>
+          <a:p>
+            <a:r>
+              <a:rPr lang="en-GB" dirty="0"/>
+              <a:t>Explore movie recommendations</a:t>
+            </a:r>
+          </a:p>
+          <a:p>
+            <a:endParaRPr lang="en-GB" dirty="0"/>
+          </a:p>
+          <a:p>
+            <a:endParaRPr lang="en-GB" dirty="0"/>
           </a:p>
         </p:txBody>
       </p:sp>
     </p:spTree>
     <p:extLst>
       <p:ext uri="{BB962C8B-B14F-4D97-AF65-F5344CB8AC3E}">
-        <p14:creationId xmlns:p14="http://schemas.microsoft.com/office/powerpoint/2010/main" val="3389106340"/>
+        <p14:creationId xmlns:p14="http://schemas.microsoft.com/office/powerpoint/2010/main" val="1815357314"/>
       </p:ext>
     </p:extLst>
   </p:cSld>
@@ -3700,18 +3458,9 @@
           <a:lstStyle/>
           <a:p>
             <a:r>
-              <a:rPr lang="de-DE" dirty="0" err="1"/>
-              <a:t>Workload</a:t>
-            </a:r>
-            <a:r>
-              <a:rPr lang="de-DE" dirty="0"/>
-              <a:t> </a:t>
-            </a:r>
-            <a:r>
-              <a:rPr lang="de-DE" dirty="0" err="1"/>
-              <a:t>separation</a:t>
-            </a:r>
-            <a:endParaRPr lang="de-DE" dirty="0"/>
+              <a:rPr lang="en-GB" dirty="0"/>
+              <a:t>Challenges</a:t>
+            </a:r>
           </a:p>
         </p:txBody>
       </p:sp>
@@ -3731,28 +3480,58 @@
           <a:lstStyle/>
           <a:p>
             <a:r>
-              <a:rPr lang="de-DE" dirty="0"/>
-              <a:t>Lorenzo Toso</a:t>
+              <a:rPr lang="en-GB" dirty="0"/>
+              <a:t>Performance of graph drawing </a:t>
             </a:r>
           </a:p>
           <a:p>
             <a:pPr lvl="1"/>
             <a:r>
-              <a:rPr lang="de-DE" dirty="0" err="1"/>
-              <a:t>Sparql</a:t>
-            </a:r>
-            <a:endParaRPr lang="de-DE" dirty="0"/>
+              <a:rPr lang="en-GB" dirty="0"/>
+              <a:t>Images are expensive to display</a:t>
+            </a:r>
           </a:p>
           <a:p>
             <a:pPr lvl="1"/>
-            <a:endParaRPr lang="de-DE" dirty="0"/>
+            <a:r>
+              <a:rPr lang="en-GB" dirty="0"/>
+              <a:t>Need to be redrawn every time the nodes moves</a:t>
+            </a:r>
+          </a:p>
+          <a:p>
+            <a:endParaRPr lang="en-GB" dirty="0"/>
+          </a:p>
+          <a:p>
+            <a:r>
+              <a:rPr lang="en-GB" dirty="0"/>
+              <a:t>Merge already existing nodes</a:t>
+            </a:r>
+          </a:p>
+          <a:p>
+            <a:pPr lvl="1"/>
+            <a:r>
+              <a:rPr lang="en-GB" dirty="0"/>
+              <a:t>Loops (TODO : WRONG) are better then duplicated nodes</a:t>
+            </a:r>
+          </a:p>
+          <a:p>
+            <a:endParaRPr lang="en-GB" dirty="0"/>
+          </a:p>
+          <a:p>
+            <a:r>
+              <a:rPr lang="en-GB" dirty="0"/>
+              <a:t>CORS-Requests</a:t>
+            </a:r>
+          </a:p>
+          <a:p>
+            <a:endParaRPr lang="en-GB" dirty="0"/>
           </a:p>
         </p:txBody>
       </p:sp>
     </p:spTree>
     <p:extLst>
       <p:ext uri="{BB962C8B-B14F-4D97-AF65-F5344CB8AC3E}">
-        <p14:creationId xmlns:p14="http://schemas.microsoft.com/office/powerpoint/2010/main" val="3234659082"/>
+        <p14:creationId xmlns:p14="http://schemas.microsoft.com/office/powerpoint/2010/main" val="3389106340"/>
       </p:ext>
     </p:extLst>
   </p:cSld>
@@ -3781,49 +3560,86 @@
       </p:grpSpPr>
       <p:sp>
         <p:nvSpPr>
-          <p:cNvPr id="4" name="Titel 3"/>
-          <p:cNvSpPr>
-            <a:spLocks noGrp="1"/>
-          </p:cNvSpPr>
-          <p:nvPr>
-            <p:ph type="ctrTitle"/>
-          </p:nvPr>
-        </p:nvSpPr>
-        <p:spPr/>
-        <p:txBody>
-          <a:bodyPr/>
-          <a:lstStyle/>
-          <a:p>
+          <p:cNvPr id="2" name="Titel 1"/>
+          <p:cNvSpPr>
+            <a:spLocks noGrp="1"/>
+          </p:cNvSpPr>
+          <p:nvPr>
+            <p:ph type="title"/>
+          </p:nvPr>
+        </p:nvSpPr>
+        <p:spPr/>
+        <p:txBody>
+          <a:bodyPr/>
+          <a:lstStyle/>
+          <a:p>
+            <a:r>
+              <a:rPr lang="de-DE" dirty="0" err="1"/>
+              <a:t>Workload</a:t>
+            </a:r>
             <a:r>
               <a:rPr lang="de-DE" dirty="0"/>
-              <a:t>Live Demo</a:t>
-            </a:r>
-          </a:p>
-        </p:txBody>
-      </p:sp>
-      <p:sp>
-        <p:nvSpPr>
-          <p:cNvPr id="5" name="Untertitel 4"/>
-          <p:cNvSpPr>
-            <a:spLocks noGrp="1"/>
-          </p:cNvSpPr>
-          <p:nvPr>
-            <p:ph type="subTitle" idx="1"/>
-          </p:nvPr>
-        </p:nvSpPr>
-        <p:spPr/>
-        <p:txBody>
-          <a:bodyPr/>
-          <a:lstStyle/>
-          <a:p>
-            <a:endParaRPr lang="de-DE"/>
+              <a:t> </a:t>
+            </a:r>
+            <a:r>
+              <a:rPr lang="de-DE" dirty="0" err="1"/>
+              <a:t>separation</a:t>
+            </a:r>
+            <a:endParaRPr lang="de-DE" dirty="0"/>
+          </a:p>
+        </p:txBody>
+      </p:sp>
+      <p:sp>
+        <p:nvSpPr>
+          <p:cNvPr id="3" name="Inhaltsplatzhalter 2"/>
+          <p:cNvSpPr>
+            <a:spLocks noGrp="1"/>
+          </p:cNvSpPr>
+          <p:nvPr>
+            <p:ph idx="1"/>
+          </p:nvPr>
+        </p:nvSpPr>
+        <p:spPr/>
+        <p:txBody>
+          <a:bodyPr/>
+          <a:lstStyle/>
+          <a:p>
+            <a:r>
+              <a:rPr lang="de-DE" dirty="0"/>
+              <a:t>Lorenzo Toso</a:t>
+            </a:r>
+          </a:p>
+          <a:p>
+            <a:pPr lvl="1"/>
+            <a:r>
+              <a:rPr lang="de-DE" dirty="0" err="1"/>
+              <a:t>Sparql</a:t>
+            </a:r>
+            <a:endParaRPr lang="de-DE" dirty="0"/>
+          </a:p>
+          <a:p>
+            <a:r>
+              <a:rPr lang="de-DE" dirty="0"/>
+              <a:t>Mathias Möller</a:t>
+            </a:r>
+          </a:p>
+          <a:p>
+            <a:pPr lvl="1"/>
+            <a:r>
+              <a:rPr lang="de-DE" dirty="0"/>
+              <a:t>Nasebohren &amp; Eierschaukeln</a:t>
+            </a:r>
+          </a:p>
+          <a:p>
+            <a:pPr lvl="1"/>
+            <a:endParaRPr lang="de-DE" dirty="0"/>
           </a:p>
         </p:txBody>
       </p:sp>
     </p:spTree>
     <p:extLst>
       <p:ext uri="{BB962C8B-B14F-4D97-AF65-F5344CB8AC3E}">
-        <p14:creationId xmlns:p14="http://schemas.microsoft.com/office/powerpoint/2010/main" val="741498421"/>
+        <p14:creationId xmlns:p14="http://schemas.microsoft.com/office/powerpoint/2010/main" val="3234659082"/>
       </p:ext>
     </p:extLst>
   </p:cSld>

--- a/Linked Movie Exploration Graph.pptx
+++ b/Linked Movie Exploration Graph.pptx
@@ -6,11 +6,12 @@
   </p:sldMasterIdLst>
   <p:sldIdLst>
     <p:sldId id="256" r:id="rId2"/>
-    <p:sldId id="257" r:id="rId3"/>
-    <p:sldId id="258" r:id="rId4"/>
-    <p:sldId id="259" r:id="rId5"/>
-    <p:sldId id="261" r:id="rId6"/>
-    <p:sldId id="260" r:id="rId7"/>
+    <p:sldId id="260" r:id="rId3"/>
+    <p:sldId id="257" r:id="rId4"/>
+    <p:sldId id="258" r:id="rId5"/>
+    <p:sldId id="259" r:id="rId6"/>
+    <p:sldId id="261" r:id="rId7"/>
+    <p:sldId id="262" r:id="rId8"/>
   </p:sldIdLst>
   <p:sldSz cx="12192000" cy="6858000"/>
   <p:notesSz cx="6858000" cy="9144000"/>
@@ -246,7 +247,7 @@
           <a:p>
             <a:fld id="{2107A019-A245-4CF9-8404-4037D2D39BB4}" type="datetimeFigureOut">
               <a:rPr lang="de-DE" smtClean="0"/>
-              <a:t>12.12.2016</a:t>
+              <a:t>13.12.2016</a:t>
             </a:fld>
             <a:endParaRPr lang="de-DE"/>
           </a:p>
@@ -414,7 +415,7 @@
           <a:p>
             <a:fld id="{2107A019-A245-4CF9-8404-4037D2D39BB4}" type="datetimeFigureOut">
               <a:rPr lang="de-DE" smtClean="0"/>
-              <a:t>12.12.2016</a:t>
+              <a:t>13.12.2016</a:t>
             </a:fld>
             <a:endParaRPr lang="de-DE"/>
           </a:p>
@@ -592,7 +593,7 @@
           <a:p>
             <a:fld id="{2107A019-A245-4CF9-8404-4037D2D39BB4}" type="datetimeFigureOut">
               <a:rPr lang="de-DE" smtClean="0"/>
-              <a:t>12.12.2016</a:t>
+              <a:t>13.12.2016</a:t>
             </a:fld>
             <a:endParaRPr lang="de-DE"/>
           </a:p>
@@ -760,7 +761,7 @@
           <a:p>
             <a:fld id="{2107A019-A245-4CF9-8404-4037D2D39BB4}" type="datetimeFigureOut">
               <a:rPr lang="de-DE" smtClean="0"/>
-              <a:t>12.12.2016</a:t>
+              <a:t>13.12.2016</a:t>
             </a:fld>
             <a:endParaRPr lang="de-DE"/>
           </a:p>
@@ -1005,7 +1006,7 @@
           <a:p>
             <a:fld id="{2107A019-A245-4CF9-8404-4037D2D39BB4}" type="datetimeFigureOut">
               <a:rPr lang="de-DE" smtClean="0"/>
-              <a:t>12.12.2016</a:t>
+              <a:t>13.12.2016</a:t>
             </a:fld>
             <a:endParaRPr lang="de-DE"/>
           </a:p>
@@ -1234,7 +1235,7 @@
           <a:p>
             <a:fld id="{2107A019-A245-4CF9-8404-4037D2D39BB4}" type="datetimeFigureOut">
               <a:rPr lang="de-DE" smtClean="0"/>
-              <a:t>12.12.2016</a:t>
+              <a:t>13.12.2016</a:t>
             </a:fld>
             <a:endParaRPr lang="de-DE"/>
           </a:p>
@@ -1598,7 +1599,7 @@
           <a:p>
             <a:fld id="{2107A019-A245-4CF9-8404-4037D2D39BB4}" type="datetimeFigureOut">
               <a:rPr lang="de-DE" smtClean="0"/>
-              <a:t>12.12.2016</a:t>
+              <a:t>13.12.2016</a:t>
             </a:fld>
             <a:endParaRPr lang="de-DE"/>
           </a:p>
@@ -1715,7 +1716,7 @@
           <a:p>
             <a:fld id="{2107A019-A245-4CF9-8404-4037D2D39BB4}" type="datetimeFigureOut">
               <a:rPr lang="de-DE" smtClean="0"/>
-              <a:t>12.12.2016</a:t>
+              <a:t>13.12.2016</a:t>
             </a:fld>
             <a:endParaRPr lang="de-DE"/>
           </a:p>
@@ -1810,7 +1811,7 @@
           <a:p>
             <a:fld id="{2107A019-A245-4CF9-8404-4037D2D39BB4}" type="datetimeFigureOut">
               <a:rPr lang="de-DE" smtClean="0"/>
-              <a:t>12.12.2016</a:t>
+              <a:t>13.12.2016</a:t>
             </a:fld>
             <a:endParaRPr lang="de-DE"/>
           </a:p>
@@ -2085,7 +2086,7 @@
           <a:p>
             <a:fld id="{2107A019-A245-4CF9-8404-4037D2D39BB4}" type="datetimeFigureOut">
               <a:rPr lang="de-DE" smtClean="0"/>
-              <a:t>12.12.2016</a:t>
+              <a:t>13.12.2016</a:t>
             </a:fld>
             <a:endParaRPr lang="de-DE"/>
           </a:p>
@@ -2337,7 +2338,7 @@
           <a:p>
             <a:fld id="{2107A019-A245-4CF9-8404-4037D2D39BB4}" type="datetimeFigureOut">
               <a:rPr lang="de-DE" smtClean="0"/>
-              <a:t>12.12.2016</a:t>
+              <a:t>13.12.2016</a:t>
             </a:fld>
             <a:endParaRPr lang="de-DE"/>
           </a:p>
@@ -2548,7 +2549,7 @@
           <a:p>
             <a:fld id="{2107A019-A245-4CF9-8404-4037D2D39BB4}" type="datetimeFigureOut">
               <a:rPr lang="de-DE" smtClean="0"/>
-              <a:t>12.12.2016</a:t>
+              <a:t>13.12.2016</a:t>
             </a:fld>
             <a:endParaRPr lang="de-DE"/>
           </a:p>
@@ -3072,15 +3073,7 @@
             </a:r>
             <a:r>
               <a:rPr lang="de-DE" dirty="0"/>
-              <a:t> </a:t>
-            </a:r>
-            <a:r>
-              <a:rPr lang="de-DE" sz="2450" dirty="0"/>
-              <a:t>Lorenzo Toso</a:t>
-            </a:r>
-            <a:r>
-              <a:rPr lang="de-DE" dirty="0"/>
-              <a:t> &amp; Mathias Möller</a:t>
+              <a:t> Lorenzo Toso &amp; Mathias Möller</a:t>
             </a:r>
           </a:p>
         </p:txBody>
@@ -3117,116 +3110,41 @@
       </p:grpSpPr>
       <p:sp>
         <p:nvSpPr>
-          <p:cNvPr id="2" name="Titel 1"/>
-          <p:cNvSpPr>
-            <a:spLocks noGrp="1"/>
-          </p:cNvSpPr>
-          <p:nvPr>
-            <p:ph type="title"/>
-          </p:nvPr>
-        </p:nvSpPr>
-        <p:spPr/>
-        <p:txBody>
-          <a:bodyPr/>
-          <a:lstStyle/>
-          <a:p>
-            <a:r>
-              <a:rPr lang="de-DE" dirty="0" err="1"/>
-              <a:t>Linked</a:t>
-            </a:r>
+          <p:cNvPr id="4" name="Titel 3"/>
+          <p:cNvSpPr>
+            <a:spLocks noGrp="1"/>
+          </p:cNvSpPr>
+          <p:nvPr>
+            <p:ph type="ctrTitle"/>
+          </p:nvPr>
+        </p:nvSpPr>
+        <p:spPr/>
+        <p:txBody>
+          <a:bodyPr/>
+          <a:lstStyle/>
+          <a:p>
             <a:r>
               <a:rPr lang="de-DE" dirty="0"/>
-              <a:t> Movie Exploration Graph</a:t>
-            </a:r>
-          </a:p>
-        </p:txBody>
-      </p:sp>
-      <p:sp>
-        <p:nvSpPr>
-          <p:cNvPr id="3" name="Inhaltsplatzhalter 2"/>
-          <p:cNvSpPr>
-            <a:spLocks noGrp="1"/>
-          </p:cNvSpPr>
-          <p:nvPr>
-            <p:ph idx="1"/>
-          </p:nvPr>
-        </p:nvSpPr>
-        <p:spPr/>
-        <p:txBody>
-          <a:bodyPr/>
-          <a:lstStyle/>
-          <a:p>
-            <a:r>
-              <a:rPr lang="de-DE" dirty="0"/>
-              <a:t>Language: JavaScript</a:t>
-            </a:r>
-          </a:p>
-          <a:p>
-            <a:r>
-              <a:rPr lang="de-DE" dirty="0"/>
-              <a:t>Frontend-Template: Materialdesign Light (</a:t>
-            </a:r>
-            <a:r>
-              <a:rPr lang="de-DE" dirty="0" err="1"/>
-              <a:t>Cutting</a:t>
-            </a:r>
-            <a:r>
-              <a:rPr lang="de-DE" dirty="0"/>
-              <a:t> Edge)</a:t>
-            </a:r>
-          </a:p>
-          <a:p>
-            <a:r>
-              <a:rPr lang="de-DE" dirty="0"/>
-              <a:t>Libraries: </a:t>
-            </a:r>
-          </a:p>
-          <a:p>
-            <a:pPr lvl="1"/>
-            <a:r>
-              <a:rPr lang="de-DE" dirty="0"/>
-              <a:t>Graph-Drawing: Vis.JS</a:t>
-            </a:r>
-          </a:p>
-          <a:p>
-            <a:pPr lvl="1"/>
-            <a:r>
-              <a:rPr lang="de-DE" dirty="0" err="1"/>
-              <a:t>Sparql</a:t>
-            </a:r>
-            <a:r>
-              <a:rPr lang="de-DE" dirty="0"/>
-              <a:t>: SPARQL.JS</a:t>
-            </a:r>
-          </a:p>
-          <a:p>
-            <a:r>
-              <a:rPr lang="de-DE" dirty="0" err="1"/>
-              <a:t>Sparql</a:t>
-            </a:r>
-            <a:r>
-              <a:rPr lang="de-DE" dirty="0"/>
-              <a:t>-Endpoints:</a:t>
-            </a:r>
-          </a:p>
-          <a:p>
-            <a:pPr lvl="1"/>
-            <a:r>
-              <a:rPr lang="de-DE" dirty="0" err="1"/>
-              <a:t>DBPedia</a:t>
-            </a:r>
-            <a:endParaRPr lang="de-DE" dirty="0"/>
-          </a:p>
-          <a:p>
-            <a:pPr lvl="1"/>
-            <a:r>
-              <a:rPr lang="de-DE" dirty="0" err="1"/>
-              <a:t>LinkedMDB</a:t>
-            </a:r>
-            <a:endParaRPr lang="de-DE" dirty="0"/>
-          </a:p>
-          <a:p>
-            <a:pPr lvl="1"/>
+              <a:t>Live Demo</a:t>
+            </a:r>
+          </a:p>
+        </p:txBody>
+      </p:sp>
+      <p:sp>
+        <p:nvSpPr>
+          <p:cNvPr id="5" name="Untertitel 4"/>
+          <p:cNvSpPr>
+            <a:spLocks noGrp="1"/>
+          </p:cNvSpPr>
+          <p:nvPr>
+            <p:ph type="subTitle" idx="1"/>
+          </p:nvPr>
+        </p:nvSpPr>
+        <p:spPr/>
+        <p:txBody>
+          <a:bodyPr/>
+          <a:lstStyle/>
+          <a:p>
             <a:endParaRPr lang="de-DE" dirty="0"/>
           </a:p>
         </p:txBody>
@@ -3234,7 +3152,7 @@
     </p:spTree>
     <p:extLst>
       <p:ext uri="{BB962C8B-B14F-4D97-AF65-F5344CB8AC3E}">
-        <p14:creationId xmlns:p14="http://schemas.microsoft.com/office/powerpoint/2010/main" val="1536855750"/>
+        <p14:creationId xmlns:p14="http://schemas.microsoft.com/office/powerpoint/2010/main" val="741498421"/>
       </p:ext>
     </p:extLst>
   </p:cSld>
@@ -3278,202 +3196,105 @@
           <a:p>
             <a:r>
               <a:rPr lang="de-DE" dirty="0" err="1"/>
-              <a:t>Functionality</a:t>
+              <a:t>Linked</a:t>
+            </a:r>
+            <a:r>
+              <a:rPr lang="de-DE" dirty="0"/>
+              <a:t> Movie Exploration Graph</a:t>
+            </a:r>
+          </a:p>
+        </p:txBody>
+      </p:sp>
+      <p:sp>
+        <p:nvSpPr>
+          <p:cNvPr id="3" name="Inhaltsplatzhalter 2"/>
+          <p:cNvSpPr>
+            <a:spLocks noGrp="1"/>
+          </p:cNvSpPr>
+          <p:nvPr>
+            <p:ph idx="1"/>
+          </p:nvPr>
+        </p:nvSpPr>
+        <p:spPr/>
+        <p:txBody>
+          <a:bodyPr/>
+          <a:lstStyle/>
+          <a:p>
+            <a:r>
+              <a:rPr lang="de-DE" dirty="0"/>
+              <a:t>Language: JavaScript</a:t>
+            </a:r>
+          </a:p>
+          <a:p>
+            <a:r>
+              <a:rPr lang="de-DE" dirty="0"/>
+              <a:t>Libraries: </a:t>
+            </a:r>
+          </a:p>
+          <a:p>
+            <a:pPr lvl="1"/>
+            <a:r>
+              <a:rPr lang="de-DE" dirty="0"/>
+              <a:t>Graph-Drawing: Vis.JS (</a:t>
+            </a:r>
+            <a:r>
+              <a:rPr lang="en-GB" dirty="0"/>
+              <a:t>temporarily</a:t>
+            </a:r>
+            <a:r>
+              <a:rPr lang="de-DE" dirty="0"/>
+              <a:t>)</a:t>
+            </a:r>
+          </a:p>
+          <a:p>
+            <a:pPr lvl="1"/>
+            <a:r>
+              <a:rPr lang="de-DE" dirty="0" err="1"/>
+              <a:t>Sparql</a:t>
+            </a:r>
+            <a:r>
+              <a:rPr lang="de-DE" dirty="0"/>
+              <a:t>: SPARQL.JS</a:t>
+            </a:r>
+          </a:p>
+          <a:p>
+            <a:r>
+              <a:rPr lang="de-DE" dirty="0" err="1"/>
+              <a:t>Sparql</a:t>
+            </a:r>
+            <a:r>
+              <a:rPr lang="de-DE" dirty="0"/>
+              <a:t>-Endpoints:	</a:t>
+            </a:r>
+          </a:p>
+          <a:p>
+            <a:pPr lvl="1"/>
+            <a:r>
+              <a:rPr lang="de-DE" dirty="0" err="1"/>
+              <a:t>DBPedia</a:t>
             </a:r>
             <a:endParaRPr lang="de-DE" dirty="0"/>
           </a:p>
-        </p:txBody>
-      </p:sp>
-      <p:sp>
-        <p:nvSpPr>
-          <p:cNvPr id="3" name="Inhaltsplatzhalter 2"/>
-          <p:cNvSpPr>
-            <a:spLocks noGrp="1"/>
-          </p:cNvSpPr>
-          <p:nvPr>
-            <p:ph idx="1"/>
-          </p:nvPr>
-        </p:nvSpPr>
-        <p:spPr/>
-        <p:txBody>
-          <a:bodyPr/>
-          <a:lstStyle/>
+          <a:p>
+            <a:pPr lvl="1"/>
+            <a:r>
+              <a:rPr lang="de-DE" dirty="0" err="1"/>
+              <a:t>LinkedMDB</a:t>
+            </a:r>
+            <a:endParaRPr lang="de-DE" dirty="0"/>
+          </a:p>
           <a:p>
             <a:r>
               <a:rPr lang="de-DE" dirty="0"/>
-              <a:t>Create </a:t>
-            </a:r>
-            <a:r>
-              <a:rPr lang="de-DE" dirty="0" err="1"/>
-              <a:t>graph</a:t>
-            </a:r>
-            <a:r>
-              <a:rPr lang="de-DE" dirty="0"/>
-              <a:t> </a:t>
-            </a:r>
-            <a:r>
-              <a:rPr lang="de-DE" dirty="0" err="1"/>
-              <a:t>based</a:t>
-            </a:r>
-            <a:r>
-              <a:rPr lang="de-DE" dirty="0"/>
-              <a:t> on </a:t>
-            </a:r>
-            <a:r>
-              <a:rPr lang="de-DE" dirty="0" err="1"/>
-              <a:t>search</a:t>
-            </a:r>
-            <a:r>
-              <a:rPr lang="de-DE" dirty="0"/>
-              <a:t> </a:t>
-            </a:r>
-            <a:r>
-              <a:rPr lang="de-DE" dirty="0" err="1"/>
-              <a:t>term</a:t>
-            </a:r>
-            <a:endParaRPr lang="de-DE" dirty="0"/>
-          </a:p>
-          <a:p>
-            <a:pPr lvl="1"/>
-            <a:r>
-              <a:rPr lang="de-DE" dirty="0" err="1"/>
-              <a:t>Explore</a:t>
-            </a:r>
-            <a:r>
-              <a:rPr lang="de-DE" dirty="0"/>
-              <a:t> Movies, </a:t>
-            </a:r>
-            <a:r>
-              <a:rPr lang="de-DE" dirty="0" err="1"/>
-              <a:t>Actors</a:t>
-            </a:r>
-            <a:r>
-              <a:rPr lang="de-DE" dirty="0"/>
-              <a:t>, Producers, Awards </a:t>
-            </a:r>
-            <a:r>
-              <a:rPr lang="de-DE" dirty="0" err="1"/>
-              <a:t>etc</a:t>
-            </a:r>
-            <a:r>
-              <a:rPr lang="de-DE" dirty="0"/>
-              <a:t>! </a:t>
-            </a:r>
-          </a:p>
-          <a:p>
-            <a:pPr lvl="1"/>
-            <a:endParaRPr lang="de-DE" dirty="0"/>
-          </a:p>
-          <a:p>
-            <a:r>
-              <a:rPr lang="de-DE" dirty="0" err="1"/>
-              <a:t>Allow</a:t>
-            </a:r>
-            <a:r>
-              <a:rPr lang="de-DE" dirty="0"/>
-              <a:t> </a:t>
-            </a:r>
-            <a:r>
-              <a:rPr lang="de-DE" dirty="0" err="1"/>
-              <a:t>further</a:t>
-            </a:r>
-            <a:r>
-              <a:rPr lang="de-DE" dirty="0"/>
-              <a:t> </a:t>
-            </a:r>
-            <a:r>
-              <a:rPr lang="de-DE" dirty="0" err="1"/>
-              <a:t>exploration</a:t>
-            </a:r>
-            <a:r>
-              <a:rPr lang="de-DE" dirty="0"/>
-              <a:t> </a:t>
-            </a:r>
-            <a:r>
-              <a:rPr lang="de-DE" dirty="0" err="1"/>
-              <a:t>by</a:t>
-            </a:r>
-            <a:r>
-              <a:rPr lang="de-DE" dirty="0"/>
-              <a:t> </a:t>
-            </a:r>
-            <a:r>
-              <a:rPr lang="de-DE" dirty="0" err="1"/>
-              <a:t>clicking</a:t>
-            </a:r>
-            <a:r>
-              <a:rPr lang="de-DE" dirty="0"/>
-              <a:t> </a:t>
-            </a:r>
-            <a:r>
-              <a:rPr lang="de-DE" dirty="0" err="1"/>
-              <a:t>nodes</a:t>
-            </a:r>
-            <a:endParaRPr lang="de-DE" dirty="0"/>
-          </a:p>
-          <a:p>
-            <a:pPr lvl="1"/>
-            <a:r>
-              <a:rPr lang="de-DE" dirty="0" err="1"/>
-              <a:t>Expands</a:t>
-            </a:r>
-            <a:r>
-              <a:rPr lang="de-DE" dirty="0"/>
-              <a:t> </a:t>
-            </a:r>
-            <a:r>
-              <a:rPr lang="de-DE" dirty="0" err="1"/>
-              <a:t>the</a:t>
-            </a:r>
-            <a:r>
-              <a:rPr lang="de-DE" dirty="0"/>
-              <a:t> </a:t>
-            </a:r>
-            <a:r>
-              <a:rPr lang="de-DE" dirty="0" err="1"/>
-              <a:t>graph</a:t>
-            </a:r>
-            <a:endParaRPr lang="de-DE" dirty="0"/>
-          </a:p>
-          <a:p>
-            <a:pPr lvl="1"/>
-            <a:endParaRPr lang="de-DE" dirty="0"/>
-          </a:p>
-          <a:p>
-            <a:r>
-              <a:rPr lang="de-DE" dirty="0" err="1"/>
-              <a:t>Explore</a:t>
-            </a:r>
-            <a:r>
-              <a:rPr lang="de-DE" dirty="0"/>
-              <a:t> </a:t>
-            </a:r>
-            <a:r>
-              <a:rPr lang="de-DE" dirty="0" err="1"/>
-              <a:t>movie</a:t>
-            </a:r>
-            <a:r>
-              <a:rPr lang="de-DE" dirty="0"/>
-              <a:t> </a:t>
-            </a:r>
-            <a:r>
-              <a:rPr lang="de-DE" dirty="0" err="1"/>
-              <a:t>recommendations</a:t>
-            </a:r>
-            <a:endParaRPr lang="de-DE" dirty="0"/>
-          </a:p>
-          <a:p>
-            <a:endParaRPr lang="de-DE" dirty="0"/>
-          </a:p>
-          <a:p>
-            <a:endParaRPr lang="de-DE" dirty="0"/>
+              <a:t>Frontend-Template: Materialdesign Light</a:t>
+            </a:r>
           </a:p>
         </p:txBody>
       </p:sp>
     </p:spTree>
     <p:extLst>
       <p:ext uri="{BB962C8B-B14F-4D97-AF65-F5344CB8AC3E}">
-        <p14:creationId xmlns:p14="http://schemas.microsoft.com/office/powerpoint/2010/main" val="1815357314"/>
+        <p14:creationId xmlns:p14="http://schemas.microsoft.com/office/powerpoint/2010/main" val="1536855750"/>
       </p:ext>
     </p:extLst>
   </p:cSld>
@@ -3517,7 +3338,7 @@
           <a:p>
             <a:r>
               <a:rPr lang="de-DE" dirty="0" err="1"/>
-              <a:t>Challanges</a:t>
+              <a:t>Functionality</a:t>
             </a:r>
             <a:endParaRPr lang="de-DE" dirty="0"/>
           </a:p>
@@ -3539,130 +3360,63 @@
           <a:lstStyle/>
           <a:p>
             <a:r>
-              <a:rPr lang="de-DE" dirty="0"/>
-              <a:t>Performance </a:t>
-            </a:r>
-            <a:r>
-              <a:rPr lang="de-DE" dirty="0" err="1"/>
-              <a:t>of</a:t>
-            </a:r>
-            <a:r>
-              <a:rPr lang="de-DE" dirty="0"/>
-              <a:t> </a:t>
-            </a:r>
-            <a:r>
-              <a:rPr lang="de-DE" dirty="0" err="1"/>
-              <a:t>graph</a:t>
-            </a:r>
-            <a:r>
-              <a:rPr lang="de-DE" dirty="0"/>
-              <a:t> </a:t>
-            </a:r>
-            <a:r>
-              <a:rPr lang="de-DE" dirty="0" err="1"/>
-              <a:t>drawing</a:t>
-            </a:r>
-            <a:endParaRPr lang="de-DE" dirty="0"/>
-          </a:p>
-          <a:p>
-            <a:endParaRPr lang="de-DE" dirty="0"/>
-          </a:p>
-          <a:p>
-            <a:r>
-              <a:rPr lang="de-DE" dirty="0" err="1"/>
-              <a:t>Merge</a:t>
-            </a:r>
-            <a:r>
-              <a:rPr lang="de-DE" dirty="0"/>
-              <a:t> </a:t>
-            </a:r>
-            <a:r>
-              <a:rPr lang="de-DE" dirty="0" err="1"/>
-              <a:t>already</a:t>
-            </a:r>
-            <a:r>
-              <a:rPr lang="de-DE" dirty="0"/>
-              <a:t> </a:t>
-            </a:r>
-            <a:r>
-              <a:rPr lang="de-DE" dirty="0" err="1"/>
-              <a:t>existing</a:t>
-            </a:r>
-            <a:r>
-              <a:rPr lang="de-DE" dirty="0"/>
-              <a:t> </a:t>
-            </a:r>
-            <a:r>
-              <a:rPr lang="de-DE" dirty="0" err="1"/>
-              <a:t>nodes</a:t>
-            </a:r>
-            <a:endParaRPr lang="de-DE" dirty="0"/>
-          </a:p>
-          <a:p>
-            <a:endParaRPr lang="de-DE" dirty="0"/>
-          </a:p>
-          <a:p>
-            <a:r>
-              <a:rPr lang="de-DE" dirty="0"/>
-              <a:t>CORS-</a:t>
-            </a:r>
-            <a:r>
-              <a:rPr lang="de-DE" dirty="0" err="1"/>
-              <a:t>Requests</a:t>
-            </a:r>
-            <a:r>
-              <a:rPr lang="de-DE" dirty="0"/>
-              <a:t> </a:t>
-            </a:r>
-            <a:r>
-              <a:rPr lang="de-DE" dirty="0" err="1"/>
-              <a:t>are</a:t>
-            </a:r>
-            <a:r>
-              <a:rPr lang="de-DE" dirty="0"/>
-              <a:t> </a:t>
-            </a:r>
-            <a:r>
-              <a:rPr lang="de-DE" dirty="0" err="1"/>
-              <a:t>forbidden</a:t>
-            </a:r>
-            <a:r>
-              <a:rPr lang="de-DE" dirty="0"/>
-              <a:t> in JavaScript</a:t>
-            </a:r>
-          </a:p>
-          <a:p>
-            <a:endParaRPr lang="de-DE" dirty="0"/>
-          </a:p>
-          <a:p>
-            <a:r>
-              <a:rPr lang="de-DE" dirty="0" err="1"/>
-              <a:t>Good</a:t>
-            </a:r>
-            <a:r>
-              <a:rPr lang="de-DE" dirty="0"/>
-              <a:t> </a:t>
-            </a:r>
-            <a:r>
-              <a:rPr lang="de-DE" dirty="0" err="1"/>
-              <a:t>movie</a:t>
-            </a:r>
-            <a:r>
-              <a:rPr lang="de-DE" dirty="0"/>
-              <a:t> </a:t>
-            </a:r>
-            <a:r>
-              <a:rPr lang="de-DE" dirty="0" err="1"/>
-              <a:t>recommendations</a:t>
-            </a:r>
-            <a:endParaRPr lang="de-DE" dirty="0"/>
+              <a:rPr lang="en-GB" dirty="0"/>
+              <a:t>Create graph based on search term</a:t>
+            </a:r>
+          </a:p>
+          <a:p>
+            <a:pPr lvl="1"/>
+            <a:r>
+              <a:rPr lang="en-GB" dirty="0"/>
+              <a:t>Explore Movies, Actors, Producers, Awards, etc. </a:t>
+            </a:r>
+          </a:p>
+          <a:p>
+            <a:pPr lvl="1"/>
+            <a:endParaRPr lang="en-GB" dirty="0"/>
+          </a:p>
+          <a:p>
+            <a:r>
+              <a:rPr lang="en-GB" dirty="0"/>
+              <a:t>Allow further exploration by clicking nodes</a:t>
+            </a:r>
+          </a:p>
+          <a:p>
+            <a:pPr lvl="1"/>
+            <a:r>
+              <a:rPr lang="en-GB" dirty="0"/>
+              <a:t>Loads further data from SPARQL endpoint</a:t>
+            </a:r>
+          </a:p>
+          <a:p>
+            <a:pPr lvl="1"/>
+            <a:r>
+              <a:rPr lang="en-GB" dirty="0"/>
+              <a:t>Expands the graph</a:t>
+            </a:r>
+          </a:p>
+          <a:p>
+            <a:pPr lvl="1"/>
+            <a:endParaRPr lang="en-GB" dirty="0"/>
+          </a:p>
+          <a:p>
+            <a:r>
+              <a:rPr lang="en-GB" dirty="0"/>
+              <a:t>Explore movie recommendations</a:t>
+            </a:r>
+          </a:p>
+          <a:p>
+            <a:endParaRPr lang="en-GB" dirty="0"/>
+          </a:p>
+          <a:p>
+            <a:endParaRPr lang="en-GB" dirty="0"/>
           </a:p>
         </p:txBody>
       </p:sp>
     </p:spTree>
     <p:extLst>
       <p:ext uri="{BB962C8B-B14F-4D97-AF65-F5344CB8AC3E}">
-        <p14:creationId xmlns:p14="http://schemas.microsoft.com/office/powerpoint/2010/main" val="3389106340"/>
+        <p14:creationId xmlns:p14="http://schemas.microsoft.com/office/powerpoint/2010/main" val="1815357314"/>
       </p:ext>
     </p:extLst>
   </p:cSld>
@@ -3705,8 +3459,75 @@
           <a:lstStyle/>
           <a:p>
             <a:r>
+              <a:rPr lang="en-GB" dirty="0"/>
+              <a:t>Challenges</a:t>
+            </a:r>
+          </a:p>
+        </p:txBody>
+      </p:sp>
+      <p:sp>
+        <p:nvSpPr>
+          <p:cNvPr id="3" name="Inhaltsplatzhalter 2"/>
+          <p:cNvSpPr>
+            <a:spLocks noGrp="1"/>
+          </p:cNvSpPr>
+          <p:nvPr>
+            <p:ph idx="1"/>
+          </p:nvPr>
+        </p:nvSpPr>
+        <p:spPr/>
+        <p:txBody>
+          <a:bodyPr>
+            <a:normAutofit fontScale="92500" lnSpcReduction="20000"/>
+          </a:bodyPr>
+          <a:lstStyle/>
+          <a:p>
+            <a:r>
+              <a:rPr lang="en-GB" dirty="0"/>
+              <a:t>Performance of graph drawing </a:t>
+            </a:r>
+          </a:p>
+          <a:p>
+            <a:pPr lvl="1"/>
+            <a:r>
+              <a:rPr lang="en-GB" dirty="0"/>
+              <a:t>Images are expensive to display</a:t>
+            </a:r>
+          </a:p>
+          <a:p>
+            <a:pPr lvl="1"/>
+            <a:r>
+              <a:rPr lang="en-GB" dirty="0"/>
+              <a:t>Need to be redrawn every time a node moves</a:t>
+            </a:r>
+          </a:p>
+          <a:p>
+            <a:endParaRPr lang="en-GB" dirty="0"/>
+          </a:p>
+          <a:p>
+            <a:r>
+              <a:rPr lang="en-GB" dirty="0"/>
+              <a:t>Merge already existing nodes</a:t>
+            </a:r>
+          </a:p>
+          <a:p>
+            <a:pPr lvl="1"/>
+            <a:r>
+              <a:rPr lang="en-GB" dirty="0"/>
+              <a:t>Cycles are better than duplicated nodes</a:t>
+            </a:r>
+          </a:p>
+          <a:p>
+            <a:endParaRPr lang="en-GB" dirty="0"/>
+          </a:p>
+          <a:p>
+            <a:r>
+              <a:rPr lang="de-DE" dirty="0"/>
+              <a:t>CORS-</a:t>
+            </a:r>
+            <a:r>
               <a:rPr lang="de-DE" dirty="0" err="1"/>
-              <a:t>Workload</a:t>
+              <a:t>Requests</a:t>
             </a:r>
             <a:r>
               <a:rPr lang="de-DE" dirty="0"/>
@@ -3714,65 +3535,7 @@
             </a:r>
             <a:r>
               <a:rPr lang="de-DE" dirty="0" err="1"/>
-              <a:t>separation</a:t>
-            </a:r>
-            <a:endParaRPr lang="de-DE" dirty="0"/>
-          </a:p>
-        </p:txBody>
-      </p:sp>
-      <p:sp>
-        <p:nvSpPr>
-          <p:cNvPr id="3" name="Inhaltsplatzhalter 2"/>
-          <p:cNvSpPr>
-            <a:spLocks noGrp="1"/>
-          </p:cNvSpPr>
-          <p:nvPr>
-            <p:ph idx="1"/>
-          </p:nvPr>
-        </p:nvSpPr>
-        <p:spPr/>
-        <p:txBody>
-          <a:bodyPr/>
-          <a:lstStyle/>
-          <a:p>
-            <a:r>
-              <a:rPr lang="de-DE" dirty="0"/>
-              <a:t>Lorenzo Toso</a:t>
-            </a:r>
-          </a:p>
-          <a:p>
-            <a:pPr lvl="1"/>
-            <a:r>
-              <a:rPr lang="de-DE" dirty="0"/>
-              <a:t>Sparql.JS </a:t>
-            </a:r>
-            <a:r>
-              <a:rPr lang="de-DE" dirty="0" err="1"/>
-              <a:t>setup</a:t>
-            </a:r>
-            <a:endParaRPr lang="de-DE" dirty="0"/>
-          </a:p>
-          <a:p>
-            <a:pPr lvl="1"/>
-            <a:r>
-              <a:rPr lang="de-DE" dirty="0"/>
-              <a:t>Entity </a:t>
-            </a:r>
-            <a:r>
-              <a:rPr lang="de-DE" dirty="0" err="1"/>
-              <a:t>queries</a:t>
-            </a:r>
-            <a:endParaRPr lang="de-DE" dirty="0"/>
-          </a:p>
-          <a:p>
-            <a:pPr lvl="1"/>
-            <a:r>
-              <a:rPr lang="de-DE" dirty="0"/>
-              <a:t>Movie </a:t>
-            </a:r>
-            <a:r>
-              <a:rPr lang="de-DE" dirty="0" err="1"/>
-              <a:t>recommendation</a:t>
+              <a:t>are</a:t>
             </a:r>
             <a:r>
               <a:rPr lang="de-DE" dirty="0"/>
@@ -3780,78 +3543,35 @@
             </a:r>
             <a:r>
               <a:rPr lang="de-DE" dirty="0" err="1"/>
-              <a:t>algorithms</a:t>
-            </a:r>
+              <a:t>forbidden</a:t>
+            </a:r>
+            <a:r>
+              <a:rPr lang="de-DE" dirty="0"/>
+              <a:t> in JavaScript</a:t>
+            </a:r>
+          </a:p>
+          <a:p>
             <a:endParaRPr lang="de-DE" dirty="0"/>
           </a:p>
           <a:p>
+            <a:r>
+              <a:rPr lang="en-GB" dirty="0"/>
+              <a:t>Good movie recommendations </a:t>
+            </a:r>
+          </a:p>
+          <a:p>
             <a:pPr lvl="1"/>
-            <a:endParaRPr lang="de-DE" dirty="0"/>
-          </a:p>
-          <a:p>
-            <a:r>
-              <a:rPr lang="de-DE" dirty="0"/>
-              <a:t>Mathias Möller</a:t>
-            </a:r>
-          </a:p>
-          <a:p>
-            <a:pPr lvl="1"/>
-            <a:r>
-              <a:rPr lang="de-DE" dirty="0"/>
-              <a:t>Graph </a:t>
-            </a:r>
-            <a:r>
-              <a:rPr lang="de-DE" dirty="0" err="1"/>
-              <a:t>visualization</a:t>
-            </a:r>
-            <a:endParaRPr lang="de-DE" dirty="0"/>
-          </a:p>
-          <a:p>
-            <a:pPr lvl="1"/>
-            <a:r>
-              <a:rPr lang="de-DE" dirty="0" err="1"/>
-              <a:t>Result</a:t>
-            </a:r>
-            <a:r>
-              <a:rPr lang="de-DE" dirty="0"/>
-              <a:t> </a:t>
-            </a:r>
-            <a:r>
-              <a:rPr lang="de-DE" dirty="0" err="1"/>
-              <a:t>parsing</a:t>
-            </a:r>
-            <a:endParaRPr lang="de-DE" dirty="0"/>
-          </a:p>
-          <a:p>
-            <a:pPr lvl="1"/>
-            <a:r>
-              <a:rPr lang="de-DE" dirty="0" err="1"/>
-              <a:t>Filtering</a:t>
-            </a:r>
-            <a:r>
-              <a:rPr lang="de-DE" dirty="0"/>
-              <a:t> </a:t>
-            </a:r>
-            <a:r>
-              <a:rPr lang="de-DE" dirty="0" err="1"/>
-              <a:t>important</a:t>
-            </a:r>
-            <a:r>
-              <a:rPr lang="de-DE" dirty="0"/>
-              <a:t> </a:t>
-            </a:r>
-            <a:r>
-              <a:rPr lang="de-DE" dirty="0" err="1"/>
-              <a:t>data</a:t>
-            </a:r>
-            <a:endParaRPr lang="de-DE" dirty="0"/>
+            <a:r>
+              <a:rPr lang="en-GB" dirty="0"/>
+              <a:t>Serendipitous discovery</a:t>
+            </a:r>
           </a:p>
         </p:txBody>
       </p:sp>
     </p:spTree>
     <p:extLst>
       <p:ext uri="{BB962C8B-B14F-4D97-AF65-F5344CB8AC3E}">
-        <p14:creationId xmlns:p14="http://schemas.microsoft.com/office/powerpoint/2010/main" val="3234659082"/>
+        <p14:creationId xmlns:p14="http://schemas.microsoft.com/office/powerpoint/2010/main" val="3389106340"/>
       </p:ext>
     </p:extLst>
   </p:cSld>
@@ -3880,49 +3600,247 @@
       </p:grpSpPr>
       <p:sp>
         <p:nvSpPr>
-          <p:cNvPr id="4" name="Titel 3"/>
-          <p:cNvSpPr>
-            <a:spLocks noGrp="1"/>
-          </p:cNvSpPr>
-          <p:nvPr>
-            <p:ph type="ctrTitle"/>
-          </p:nvPr>
-        </p:nvSpPr>
-        <p:spPr/>
-        <p:txBody>
-          <a:bodyPr/>
-          <a:lstStyle/>
-          <a:p>
+          <p:cNvPr id="2" name="Titel 1"/>
+          <p:cNvSpPr>
+            <a:spLocks noGrp="1"/>
+          </p:cNvSpPr>
+          <p:nvPr>
+            <p:ph type="title"/>
+          </p:nvPr>
+        </p:nvSpPr>
+        <p:spPr/>
+        <p:txBody>
+          <a:bodyPr/>
+          <a:lstStyle/>
+          <a:p>
+            <a:r>
+              <a:rPr lang="de-DE" dirty="0" err="1"/>
+              <a:t>Workload</a:t>
+            </a:r>
             <a:r>
               <a:rPr lang="de-DE" dirty="0"/>
-              <a:t>Live Demo</a:t>
-            </a:r>
-          </a:p>
-        </p:txBody>
-      </p:sp>
-      <p:sp>
-        <p:nvSpPr>
-          <p:cNvPr id="5" name="Untertitel 4"/>
-          <p:cNvSpPr>
-            <a:spLocks noGrp="1"/>
-          </p:cNvSpPr>
-          <p:nvPr>
-            <p:ph type="subTitle" idx="1"/>
-          </p:nvPr>
-        </p:nvSpPr>
-        <p:spPr/>
-        <p:txBody>
-          <a:bodyPr/>
-          <a:lstStyle/>
-          <a:p>
-            <a:endParaRPr lang="de-DE"/>
+              <a:t> </a:t>
+            </a:r>
+            <a:r>
+              <a:rPr lang="de-DE" dirty="0" err="1"/>
+              <a:t>separation</a:t>
+            </a:r>
+            <a:endParaRPr lang="de-DE" dirty="0"/>
+          </a:p>
+        </p:txBody>
+      </p:sp>
+      <p:sp>
+        <p:nvSpPr>
+          <p:cNvPr id="3" name="Inhaltsplatzhalter 2"/>
+          <p:cNvSpPr>
+            <a:spLocks noGrp="1"/>
+          </p:cNvSpPr>
+          <p:nvPr>
+            <p:ph idx="1"/>
+          </p:nvPr>
+        </p:nvSpPr>
+        <p:spPr/>
+        <p:txBody>
+          <a:bodyPr/>
+          <a:lstStyle/>
+          <a:p>
+            <a:r>
+              <a:rPr lang="de-DE" dirty="0"/>
+              <a:t>Lorenzo </a:t>
+            </a:r>
+            <a:r>
+              <a:rPr lang="de-DE" dirty="0" err="1"/>
+              <a:t>Toso</a:t>
+            </a:r>
+            <a:endParaRPr lang="de-DE" dirty="0"/>
+          </a:p>
+          <a:p>
+            <a:pPr lvl="1"/>
+            <a:r>
+              <a:rPr lang="de-DE" dirty="0"/>
+              <a:t>Sparql.JS </a:t>
+            </a:r>
+            <a:r>
+              <a:rPr lang="de-DE" dirty="0" err="1"/>
+              <a:t>setup</a:t>
+            </a:r>
+            <a:endParaRPr lang="de-DE" dirty="0"/>
+          </a:p>
+          <a:p>
+            <a:pPr lvl="1"/>
+            <a:r>
+              <a:rPr lang="de-DE" dirty="0"/>
+              <a:t>Entity </a:t>
+            </a:r>
+            <a:r>
+              <a:rPr lang="de-DE" dirty="0" err="1"/>
+              <a:t>queries</a:t>
+            </a:r>
+            <a:endParaRPr lang="de-DE" dirty="0"/>
+          </a:p>
+          <a:p>
+            <a:pPr lvl="1"/>
+            <a:r>
+              <a:rPr lang="de-DE" dirty="0"/>
+              <a:t>Movie </a:t>
+            </a:r>
+            <a:r>
+              <a:rPr lang="de-DE" dirty="0" err="1"/>
+              <a:t>recommendation</a:t>
+            </a:r>
+            <a:r>
+              <a:rPr lang="de-DE" dirty="0"/>
+              <a:t> </a:t>
+            </a:r>
+            <a:r>
+              <a:rPr lang="de-DE" dirty="0" err="1"/>
+              <a:t>algorithms</a:t>
+            </a:r>
+            <a:endParaRPr lang="de-DE" dirty="0"/>
+          </a:p>
+          <a:p>
+            <a:pPr lvl="1"/>
+            <a:endParaRPr lang="de-DE" dirty="0"/>
+          </a:p>
+          <a:p>
+            <a:r>
+              <a:rPr lang="de-DE" dirty="0"/>
+              <a:t>Mathias Möller</a:t>
+            </a:r>
+          </a:p>
+          <a:p>
+            <a:pPr lvl="1"/>
+            <a:r>
+              <a:rPr lang="de-DE" dirty="0"/>
+              <a:t>Graph </a:t>
+            </a:r>
+            <a:r>
+              <a:rPr lang="de-DE" dirty="0" err="1"/>
+              <a:t>visualization</a:t>
+            </a:r>
+            <a:endParaRPr lang="de-DE" dirty="0"/>
+          </a:p>
+          <a:p>
+            <a:pPr lvl="1"/>
+            <a:r>
+              <a:rPr lang="de-DE" dirty="0" err="1"/>
+              <a:t>Result</a:t>
+            </a:r>
+            <a:r>
+              <a:rPr lang="de-DE" dirty="0"/>
+              <a:t> </a:t>
+            </a:r>
+            <a:r>
+              <a:rPr lang="de-DE" dirty="0" err="1"/>
+              <a:t>parsing</a:t>
+            </a:r>
+            <a:endParaRPr lang="de-DE" dirty="0"/>
+          </a:p>
+          <a:p>
+            <a:pPr lvl="1"/>
+            <a:r>
+              <a:rPr lang="de-DE" dirty="0" err="1"/>
+              <a:t>Filtering</a:t>
+            </a:r>
+            <a:r>
+              <a:rPr lang="de-DE" dirty="0"/>
+              <a:t> </a:t>
+            </a:r>
+            <a:r>
+              <a:rPr lang="de-DE" dirty="0" err="1"/>
+              <a:t>important</a:t>
+            </a:r>
+            <a:r>
+              <a:rPr lang="de-DE" dirty="0"/>
+              <a:t> </a:t>
+            </a:r>
+            <a:r>
+              <a:rPr lang="de-DE" dirty="0" err="1"/>
+              <a:t>data</a:t>
+            </a:r>
+            <a:endParaRPr lang="de-DE" dirty="0"/>
           </a:p>
         </p:txBody>
       </p:sp>
     </p:spTree>
     <p:extLst>
       <p:ext uri="{BB962C8B-B14F-4D97-AF65-F5344CB8AC3E}">
-        <p14:creationId xmlns:p14="http://schemas.microsoft.com/office/powerpoint/2010/main" val="741498421"/>
+        <p14:creationId xmlns:p14="http://schemas.microsoft.com/office/powerpoint/2010/main" val="3234659082"/>
+      </p:ext>
+    </p:extLst>
+  </p:cSld>
+  <p:clrMapOvr>
+    <a:masterClrMapping/>
+  </p:clrMapOvr>
+</p:sld>
+</file>
+
+<file path=ppt/slides/slide7.xml><?xml version="1.0" encoding="utf-8"?>
+<p:sld xmlns:a="http://schemas.openxmlformats.org/drawingml/2006/main" xmlns:r="http://schemas.openxmlformats.org/officeDocument/2006/relationships" xmlns:p="http://schemas.openxmlformats.org/presentationml/2006/main">
+  <p:cSld>
+    <p:spTree>
+      <p:nvGrpSpPr>
+        <p:cNvPr id="1" name=""/>
+        <p:cNvGrpSpPr/>
+        <p:nvPr/>
+      </p:nvGrpSpPr>
+      <p:grpSpPr>
+        <a:xfrm>
+          <a:off x="0" y="0"/>
+          <a:ext cx="0" cy="0"/>
+          <a:chOff x="0" y="0"/>
+          <a:chExt cx="0" cy="0"/>
+        </a:xfrm>
+      </p:grpSpPr>
+      <p:sp>
+        <p:nvSpPr>
+          <p:cNvPr id="4" name="Titel 3"/>
+          <p:cNvSpPr>
+            <a:spLocks noGrp="1"/>
+          </p:cNvSpPr>
+          <p:nvPr>
+            <p:ph type="ctrTitle"/>
+          </p:nvPr>
+        </p:nvSpPr>
+        <p:spPr/>
+        <p:txBody>
+          <a:bodyPr/>
+          <a:lstStyle/>
+          <a:p>
+            <a:r>
+              <a:rPr lang="de-DE" dirty="0" err="1"/>
+              <a:t>Questions</a:t>
+            </a:r>
+            <a:r>
+              <a:rPr lang="de-DE" dirty="0"/>
+              <a:t>?</a:t>
+            </a:r>
+          </a:p>
+        </p:txBody>
+      </p:sp>
+      <p:sp>
+        <p:nvSpPr>
+          <p:cNvPr id="5" name="Untertitel 4"/>
+          <p:cNvSpPr>
+            <a:spLocks noGrp="1"/>
+          </p:cNvSpPr>
+          <p:nvPr>
+            <p:ph type="subTitle" idx="1"/>
+          </p:nvPr>
+        </p:nvSpPr>
+        <p:spPr/>
+        <p:txBody>
+          <a:bodyPr/>
+          <a:lstStyle/>
+          <a:p>
+            <a:endParaRPr lang="de-DE"/>
+          </a:p>
+        </p:txBody>
+      </p:sp>
+    </p:spTree>
+    <p:extLst>
+      <p:ext uri="{BB962C8B-B14F-4D97-AF65-F5344CB8AC3E}">
+        <p14:creationId xmlns:p14="http://schemas.microsoft.com/office/powerpoint/2010/main" val="2179771919"/>
       </p:ext>
     </p:extLst>
   </p:cSld>

--- a/Linked Movie Exploration Graph.pptx
+++ b/Linked Movie Exploration Graph.pptx
@@ -11,6 +11,7 @@
     <p:sldId id="258" r:id="rId5"/>
     <p:sldId id="259" r:id="rId6"/>
     <p:sldId id="261" r:id="rId7"/>
+    <p:sldId id="262" r:id="rId8"/>
   </p:sldIdLst>
   <p:sldSz cx="12192000" cy="6858000"/>
   <p:notesSz cx="6858000" cy="9144000"/>
@@ -3124,15 +3125,7 @@
           <a:p>
             <a:r>
               <a:rPr lang="de-DE" dirty="0"/>
-              <a:t>Live Demo TODO: erst </a:t>
-            </a:r>
-            <a:r>
-              <a:rPr lang="de-DE" dirty="0" err="1"/>
-              <a:t>demo</a:t>
-            </a:r>
-            <a:r>
-              <a:rPr lang="de-DE" dirty="0"/>
-              <a:t>?</a:t>
+              <a:t>Live Demo</a:t>
             </a:r>
           </a:p>
         </p:txBody>
@@ -3242,7 +3235,15 @@
             <a:pPr lvl="1"/>
             <a:r>
               <a:rPr lang="de-DE" dirty="0"/>
-              <a:t>Graph-Drawing: Vis.JS</a:t>
+              <a:t>Graph-Drawing: Vis.JS (</a:t>
+            </a:r>
+            <a:r>
+              <a:rPr lang="en-GB" dirty="0"/>
+              <a:t>temporarily</a:t>
+            </a:r>
+            <a:r>
+              <a:rPr lang="de-DE" dirty="0"/>
+              <a:t>)</a:t>
             </a:r>
           </a:p>
           <a:p>
@@ -3263,7 +3264,7 @@
             </a:r>
             <a:r>
               <a:rPr lang="de-DE" dirty="0"/>
-              <a:t>-Endpoints:</a:t>
+              <a:t>-Endpoints:	</a:t>
             </a:r>
           </a:p>
           <a:p>
@@ -3476,7 +3477,9 @@
         </p:nvSpPr>
         <p:spPr/>
         <p:txBody>
-          <a:bodyPr/>
+          <a:bodyPr>
+            <a:normAutofit fontScale="92500" lnSpcReduction="20000"/>
+          </a:bodyPr>
           <a:lstStyle/>
           <a:p>
             <a:r>
@@ -3495,7 +3498,7 @@
             <a:pPr lvl="1"/>
             <a:r>
               <a:rPr lang="en-GB" dirty="0"/>
-              <a:t>Need to be redrawn every time the nodes moves</a:t>
+              <a:t>Need to be redrawn every time a node moves</a:t>
             </a:r>
           </a:p>
           <a:p>
@@ -3511,7 +3514,7 @@
             <a:pPr lvl="1"/>
             <a:r>
               <a:rPr lang="en-GB" dirty="0"/>
-              <a:t>Loops (TODO : WRONG) are better then duplicated nodes</a:t>
+              <a:t>Cycles are better than duplicated nodes</a:t>
             </a:r>
           </a:p>
           <a:p>
@@ -3519,12 +3522,49 @@
           </a:p>
           <a:p>
             <a:r>
+              <a:rPr lang="de-DE" dirty="0"/>
+              <a:t>CORS-</a:t>
+            </a:r>
+            <a:r>
+              <a:rPr lang="de-DE" dirty="0" err="1"/>
+              <a:t>Requests</a:t>
+            </a:r>
+            <a:r>
+              <a:rPr lang="de-DE" dirty="0"/>
+              <a:t> </a:t>
+            </a:r>
+            <a:r>
+              <a:rPr lang="de-DE" dirty="0" err="1"/>
+              <a:t>are</a:t>
+            </a:r>
+            <a:r>
+              <a:rPr lang="de-DE" dirty="0"/>
+              <a:t> </a:t>
+            </a:r>
+            <a:r>
+              <a:rPr lang="de-DE" dirty="0" err="1"/>
+              <a:t>forbidden</a:t>
+            </a:r>
+            <a:r>
+              <a:rPr lang="de-DE" dirty="0"/>
+              <a:t> in JavaScript</a:t>
+            </a:r>
+          </a:p>
+          <a:p>
+            <a:endParaRPr lang="de-DE" dirty="0"/>
+          </a:p>
+          <a:p>
+            <a:r>
               <a:rPr lang="en-GB" dirty="0"/>
-              <a:t>CORS-Requests</a:t>
-            </a:r>
-          </a:p>
-          <a:p>
-            <a:endParaRPr lang="en-GB" dirty="0"/>
+              <a:t>Good movie recommendations </a:t>
+            </a:r>
+          </a:p>
+          <a:p>
+            <a:pPr lvl="1"/>
+            <a:r>
+              <a:rPr lang="en-GB" dirty="0"/>
+              <a:t>Serendipitous discovery</a:t>
+            </a:r>
           </a:p>
         </p:txBody>
       </p:sp>
@@ -3606,15 +3646,60 @@
           <a:p>
             <a:r>
               <a:rPr lang="de-DE" dirty="0"/>
-              <a:t>Lorenzo Toso</a:t>
-            </a:r>
+              <a:t>Lorenzo </a:t>
+            </a:r>
+            <a:r>
+              <a:rPr lang="de-DE" dirty="0" err="1"/>
+              <a:t>Toso</a:t>
+            </a:r>
+            <a:endParaRPr lang="de-DE" dirty="0"/>
           </a:p>
           <a:p>
             <a:pPr lvl="1"/>
             <a:r>
+              <a:rPr lang="de-DE" dirty="0"/>
+              <a:t>Sparql.JS </a:t>
+            </a:r>
+            <a:r>
               <a:rPr lang="de-DE" dirty="0" err="1"/>
-              <a:t>Sparql</a:t>
-            </a:r>
+              <a:t>setup</a:t>
+            </a:r>
+            <a:endParaRPr lang="de-DE" dirty="0"/>
+          </a:p>
+          <a:p>
+            <a:pPr lvl="1"/>
+            <a:r>
+              <a:rPr lang="de-DE" dirty="0"/>
+              <a:t>Entity </a:t>
+            </a:r>
+            <a:r>
+              <a:rPr lang="de-DE" dirty="0" err="1"/>
+              <a:t>queries</a:t>
+            </a:r>
+            <a:endParaRPr lang="de-DE" dirty="0"/>
+          </a:p>
+          <a:p>
+            <a:pPr lvl="1"/>
+            <a:r>
+              <a:rPr lang="de-DE" dirty="0"/>
+              <a:t>Movie </a:t>
+            </a:r>
+            <a:r>
+              <a:rPr lang="de-DE" dirty="0" err="1"/>
+              <a:t>recommendation</a:t>
+            </a:r>
+            <a:r>
+              <a:rPr lang="de-DE" dirty="0"/>
+              <a:t> </a:t>
+            </a:r>
+            <a:r>
+              <a:rPr lang="de-DE" dirty="0" err="1"/>
+              <a:t>algorithms</a:t>
+            </a:r>
+            <a:endParaRPr lang="de-DE" dirty="0"/>
+          </a:p>
+          <a:p>
+            <a:pPr lvl="1"/>
             <a:endParaRPr lang="de-DE" dirty="0"/>
           </a:p>
           <a:p>
@@ -3627,11 +3712,52 @@
             <a:pPr lvl="1"/>
             <a:r>
               <a:rPr lang="de-DE" dirty="0"/>
-              <a:t>Nasebohren &amp; Eierschaukeln</a:t>
-            </a:r>
+              <a:t>Graph </a:t>
+            </a:r>
+            <a:r>
+              <a:rPr lang="de-DE" dirty="0" err="1"/>
+              <a:t>visualization</a:t>
+            </a:r>
+            <a:endParaRPr lang="de-DE" dirty="0"/>
           </a:p>
           <a:p>
             <a:pPr lvl="1"/>
+            <a:r>
+              <a:rPr lang="de-DE" dirty="0" err="1"/>
+              <a:t>Result</a:t>
+            </a:r>
+            <a:r>
+              <a:rPr lang="de-DE" dirty="0"/>
+              <a:t> </a:t>
+            </a:r>
+            <a:r>
+              <a:rPr lang="de-DE" dirty="0" err="1"/>
+              <a:t>parsing</a:t>
+            </a:r>
+            <a:endParaRPr lang="de-DE" dirty="0"/>
+          </a:p>
+          <a:p>
+            <a:pPr lvl="1"/>
+            <a:r>
+              <a:rPr lang="de-DE" dirty="0" err="1"/>
+              <a:t>Filtering</a:t>
+            </a:r>
+            <a:r>
+              <a:rPr lang="de-DE" dirty="0"/>
+              <a:t> </a:t>
+            </a:r>
+            <a:r>
+              <a:rPr lang="de-DE" dirty="0" err="1"/>
+              <a:t>important</a:t>
+            </a:r>
+            <a:r>
+              <a:rPr lang="de-DE" dirty="0"/>
+              <a:t> </a:t>
+            </a:r>
+            <a:r>
+              <a:rPr lang="de-DE" dirty="0" err="1"/>
+              <a:t>data</a:t>
+            </a:r>
             <a:endParaRPr lang="de-DE" dirty="0"/>
           </a:p>
         </p:txBody>
@@ -3640,6 +3766,81 @@
     <p:extLst>
       <p:ext uri="{BB962C8B-B14F-4D97-AF65-F5344CB8AC3E}">
         <p14:creationId xmlns:p14="http://schemas.microsoft.com/office/powerpoint/2010/main" val="3234659082"/>
+      </p:ext>
+    </p:extLst>
+  </p:cSld>
+  <p:clrMapOvr>
+    <a:masterClrMapping/>
+  </p:clrMapOvr>
+</p:sld>
+</file>
+
+<file path=ppt/slides/slide7.xml><?xml version="1.0" encoding="utf-8"?>
+<p:sld xmlns:a="http://schemas.openxmlformats.org/drawingml/2006/main" xmlns:r="http://schemas.openxmlformats.org/officeDocument/2006/relationships" xmlns:p="http://schemas.openxmlformats.org/presentationml/2006/main">
+  <p:cSld>
+    <p:spTree>
+      <p:nvGrpSpPr>
+        <p:cNvPr id="1" name=""/>
+        <p:cNvGrpSpPr/>
+        <p:nvPr/>
+      </p:nvGrpSpPr>
+      <p:grpSpPr>
+        <a:xfrm>
+          <a:off x="0" y="0"/>
+          <a:ext cx="0" cy="0"/>
+          <a:chOff x="0" y="0"/>
+          <a:chExt cx="0" cy="0"/>
+        </a:xfrm>
+      </p:grpSpPr>
+      <p:sp>
+        <p:nvSpPr>
+          <p:cNvPr id="4" name="Titel 3"/>
+          <p:cNvSpPr>
+            <a:spLocks noGrp="1"/>
+          </p:cNvSpPr>
+          <p:nvPr>
+            <p:ph type="ctrTitle"/>
+          </p:nvPr>
+        </p:nvSpPr>
+        <p:spPr/>
+        <p:txBody>
+          <a:bodyPr/>
+          <a:lstStyle/>
+          <a:p>
+            <a:r>
+              <a:rPr lang="de-DE" dirty="0" err="1"/>
+              <a:t>Questions</a:t>
+            </a:r>
+            <a:r>
+              <a:rPr lang="de-DE" dirty="0"/>
+              <a:t>?</a:t>
+            </a:r>
+          </a:p>
+        </p:txBody>
+      </p:sp>
+      <p:sp>
+        <p:nvSpPr>
+          <p:cNvPr id="5" name="Untertitel 4"/>
+          <p:cNvSpPr>
+            <a:spLocks noGrp="1"/>
+          </p:cNvSpPr>
+          <p:nvPr>
+            <p:ph type="subTitle" idx="1"/>
+          </p:nvPr>
+        </p:nvSpPr>
+        <p:spPr/>
+        <p:txBody>
+          <a:bodyPr/>
+          <a:lstStyle/>
+          <a:p>
+            <a:endParaRPr lang="de-DE"/>
+          </a:p>
+        </p:txBody>
+      </p:sp>
+    </p:spTree>
+    <p:extLst>
+      <p:ext uri="{BB962C8B-B14F-4D97-AF65-F5344CB8AC3E}">
+        <p14:creationId xmlns:p14="http://schemas.microsoft.com/office/powerpoint/2010/main" val="2179771919"/>
       </p:ext>
     </p:extLst>
   </p:cSld>

--- a/Linked Movie Exploration Graph.pptx
+++ b/Linked Movie Exploration Graph.pptx
@@ -6,12 +6,10 @@
   </p:sldMasterIdLst>
   <p:sldIdLst>
     <p:sldId id="256" r:id="rId2"/>
-    <p:sldId id="260" r:id="rId3"/>
-    <p:sldId id="257" r:id="rId4"/>
+    <p:sldId id="257" r:id="rId3"/>
+    <p:sldId id="259" r:id="rId4"/>
     <p:sldId id="258" r:id="rId5"/>
-    <p:sldId id="259" r:id="rId6"/>
-    <p:sldId id="261" r:id="rId7"/>
-    <p:sldId id="262" r:id="rId8"/>
+    <p:sldId id="260" r:id="rId6"/>
   </p:sldIdLst>
   <p:sldSz cx="12192000" cy="6858000"/>
   <p:notesSz cx="6858000" cy="9144000"/>
@@ -247,7 +245,7 @@
           <a:p>
             <a:fld id="{2107A019-A245-4CF9-8404-4037D2D39BB4}" type="datetimeFigureOut">
               <a:rPr lang="de-DE" smtClean="0"/>
-              <a:t>13.12.2016</a:t>
+              <a:t>03.02.2017</a:t>
             </a:fld>
             <a:endParaRPr lang="de-DE"/>
           </a:p>
@@ -415,7 +413,7 @@
           <a:p>
             <a:fld id="{2107A019-A245-4CF9-8404-4037D2D39BB4}" type="datetimeFigureOut">
               <a:rPr lang="de-DE" smtClean="0"/>
-              <a:t>13.12.2016</a:t>
+              <a:t>03.02.2017</a:t>
             </a:fld>
             <a:endParaRPr lang="de-DE"/>
           </a:p>
@@ -593,7 +591,7 @@
           <a:p>
             <a:fld id="{2107A019-A245-4CF9-8404-4037D2D39BB4}" type="datetimeFigureOut">
               <a:rPr lang="de-DE" smtClean="0"/>
-              <a:t>13.12.2016</a:t>
+              <a:t>03.02.2017</a:t>
             </a:fld>
             <a:endParaRPr lang="de-DE"/>
           </a:p>
@@ -761,7 +759,7 @@
           <a:p>
             <a:fld id="{2107A019-A245-4CF9-8404-4037D2D39BB4}" type="datetimeFigureOut">
               <a:rPr lang="de-DE" smtClean="0"/>
-              <a:t>13.12.2016</a:t>
+              <a:t>03.02.2017</a:t>
             </a:fld>
             <a:endParaRPr lang="de-DE"/>
           </a:p>
@@ -1006,7 +1004,7 @@
           <a:p>
             <a:fld id="{2107A019-A245-4CF9-8404-4037D2D39BB4}" type="datetimeFigureOut">
               <a:rPr lang="de-DE" smtClean="0"/>
-              <a:t>13.12.2016</a:t>
+              <a:t>03.02.2017</a:t>
             </a:fld>
             <a:endParaRPr lang="de-DE"/>
           </a:p>
@@ -1235,7 +1233,7 @@
           <a:p>
             <a:fld id="{2107A019-A245-4CF9-8404-4037D2D39BB4}" type="datetimeFigureOut">
               <a:rPr lang="de-DE" smtClean="0"/>
-              <a:t>13.12.2016</a:t>
+              <a:t>03.02.2017</a:t>
             </a:fld>
             <a:endParaRPr lang="de-DE"/>
           </a:p>
@@ -1599,7 +1597,7 @@
           <a:p>
             <a:fld id="{2107A019-A245-4CF9-8404-4037D2D39BB4}" type="datetimeFigureOut">
               <a:rPr lang="de-DE" smtClean="0"/>
-              <a:t>13.12.2016</a:t>
+              <a:t>03.02.2017</a:t>
             </a:fld>
             <a:endParaRPr lang="de-DE"/>
           </a:p>
@@ -1716,7 +1714,7 @@
           <a:p>
             <a:fld id="{2107A019-A245-4CF9-8404-4037D2D39BB4}" type="datetimeFigureOut">
               <a:rPr lang="de-DE" smtClean="0"/>
-              <a:t>13.12.2016</a:t>
+              <a:t>03.02.2017</a:t>
             </a:fld>
             <a:endParaRPr lang="de-DE"/>
           </a:p>
@@ -1811,7 +1809,7 @@
           <a:p>
             <a:fld id="{2107A019-A245-4CF9-8404-4037D2D39BB4}" type="datetimeFigureOut">
               <a:rPr lang="de-DE" smtClean="0"/>
-              <a:t>13.12.2016</a:t>
+              <a:t>03.02.2017</a:t>
             </a:fld>
             <a:endParaRPr lang="de-DE"/>
           </a:p>
@@ -2086,7 +2084,7 @@
           <a:p>
             <a:fld id="{2107A019-A245-4CF9-8404-4037D2D39BB4}" type="datetimeFigureOut">
               <a:rPr lang="de-DE" smtClean="0"/>
-              <a:t>13.12.2016</a:t>
+              <a:t>03.02.2017</a:t>
             </a:fld>
             <a:endParaRPr lang="de-DE"/>
           </a:p>
@@ -2338,7 +2336,7 @@
           <a:p>
             <a:fld id="{2107A019-A245-4CF9-8404-4037D2D39BB4}" type="datetimeFigureOut">
               <a:rPr lang="de-DE" smtClean="0"/>
-              <a:t>13.12.2016</a:t>
+              <a:t>03.02.2017</a:t>
             </a:fld>
             <a:endParaRPr lang="de-DE"/>
           </a:p>
@@ -2549,7 +2547,7 @@
           <a:p>
             <a:fld id="{2107A019-A245-4CF9-8404-4037D2D39BB4}" type="datetimeFigureOut">
               <a:rPr lang="de-DE" smtClean="0"/>
-              <a:t>13.12.2016</a:t>
+              <a:t>03.02.2017</a:t>
             </a:fld>
             <a:endParaRPr lang="de-DE"/>
           </a:p>
@@ -3073,7 +3071,15 @@
             </a:r>
             <a:r>
               <a:rPr lang="de-DE" dirty="0"/>
-              <a:t> Lorenzo Toso &amp; Mathias Möller</a:t>
+              <a:t> </a:t>
+            </a:r>
+            <a:r>
+              <a:rPr lang="de-DE" sz="2450" dirty="0"/>
+              <a:t>Lorenzo Toso</a:t>
+            </a:r>
+            <a:r>
+              <a:rPr lang="de-DE" dirty="0"/>
+              <a:t> &amp; Mathias Möller</a:t>
             </a:r>
           </a:p>
         </p:txBody>
@@ -3110,41 +3116,132 @@
       </p:grpSpPr>
       <p:sp>
         <p:nvSpPr>
-          <p:cNvPr id="4" name="Titel 3"/>
-          <p:cNvSpPr>
-            <a:spLocks noGrp="1"/>
-          </p:cNvSpPr>
-          <p:nvPr>
-            <p:ph type="ctrTitle"/>
-          </p:nvPr>
-        </p:nvSpPr>
-        <p:spPr/>
-        <p:txBody>
-          <a:bodyPr/>
-          <a:lstStyle/>
-          <a:p>
-            <a:r>
-              <a:rPr lang="de-DE" dirty="0"/>
-              <a:t>Live Demo</a:t>
-            </a:r>
-          </a:p>
-        </p:txBody>
-      </p:sp>
-      <p:sp>
-        <p:nvSpPr>
-          <p:cNvPr id="5" name="Untertitel 4"/>
-          <p:cNvSpPr>
-            <a:spLocks noGrp="1"/>
-          </p:cNvSpPr>
-          <p:nvPr>
-            <p:ph type="subTitle" idx="1"/>
-          </p:nvPr>
-        </p:nvSpPr>
-        <p:spPr/>
-        <p:txBody>
-          <a:bodyPr/>
-          <a:lstStyle/>
-          <a:p>
+          <p:cNvPr id="2" name="Titel 1"/>
+          <p:cNvSpPr>
+            <a:spLocks noGrp="1"/>
+          </p:cNvSpPr>
+          <p:nvPr>
+            <p:ph type="title"/>
+          </p:nvPr>
+        </p:nvSpPr>
+        <p:spPr/>
+        <p:txBody>
+          <a:bodyPr/>
+          <a:lstStyle/>
+          <a:p>
+            <a:r>
+              <a:rPr lang="de-DE" dirty="0" err="1"/>
+              <a:t>Linked</a:t>
+            </a:r>
+            <a:r>
+              <a:rPr lang="de-DE" dirty="0"/>
+              <a:t> Movie Exploration Graph</a:t>
+            </a:r>
+          </a:p>
+        </p:txBody>
+      </p:sp>
+      <p:sp>
+        <p:nvSpPr>
+          <p:cNvPr id="3" name="Inhaltsplatzhalter 2"/>
+          <p:cNvSpPr>
+            <a:spLocks noGrp="1"/>
+          </p:cNvSpPr>
+          <p:nvPr>
+            <p:ph idx="1"/>
+          </p:nvPr>
+        </p:nvSpPr>
+        <p:spPr/>
+        <p:txBody>
+          <a:bodyPr>
+            <a:normAutofit/>
+          </a:bodyPr>
+          <a:lstStyle/>
+          <a:p>
+            <a:r>
+              <a:rPr lang="de-DE" dirty="0"/>
+              <a:t>Language: JavaScript</a:t>
+            </a:r>
+          </a:p>
+          <a:p>
+            <a:r>
+              <a:rPr lang="de-DE" dirty="0"/>
+              <a:t>Frontend-Template: Materialdesign Light</a:t>
+            </a:r>
+          </a:p>
+          <a:p>
+            <a:r>
+              <a:rPr lang="de-DE" dirty="0"/>
+              <a:t>Libraries: </a:t>
+            </a:r>
+          </a:p>
+          <a:p>
+            <a:pPr lvl="1"/>
+            <a:r>
+              <a:rPr lang="de-DE" dirty="0"/>
+              <a:t>Graph-Drawing: Vis.JS</a:t>
+            </a:r>
+          </a:p>
+          <a:p>
+            <a:pPr lvl="1"/>
+            <a:r>
+              <a:rPr lang="de-DE" dirty="0"/>
+              <a:t>Jsonp-</a:t>
+            </a:r>
+            <a:r>
+              <a:rPr lang="de-DE" dirty="0" err="1"/>
+              <a:t>Requests</a:t>
+            </a:r>
+            <a:r>
+              <a:rPr lang="de-DE" dirty="0"/>
+              <a:t>: </a:t>
+            </a:r>
+            <a:r>
+              <a:rPr lang="de-DE" dirty="0" err="1"/>
+              <a:t>fetch-jsonp</a:t>
+            </a:r>
+            <a:endParaRPr lang="de-DE" dirty="0"/>
+          </a:p>
+          <a:p>
+            <a:r>
+              <a:rPr lang="de-DE" dirty="0" err="1"/>
+              <a:t>Sparql</a:t>
+            </a:r>
+            <a:r>
+              <a:rPr lang="de-DE" dirty="0"/>
+              <a:t>-Endpoints:</a:t>
+            </a:r>
+          </a:p>
+          <a:p>
+            <a:pPr lvl="1"/>
+            <a:r>
+              <a:rPr lang="de-DE" dirty="0" err="1"/>
+              <a:t>LinkedMDB</a:t>
+            </a:r>
+            <a:endParaRPr lang="de-DE" dirty="0"/>
+          </a:p>
+          <a:p>
+            <a:r>
+              <a:rPr lang="de-DE" dirty="0"/>
+              <a:t>Image-</a:t>
+            </a:r>
+            <a:r>
+              <a:rPr lang="de-DE" dirty="0" err="1"/>
+              <a:t>Endpoint</a:t>
+            </a:r>
+            <a:r>
+              <a:rPr lang="de-DE" dirty="0"/>
+              <a:t>:</a:t>
+            </a:r>
+          </a:p>
+          <a:p>
+            <a:pPr lvl="1"/>
+            <a:r>
+              <a:rPr lang="de-DE" dirty="0"/>
+              <a:t>Wikipedia Image API</a:t>
+            </a:r>
+          </a:p>
+          <a:p>
+            <a:pPr lvl="1"/>
             <a:endParaRPr lang="de-DE" dirty="0"/>
           </a:p>
         </p:txBody>
@@ -3152,7 +3249,7 @@
     </p:spTree>
     <p:extLst>
       <p:ext uri="{BB962C8B-B14F-4D97-AF65-F5344CB8AC3E}">
-        <p14:creationId xmlns:p14="http://schemas.microsoft.com/office/powerpoint/2010/main" val="741498421"/>
+        <p14:creationId xmlns:p14="http://schemas.microsoft.com/office/powerpoint/2010/main" val="1536855750"/>
       </p:ext>
     </p:extLst>
   </p:cSld>
@@ -3196,12 +3293,17 @@
           <a:p>
             <a:r>
               <a:rPr lang="de-DE" dirty="0" err="1"/>
-              <a:t>Linked</a:t>
-            </a:r>
-            <a:r>
-              <a:rPr lang="de-DE" dirty="0"/>
-              <a:t> Movie Exploration Graph</a:t>
-            </a:r>
+              <a:t>Foreseen</a:t>
+            </a:r>
+            <a:r>
+              <a:rPr lang="de-DE" dirty="0"/>
+              <a:t> </a:t>
+            </a:r>
+            <a:r>
+              <a:rPr lang="de-DE" dirty="0" err="1"/>
+              <a:t>Challanges</a:t>
+            </a:r>
+            <a:endParaRPr lang="de-DE" dirty="0"/>
           </a:p>
         </p:txBody>
       </p:sp>
@@ -3217,84 +3319,415 @@
         </p:nvSpPr>
         <p:spPr/>
         <p:txBody>
-          <a:bodyPr/>
-          <a:lstStyle/>
-          <a:p>
-            <a:r>
-              <a:rPr lang="de-DE" dirty="0"/>
-              <a:t>Language: JavaScript</a:t>
-            </a:r>
-          </a:p>
-          <a:p>
-            <a:r>
-              <a:rPr lang="de-DE" dirty="0"/>
-              <a:t>Libraries: </a:t>
-            </a:r>
+          <a:bodyPr>
+            <a:normAutofit fontScale="92500" lnSpcReduction="20000"/>
+          </a:bodyPr>
+          <a:lstStyle/>
+          <a:p>
+            <a:pPr>
+              <a:lnSpc>
+                <a:spcPct val="110000"/>
+              </a:lnSpc>
+            </a:pPr>
+            <a:r>
+              <a:rPr lang="de-DE" dirty="0"/>
+              <a:t>Performance </a:t>
+            </a:r>
+            <a:r>
+              <a:rPr lang="de-DE" dirty="0" err="1"/>
+              <a:t>of</a:t>
+            </a:r>
+            <a:r>
+              <a:rPr lang="de-DE" dirty="0"/>
+              <a:t> </a:t>
+            </a:r>
+            <a:r>
+              <a:rPr lang="de-DE" dirty="0" err="1"/>
+              <a:t>graph</a:t>
+            </a:r>
+            <a:r>
+              <a:rPr lang="de-DE" dirty="0"/>
+              <a:t> </a:t>
+            </a:r>
+            <a:r>
+              <a:rPr lang="de-DE" dirty="0" err="1"/>
+              <a:t>drawing</a:t>
+            </a:r>
+            <a:endParaRPr lang="de-DE" dirty="0"/>
           </a:p>
           <a:p>
             <a:pPr lvl="1"/>
             <a:r>
               <a:rPr lang="de-DE" dirty="0"/>
-              <a:t>Graph-Drawing: Vis.JS (</a:t>
+              <a:t>Vue.js </a:t>
+            </a:r>
+            <a:r>
+              <a:rPr lang="de-DE" dirty="0" err="1"/>
+              <a:t>best</a:t>
+            </a:r>
+            <a:r>
+              <a:rPr lang="de-DE" dirty="0"/>
+              <a:t> API in </a:t>
+            </a:r>
+            <a:r>
+              <a:rPr lang="de-DE" dirty="0" err="1"/>
+              <a:t>comparison</a:t>
+            </a:r>
+            <a:r>
+              <a:rPr lang="de-DE" dirty="0"/>
+              <a:t> </a:t>
+            </a:r>
+            <a:r>
+              <a:rPr lang="de-DE" dirty="0" err="1"/>
+              <a:t>to</a:t>
+            </a:r>
+            <a:r>
+              <a:rPr lang="de-DE" dirty="0"/>
+              <a:t> cytoscape.js </a:t>
+            </a:r>
+            <a:r>
+              <a:rPr lang="de-DE" dirty="0" err="1"/>
+              <a:t>and</a:t>
+            </a:r>
+            <a:r>
+              <a:rPr lang="de-DE" dirty="0"/>
+              <a:t> </a:t>
+            </a:r>
+            <a:r>
+              <a:rPr lang="de-DE" dirty="0" err="1"/>
+              <a:t>jsnetworkx</a:t>
+            </a:r>
+            <a:endParaRPr lang="de-DE" dirty="0"/>
+          </a:p>
+          <a:p>
+            <a:pPr lvl="1"/>
+            <a:r>
+              <a:rPr lang="de-DE" dirty="0"/>
+              <a:t>All </a:t>
+            </a:r>
+            <a:r>
+              <a:rPr lang="de-DE" dirty="0" err="1"/>
+              <a:t>dynamic</a:t>
+            </a:r>
+            <a:r>
+              <a:rPr lang="de-DE" dirty="0"/>
+              <a:t> </a:t>
+            </a:r>
+            <a:r>
+              <a:rPr lang="de-DE" dirty="0" err="1"/>
+              <a:t>graph</a:t>
+            </a:r>
+            <a:r>
+              <a:rPr lang="de-DE" dirty="0"/>
+              <a:t> </a:t>
+            </a:r>
+            <a:r>
+              <a:rPr lang="de-DE" dirty="0" err="1"/>
+              <a:t>libraries</a:t>
+            </a:r>
+            <a:r>
+              <a:rPr lang="de-DE" dirty="0"/>
+              <a:t> </a:t>
+            </a:r>
+            <a:r>
+              <a:rPr lang="de-DE" dirty="0" err="1"/>
+              <a:t>struggle</a:t>
+            </a:r>
+            <a:r>
+              <a:rPr lang="de-DE" dirty="0"/>
+              <a:t> </a:t>
+            </a:r>
+            <a:r>
+              <a:rPr lang="de-DE" dirty="0" err="1"/>
+              <a:t>when</a:t>
+            </a:r>
+            <a:r>
+              <a:rPr lang="de-DE" dirty="0"/>
+              <a:t> </a:t>
+            </a:r>
+            <a:r>
+              <a:rPr lang="de-DE" dirty="0" err="1"/>
+              <a:t>displaying</a:t>
+            </a:r>
+            <a:r>
+              <a:rPr lang="de-DE" dirty="0"/>
+              <a:t> </a:t>
+            </a:r>
+            <a:r>
+              <a:rPr lang="de-DE" dirty="0" err="1"/>
+              <a:t>animated</a:t>
+            </a:r>
+            <a:r>
+              <a:rPr lang="de-DE" dirty="0"/>
+              <a:t> </a:t>
+            </a:r>
+            <a:r>
+              <a:rPr lang="de-DE" dirty="0" err="1"/>
+              <a:t>images</a:t>
+            </a:r>
+            <a:endParaRPr lang="de-DE" dirty="0"/>
+          </a:p>
+          <a:p>
+            <a:pPr lvl="1">
+              <a:buFont typeface="Wingdings" panose="05000000000000000000" pitchFamily="2" charset="2"/>
+              <a:buChar char="Ø"/>
+            </a:pPr>
+            <a:r>
+              <a:rPr lang="de-DE" dirty="0"/>
+              <a:t> </a:t>
+            </a:r>
+            <a:r>
+              <a:rPr lang="de-DE" dirty="0" err="1"/>
+              <a:t>Possibility</a:t>
+            </a:r>
+            <a:r>
+              <a:rPr lang="de-DE" dirty="0"/>
+              <a:t> </a:t>
+            </a:r>
+            <a:r>
+              <a:rPr lang="de-DE" dirty="0" err="1"/>
+              <a:t>to</a:t>
+            </a:r>
+            <a:r>
+              <a:rPr lang="de-DE" dirty="0"/>
+              <a:t> </a:t>
+            </a:r>
+            <a:r>
+              <a:rPr lang="de-DE" dirty="0" err="1"/>
+              <a:t>disable</a:t>
+            </a:r>
+            <a:r>
+              <a:rPr lang="de-DE" dirty="0"/>
+              <a:t> </a:t>
+            </a:r>
+            <a:r>
+              <a:rPr lang="de-DE" dirty="0" err="1"/>
+              <a:t>node</a:t>
+            </a:r>
+            <a:r>
+              <a:rPr lang="de-DE" dirty="0"/>
+              <a:t> </a:t>
+            </a:r>
+            <a:r>
+              <a:rPr lang="de-DE" dirty="0" err="1"/>
+              <a:t>images</a:t>
+            </a:r>
+            <a:r>
+              <a:rPr lang="de-DE" dirty="0"/>
+              <a:t> </a:t>
+            </a:r>
+            <a:r>
+              <a:rPr lang="de-DE" dirty="0" err="1"/>
+              <a:t>for</a:t>
+            </a:r>
+            <a:r>
+              <a:rPr lang="de-DE" dirty="0"/>
+              <a:t> larger </a:t>
+            </a:r>
+            <a:r>
+              <a:rPr lang="de-DE" dirty="0" err="1"/>
+              <a:t>graphs</a:t>
+            </a:r>
+            <a:endParaRPr lang="de-DE" dirty="0"/>
+          </a:p>
+          <a:p>
+            <a:pPr>
+              <a:lnSpc>
+                <a:spcPct val="110000"/>
+              </a:lnSpc>
+            </a:pPr>
+            <a:r>
+              <a:rPr lang="de-DE" dirty="0" err="1"/>
+              <a:t>Merge</a:t>
+            </a:r>
+            <a:r>
+              <a:rPr lang="de-DE" dirty="0"/>
+              <a:t> </a:t>
             </a:r>
             <a:r>
               <a:rPr lang="en-GB" dirty="0"/>
-              <a:t>temporarily</a:t>
-            </a:r>
-            <a:r>
-              <a:rPr lang="de-DE" dirty="0"/>
-              <a:t>)</a:t>
+              <a:t>already</a:t>
+            </a:r>
+            <a:r>
+              <a:rPr lang="de-DE" dirty="0"/>
+              <a:t> </a:t>
+            </a:r>
+            <a:r>
+              <a:rPr lang="de-DE" dirty="0" err="1"/>
+              <a:t>existing</a:t>
+            </a:r>
+            <a:r>
+              <a:rPr lang="de-DE" dirty="0"/>
+              <a:t> </a:t>
+            </a:r>
+            <a:r>
+              <a:rPr lang="de-DE" dirty="0" err="1"/>
+              <a:t>nodes</a:t>
+            </a:r>
+            <a:endParaRPr lang="de-DE" dirty="0"/>
+          </a:p>
+          <a:p>
+            <a:pPr lvl="1">
+              <a:buFont typeface="Wingdings" panose="05000000000000000000" pitchFamily="2" charset="2"/>
+              <a:buChar char="Ø"/>
+            </a:pPr>
+            <a:r>
+              <a:rPr lang="de-DE" dirty="0"/>
+              <a:t> Lookup </a:t>
+            </a:r>
+            <a:r>
+              <a:rPr lang="de-DE" dirty="0" err="1"/>
+              <a:t>by</a:t>
+            </a:r>
+            <a:r>
+              <a:rPr lang="de-DE" dirty="0"/>
+              <a:t> </a:t>
+            </a:r>
+            <a:r>
+              <a:rPr lang="de-DE" dirty="0" err="1"/>
+              <a:t>LinkedMDB</a:t>
+            </a:r>
+            <a:r>
+              <a:rPr lang="de-DE" dirty="0"/>
+              <a:t> URIs</a:t>
+            </a:r>
+          </a:p>
+          <a:p>
+            <a:pPr>
+              <a:lnSpc>
+                <a:spcPct val="110000"/>
+              </a:lnSpc>
+            </a:pPr>
+            <a:r>
+              <a:rPr lang="de-DE" dirty="0"/>
+              <a:t>CORS-</a:t>
+            </a:r>
+            <a:r>
+              <a:rPr lang="de-DE" dirty="0" err="1"/>
+              <a:t>Requests</a:t>
+            </a:r>
+            <a:r>
+              <a:rPr lang="de-DE" dirty="0"/>
+              <a:t> </a:t>
+            </a:r>
+            <a:r>
+              <a:rPr lang="de-DE" dirty="0" err="1"/>
+              <a:t>are</a:t>
+            </a:r>
+            <a:r>
+              <a:rPr lang="de-DE" dirty="0"/>
+              <a:t> </a:t>
+            </a:r>
+            <a:r>
+              <a:rPr lang="de-DE" dirty="0" err="1"/>
+              <a:t>forbidden</a:t>
+            </a:r>
+            <a:r>
+              <a:rPr lang="de-DE" dirty="0"/>
+              <a:t> in JavaScript</a:t>
+            </a:r>
+          </a:p>
+          <a:p>
+            <a:pPr lvl="1">
+              <a:buFont typeface="Wingdings" panose="05000000000000000000" pitchFamily="2" charset="2"/>
+              <a:buChar char="Ø"/>
+            </a:pPr>
+            <a:r>
+              <a:rPr lang="de-DE" dirty="0"/>
+              <a:t> Jsonp</a:t>
+            </a:r>
+          </a:p>
+          <a:p>
+            <a:pPr>
+              <a:lnSpc>
+                <a:spcPct val="110000"/>
+              </a:lnSpc>
+            </a:pPr>
+            <a:r>
+              <a:rPr lang="de-DE" dirty="0" err="1"/>
+              <a:t>Good</a:t>
+            </a:r>
+            <a:r>
+              <a:rPr lang="de-DE" dirty="0"/>
+              <a:t> </a:t>
+            </a:r>
+            <a:r>
+              <a:rPr lang="de-DE" dirty="0" err="1"/>
+              <a:t>movie</a:t>
+            </a:r>
+            <a:r>
+              <a:rPr lang="de-DE" dirty="0"/>
+              <a:t> </a:t>
+            </a:r>
+            <a:r>
+              <a:rPr lang="en-GB" dirty="0"/>
+              <a:t>recommendations</a:t>
             </a:r>
           </a:p>
           <a:p>
             <a:pPr lvl="1"/>
             <a:r>
-              <a:rPr lang="de-DE" dirty="0" err="1"/>
-              <a:t>Sparql</a:t>
-            </a:r>
-            <a:r>
-              <a:rPr lang="de-DE" dirty="0"/>
-              <a:t>: SPARQL.JS</a:t>
-            </a:r>
-          </a:p>
-          <a:p>
-            <a:r>
-              <a:rPr lang="de-DE" dirty="0" err="1"/>
-              <a:t>Sparql</a:t>
-            </a:r>
-            <a:r>
-              <a:rPr lang="de-DE" dirty="0"/>
-              <a:t>-Endpoints:	</a:t>
+              <a:rPr lang="en-GB" dirty="0"/>
+              <a:t> Missing </a:t>
+            </a:r>
+            <a:r>
+              <a:rPr lang="en-GB" dirty="0" err="1"/>
+              <a:t>LinkedMDB</a:t>
+            </a:r>
+            <a:r>
+              <a:rPr lang="en-GB" dirty="0"/>
+              <a:t> properties</a:t>
             </a:r>
           </a:p>
           <a:p>
             <a:pPr lvl="1"/>
             <a:r>
-              <a:rPr lang="de-DE" dirty="0" err="1"/>
+              <a:rPr lang="en-GB" dirty="0"/>
+              <a:t> Missing links between </a:t>
+            </a:r>
+            <a:r>
+              <a:rPr lang="en-GB" dirty="0" err="1"/>
+              <a:t>LinkedMDB</a:t>
+            </a:r>
+            <a:r>
+              <a:rPr lang="en-GB" dirty="0"/>
+              <a:t> and </a:t>
+            </a:r>
+            <a:r>
+              <a:rPr lang="en-GB" dirty="0" err="1"/>
               <a:t>DBPedia</a:t>
             </a:r>
-            <a:endParaRPr lang="de-DE" dirty="0"/>
-          </a:p>
-          <a:p>
-            <a:pPr lvl="1"/>
-            <a:r>
-              <a:rPr lang="de-DE" dirty="0" err="1"/>
+            <a:endParaRPr lang="en-GB" dirty="0"/>
+          </a:p>
+          <a:p>
+            <a:pPr lvl="1">
+              <a:buFont typeface="Wingdings" panose="05000000000000000000" pitchFamily="2" charset="2"/>
+              <a:buChar char="Ø"/>
+            </a:pPr>
+            <a:r>
+              <a:rPr lang="en-GB" dirty="0"/>
+              <a:t> Not possible with </a:t>
+            </a:r>
+            <a:r>
+              <a:rPr lang="en-GB" dirty="0" err="1"/>
               <a:t>LinkedMDB</a:t>
             </a:r>
-            <a:endParaRPr lang="de-DE" dirty="0"/>
-          </a:p>
-          <a:p>
-            <a:r>
-              <a:rPr lang="de-DE" dirty="0"/>
-              <a:t>Frontend-Template: Materialdesign Light</a:t>
-            </a:r>
+            <a:r>
+              <a:rPr lang="en-GB" dirty="0"/>
+              <a:t> and </a:t>
+            </a:r>
+            <a:r>
+              <a:rPr lang="en-GB" dirty="0" err="1"/>
+              <a:t>DBPedia</a:t>
+            </a:r>
+            <a:endParaRPr lang="en-GB" dirty="0"/>
           </a:p>
         </p:txBody>
       </p:sp>
     </p:spTree>
     <p:extLst>
       <p:ext uri="{BB962C8B-B14F-4D97-AF65-F5344CB8AC3E}">
-        <p14:creationId xmlns:p14="http://schemas.microsoft.com/office/powerpoint/2010/main" val="1536855750"/>
+        <p14:creationId xmlns:p14="http://schemas.microsoft.com/office/powerpoint/2010/main" val="3389106340"/>
       </p:ext>
     </p:extLst>
   </p:cSld>
@@ -3338,7 +3771,15 @@
           <a:p>
             <a:r>
               <a:rPr lang="de-DE" dirty="0" err="1"/>
-              <a:t>Functionality</a:t>
+              <a:t>Unforeseen</a:t>
+            </a:r>
+            <a:r>
+              <a:rPr lang="de-DE" dirty="0"/>
+              <a:t> </a:t>
+            </a:r>
+            <a:r>
+              <a:rPr lang="de-DE" dirty="0" err="1"/>
+              <a:t>Challenges</a:t>
             </a:r>
             <a:endParaRPr lang="de-DE" dirty="0"/>
           </a:p>
@@ -3356,19 +3797,38 @@
         </p:nvSpPr>
         <p:spPr/>
         <p:txBody>
-          <a:bodyPr/>
+          <a:bodyPr>
+            <a:normAutofit/>
+          </a:bodyPr>
           <a:lstStyle/>
           <a:p>
             <a:r>
               <a:rPr lang="en-GB" dirty="0"/>
-              <a:t>Create graph based on search term</a:t>
+              <a:t>Image Source</a:t>
             </a:r>
           </a:p>
           <a:p>
             <a:pPr lvl="1"/>
             <a:r>
               <a:rPr lang="en-GB" dirty="0"/>
-              <a:t>Explore Movies, Actors, Producers, Awards, etc. </a:t>
+              <a:t> Image Size</a:t>
+            </a:r>
+          </a:p>
+          <a:p>
+            <a:pPr lvl="1"/>
+            <a:r>
+              <a:rPr lang="en-GB" dirty="0"/>
+              <a:t> Disambiguation</a:t>
+            </a:r>
+          </a:p>
+          <a:p>
+            <a:pPr lvl="1">
+              <a:buFont typeface="Wingdings" panose="05000000000000000000" pitchFamily="2" charset="2"/>
+              <a:buChar char="Ø"/>
+            </a:pPr>
+            <a:r>
+              <a:rPr lang="en-GB" dirty="0"/>
+              <a:t> Wikipedia Image API</a:t>
             </a:r>
           </a:p>
           <a:p>
@@ -3377,36 +3837,46 @@
           </a:p>
           <a:p>
             <a:r>
+              <a:rPr lang="en-GB" dirty="0" err="1"/>
+              <a:t>LinkedMDB</a:t>
+            </a:r>
+            <a:r>
               <a:rPr lang="en-GB" dirty="0"/>
-              <a:t>Allow further exploration by clicking nodes</a:t>
+              <a:t> outage </a:t>
             </a:r>
           </a:p>
           <a:p>
             <a:pPr lvl="1"/>
             <a:r>
               <a:rPr lang="en-GB" dirty="0"/>
-              <a:t>Loads further data from SPARQL endpoint</a:t>
-            </a:r>
-          </a:p>
-          <a:p>
-            <a:pPr lvl="1"/>
+              <a:t> Additionally corrupt </a:t>
+            </a:r>
+            <a:r>
+              <a:rPr lang="en-GB" dirty="0" err="1"/>
+              <a:t>LinkedMDB</a:t>
+            </a:r>
             <a:r>
               <a:rPr lang="en-GB" dirty="0"/>
-              <a:t>Expands the graph</a:t>
-            </a:r>
-          </a:p>
-          <a:p>
-            <a:pPr lvl="1"/>
-            <a:endParaRPr lang="en-GB" dirty="0"/>
-          </a:p>
-          <a:p>
+              <a:t> dumps</a:t>
+            </a:r>
+          </a:p>
+          <a:p>
+            <a:pPr lvl="1">
+              <a:buFont typeface="Wingdings" panose="05000000000000000000" pitchFamily="2" charset="2"/>
+              <a:buChar char="Ø"/>
+            </a:pPr>
             <a:r>
               <a:rPr lang="en-GB" dirty="0"/>
-              <a:t>Explore movie recommendations</a:t>
-            </a:r>
-          </a:p>
-          <a:p>
-            <a:endParaRPr lang="en-GB" dirty="0"/>
+              <a:t> Local </a:t>
+            </a:r>
+            <a:r>
+              <a:rPr lang="en-GB" dirty="0" err="1"/>
+              <a:t>Blazegraph</a:t>
+            </a:r>
+            <a:r>
+              <a:rPr lang="en-GB" dirty="0"/>
+              <a:t> endpoint</a:t>
+            </a:r>
           </a:p>
           <a:p>
             <a:endParaRPr lang="en-GB" dirty="0"/>
@@ -3445,402 +3915,49 @@
       </p:grpSpPr>
       <p:sp>
         <p:nvSpPr>
-          <p:cNvPr id="2" name="Titel 1"/>
-          <p:cNvSpPr>
-            <a:spLocks noGrp="1"/>
-          </p:cNvSpPr>
-          <p:nvPr>
-            <p:ph type="title"/>
-          </p:nvPr>
-        </p:nvSpPr>
-        <p:spPr/>
-        <p:txBody>
-          <a:bodyPr/>
-          <a:lstStyle/>
-          <a:p>
-            <a:r>
-              <a:rPr lang="en-GB" dirty="0"/>
-              <a:t>Challenges</a:t>
-            </a:r>
-          </a:p>
-        </p:txBody>
-      </p:sp>
-      <p:sp>
-        <p:nvSpPr>
-          <p:cNvPr id="3" name="Inhaltsplatzhalter 2"/>
-          <p:cNvSpPr>
-            <a:spLocks noGrp="1"/>
-          </p:cNvSpPr>
-          <p:nvPr>
-            <p:ph idx="1"/>
-          </p:nvPr>
-        </p:nvSpPr>
-        <p:spPr/>
-        <p:txBody>
-          <a:bodyPr>
-            <a:normAutofit fontScale="92500" lnSpcReduction="20000"/>
-          </a:bodyPr>
-          <a:lstStyle/>
-          <a:p>
-            <a:r>
-              <a:rPr lang="en-GB" dirty="0"/>
-              <a:t>Performance of graph drawing </a:t>
-            </a:r>
-          </a:p>
-          <a:p>
-            <a:pPr lvl="1"/>
-            <a:r>
-              <a:rPr lang="en-GB" dirty="0"/>
-              <a:t>Images are expensive to display</a:t>
-            </a:r>
-          </a:p>
-          <a:p>
-            <a:pPr lvl="1"/>
-            <a:r>
-              <a:rPr lang="en-GB" dirty="0"/>
-              <a:t>Need to be redrawn every time a node moves</a:t>
-            </a:r>
-          </a:p>
-          <a:p>
-            <a:endParaRPr lang="en-GB" dirty="0"/>
-          </a:p>
-          <a:p>
-            <a:r>
-              <a:rPr lang="en-GB" dirty="0"/>
-              <a:t>Merge already existing nodes</a:t>
-            </a:r>
-          </a:p>
-          <a:p>
-            <a:pPr lvl="1"/>
-            <a:r>
-              <a:rPr lang="en-GB" dirty="0"/>
-              <a:t>Cycles are better than duplicated nodes</a:t>
-            </a:r>
-          </a:p>
-          <a:p>
-            <a:endParaRPr lang="en-GB" dirty="0"/>
-          </a:p>
-          <a:p>
-            <a:r>
-              <a:rPr lang="de-DE" dirty="0"/>
-              <a:t>CORS-</a:t>
-            </a:r>
-            <a:r>
-              <a:rPr lang="de-DE" dirty="0" err="1"/>
-              <a:t>Requests</a:t>
-            </a:r>
-            <a:r>
-              <a:rPr lang="de-DE" dirty="0"/>
-              <a:t> </a:t>
-            </a:r>
-            <a:r>
-              <a:rPr lang="de-DE" dirty="0" err="1"/>
-              <a:t>are</a:t>
-            </a:r>
-            <a:r>
-              <a:rPr lang="de-DE" dirty="0"/>
-              <a:t> </a:t>
-            </a:r>
-            <a:r>
-              <a:rPr lang="de-DE" dirty="0" err="1"/>
-              <a:t>forbidden</a:t>
-            </a:r>
-            <a:r>
-              <a:rPr lang="de-DE" dirty="0"/>
-              <a:t> in JavaScript</a:t>
-            </a:r>
-          </a:p>
-          <a:p>
-            <a:endParaRPr lang="de-DE" dirty="0"/>
-          </a:p>
-          <a:p>
-            <a:r>
-              <a:rPr lang="en-GB" dirty="0"/>
-              <a:t>Good movie recommendations </a:t>
-            </a:r>
-          </a:p>
-          <a:p>
-            <a:pPr lvl="1"/>
-            <a:r>
-              <a:rPr lang="en-GB" dirty="0"/>
-              <a:t>Serendipitous discovery</a:t>
-            </a:r>
+          <p:cNvPr id="4" name="Titel 3"/>
+          <p:cNvSpPr>
+            <a:spLocks noGrp="1"/>
+          </p:cNvSpPr>
+          <p:nvPr>
+            <p:ph type="ctrTitle"/>
+          </p:nvPr>
+        </p:nvSpPr>
+        <p:spPr/>
+        <p:txBody>
+          <a:bodyPr/>
+          <a:lstStyle/>
+          <a:p>
+            <a:r>
+              <a:rPr lang="de-DE" dirty="0"/>
+              <a:t>Live Demo</a:t>
+            </a:r>
+          </a:p>
+        </p:txBody>
+      </p:sp>
+      <p:sp>
+        <p:nvSpPr>
+          <p:cNvPr id="5" name="Untertitel 4"/>
+          <p:cNvSpPr>
+            <a:spLocks noGrp="1"/>
+          </p:cNvSpPr>
+          <p:nvPr>
+            <p:ph type="subTitle" idx="1"/>
+          </p:nvPr>
+        </p:nvSpPr>
+        <p:spPr/>
+        <p:txBody>
+          <a:bodyPr/>
+          <a:lstStyle/>
+          <a:p>
+            <a:endParaRPr lang="de-DE"/>
           </a:p>
         </p:txBody>
       </p:sp>
     </p:spTree>
     <p:extLst>
       <p:ext uri="{BB962C8B-B14F-4D97-AF65-F5344CB8AC3E}">
-        <p14:creationId xmlns:p14="http://schemas.microsoft.com/office/powerpoint/2010/main" val="3389106340"/>
-      </p:ext>
-    </p:extLst>
-  </p:cSld>
-  <p:clrMapOvr>
-    <a:masterClrMapping/>
-  </p:clrMapOvr>
-</p:sld>
-</file>
-
-<file path=ppt/slides/slide6.xml><?xml version="1.0" encoding="utf-8"?>
-<p:sld xmlns:a="http://schemas.openxmlformats.org/drawingml/2006/main" xmlns:r="http://schemas.openxmlformats.org/officeDocument/2006/relationships" xmlns:p="http://schemas.openxmlformats.org/presentationml/2006/main">
-  <p:cSld>
-    <p:spTree>
-      <p:nvGrpSpPr>
-        <p:cNvPr id="1" name=""/>
-        <p:cNvGrpSpPr/>
-        <p:nvPr/>
-      </p:nvGrpSpPr>
-      <p:grpSpPr>
-        <a:xfrm>
-          <a:off x="0" y="0"/>
-          <a:ext cx="0" cy="0"/>
-          <a:chOff x="0" y="0"/>
-          <a:chExt cx="0" cy="0"/>
-        </a:xfrm>
-      </p:grpSpPr>
-      <p:sp>
-        <p:nvSpPr>
-          <p:cNvPr id="2" name="Titel 1"/>
-          <p:cNvSpPr>
-            <a:spLocks noGrp="1"/>
-          </p:cNvSpPr>
-          <p:nvPr>
-            <p:ph type="title"/>
-          </p:nvPr>
-        </p:nvSpPr>
-        <p:spPr/>
-        <p:txBody>
-          <a:bodyPr/>
-          <a:lstStyle/>
-          <a:p>
-            <a:r>
-              <a:rPr lang="de-DE" dirty="0" err="1"/>
-              <a:t>Workload</a:t>
-            </a:r>
-            <a:r>
-              <a:rPr lang="de-DE" dirty="0"/>
-              <a:t> </a:t>
-            </a:r>
-            <a:r>
-              <a:rPr lang="de-DE" dirty="0" err="1"/>
-              <a:t>separation</a:t>
-            </a:r>
-            <a:endParaRPr lang="de-DE" dirty="0"/>
-          </a:p>
-        </p:txBody>
-      </p:sp>
-      <p:sp>
-        <p:nvSpPr>
-          <p:cNvPr id="3" name="Inhaltsplatzhalter 2"/>
-          <p:cNvSpPr>
-            <a:spLocks noGrp="1"/>
-          </p:cNvSpPr>
-          <p:nvPr>
-            <p:ph idx="1"/>
-          </p:nvPr>
-        </p:nvSpPr>
-        <p:spPr/>
-        <p:txBody>
-          <a:bodyPr/>
-          <a:lstStyle/>
-          <a:p>
-            <a:r>
-              <a:rPr lang="de-DE" dirty="0"/>
-              <a:t>Lorenzo </a:t>
-            </a:r>
-            <a:r>
-              <a:rPr lang="de-DE" dirty="0" err="1"/>
-              <a:t>Toso</a:t>
-            </a:r>
-            <a:endParaRPr lang="de-DE" dirty="0"/>
-          </a:p>
-          <a:p>
-            <a:pPr lvl="1"/>
-            <a:r>
-              <a:rPr lang="de-DE" dirty="0"/>
-              <a:t>Sparql.JS </a:t>
-            </a:r>
-            <a:r>
-              <a:rPr lang="de-DE" dirty="0" err="1"/>
-              <a:t>setup</a:t>
-            </a:r>
-            <a:endParaRPr lang="de-DE" dirty="0"/>
-          </a:p>
-          <a:p>
-            <a:pPr lvl="1"/>
-            <a:r>
-              <a:rPr lang="de-DE" dirty="0"/>
-              <a:t>Entity </a:t>
-            </a:r>
-            <a:r>
-              <a:rPr lang="de-DE" dirty="0" err="1"/>
-              <a:t>queries</a:t>
-            </a:r>
-            <a:endParaRPr lang="de-DE" dirty="0"/>
-          </a:p>
-          <a:p>
-            <a:pPr lvl="1"/>
-            <a:r>
-              <a:rPr lang="de-DE" dirty="0"/>
-              <a:t>Movie </a:t>
-            </a:r>
-            <a:r>
-              <a:rPr lang="de-DE" dirty="0" err="1"/>
-              <a:t>recommendation</a:t>
-            </a:r>
-            <a:r>
-              <a:rPr lang="de-DE" dirty="0"/>
-              <a:t> </a:t>
-            </a:r>
-            <a:r>
-              <a:rPr lang="de-DE" dirty="0" err="1"/>
-              <a:t>algorithms</a:t>
-            </a:r>
-            <a:endParaRPr lang="de-DE" dirty="0"/>
-          </a:p>
-          <a:p>
-            <a:pPr lvl="1"/>
-            <a:endParaRPr lang="de-DE" dirty="0"/>
-          </a:p>
-          <a:p>
-            <a:r>
-              <a:rPr lang="de-DE" dirty="0"/>
-              <a:t>Mathias Möller</a:t>
-            </a:r>
-          </a:p>
-          <a:p>
-            <a:pPr lvl="1"/>
-            <a:r>
-              <a:rPr lang="de-DE" dirty="0"/>
-              <a:t>Graph </a:t>
-            </a:r>
-            <a:r>
-              <a:rPr lang="de-DE" dirty="0" err="1"/>
-              <a:t>visualization</a:t>
-            </a:r>
-            <a:endParaRPr lang="de-DE" dirty="0"/>
-          </a:p>
-          <a:p>
-            <a:pPr lvl="1"/>
-            <a:r>
-              <a:rPr lang="de-DE" dirty="0" err="1"/>
-              <a:t>Result</a:t>
-            </a:r>
-            <a:r>
-              <a:rPr lang="de-DE" dirty="0"/>
-              <a:t> </a:t>
-            </a:r>
-            <a:r>
-              <a:rPr lang="de-DE" dirty="0" err="1"/>
-              <a:t>parsing</a:t>
-            </a:r>
-            <a:endParaRPr lang="de-DE" dirty="0"/>
-          </a:p>
-          <a:p>
-            <a:pPr lvl="1"/>
-            <a:r>
-              <a:rPr lang="de-DE" dirty="0" err="1"/>
-              <a:t>Filtering</a:t>
-            </a:r>
-            <a:r>
-              <a:rPr lang="de-DE" dirty="0"/>
-              <a:t> </a:t>
-            </a:r>
-            <a:r>
-              <a:rPr lang="de-DE" dirty="0" err="1"/>
-              <a:t>important</a:t>
-            </a:r>
-            <a:r>
-              <a:rPr lang="de-DE" dirty="0"/>
-              <a:t> </a:t>
-            </a:r>
-            <a:r>
-              <a:rPr lang="de-DE" dirty="0" err="1"/>
-              <a:t>data</a:t>
-            </a:r>
-            <a:endParaRPr lang="de-DE" dirty="0"/>
-          </a:p>
-        </p:txBody>
-      </p:sp>
-    </p:spTree>
-    <p:extLst>
-      <p:ext uri="{BB962C8B-B14F-4D97-AF65-F5344CB8AC3E}">
-        <p14:creationId xmlns:p14="http://schemas.microsoft.com/office/powerpoint/2010/main" val="3234659082"/>
-      </p:ext>
-    </p:extLst>
-  </p:cSld>
-  <p:clrMapOvr>
-    <a:masterClrMapping/>
-  </p:clrMapOvr>
-</p:sld>
-</file>
-
-<file path=ppt/slides/slide7.xml><?xml version="1.0" encoding="utf-8"?>
-<p:sld xmlns:a="http://schemas.openxmlformats.org/drawingml/2006/main" xmlns:r="http://schemas.openxmlformats.org/officeDocument/2006/relationships" xmlns:p="http://schemas.openxmlformats.org/presentationml/2006/main">
-  <p:cSld>
-    <p:spTree>
-      <p:nvGrpSpPr>
-        <p:cNvPr id="1" name=""/>
-        <p:cNvGrpSpPr/>
-        <p:nvPr/>
-      </p:nvGrpSpPr>
-      <p:grpSpPr>
-        <a:xfrm>
-          <a:off x="0" y="0"/>
-          <a:ext cx="0" cy="0"/>
-          <a:chOff x="0" y="0"/>
-          <a:chExt cx="0" cy="0"/>
-        </a:xfrm>
-      </p:grpSpPr>
-      <p:sp>
-        <p:nvSpPr>
-          <p:cNvPr id="4" name="Titel 3"/>
-          <p:cNvSpPr>
-            <a:spLocks noGrp="1"/>
-          </p:cNvSpPr>
-          <p:nvPr>
-            <p:ph type="ctrTitle"/>
-          </p:nvPr>
-        </p:nvSpPr>
-        <p:spPr/>
-        <p:txBody>
-          <a:bodyPr/>
-          <a:lstStyle/>
-          <a:p>
-            <a:r>
-              <a:rPr lang="de-DE" dirty="0" err="1"/>
-              <a:t>Questions</a:t>
-            </a:r>
-            <a:r>
-              <a:rPr lang="de-DE" dirty="0"/>
-              <a:t>?</a:t>
-            </a:r>
-          </a:p>
-        </p:txBody>
-      </p:sp>
-      <p:sp>
-        <p:nvSpPr>
-          <p:cNvPr id="5" name="Untertitel 4"/>
-          <p:cNvSpPr>
-            <a:spLocks noGrp="1"/>
-          </p:cNvSpPr>
-          <p:nvPr>
-            <p:ph type="subTitle" idx="1"/>
-          </p:nvPr>
-        </p:nvSpPr>
-        <p:spPr/>
-        <p:txBody>
-          <a:bodyPr/>
-          <a:lstStyle/>
-          <a:p>
-            <a:endParaRPr lang="de-DE"/>
-          </a:p>
-        </p:txBody>
-      </p:sp>
-    </p:spTree>
-    <p:extLst>
-      <p:ext uri="{BB962C8B-B14F-4D97-AF65-F5344CB8AC3E}">
-        <p14:creationId xmlns:p14="http://schemas.microsoft.com/office/powerpoint/2010/main" val="2179771919"/>
+        <p14:creationId xmlns:p14="http://schemas.microsoft.com/office/powerpoint/2010/main" val="741498421"/>
       </p:ext>
     </p:extLst>
   </p:cSld>

--- a/Linked Movie Exploration Graph.pptx
+++ b/Linked Movie Exploration Graph.pptx
@@ -8,8 +8,9 @@
     <p:sldId id="256" r:id="rId2"/>
     <p:sldId id="257" r:id="rId3"/>
     <p:sldId id="259" r:id="rId4"/>
-    <p:sldId id="258" r:id="rId5"/>
-    <p:sldId id="260" r:id="rId6"/>
+    <p:sldId id="261" r:id="rId5"/>
+    <p:sldId id="258" r:id="rId6"/>
+    <p:sldId id="260" r:id="rId7"/>
   </p:sldIdLst>
   <p:sldSz cx="12192000" cy="6858000"/>
   <p:notesSz cx="6858000" cy="9144000"/>
@@ -245,7 +246,7 @@
           <a:p>
             <a:fld id="{2107A019-A245-4CF9-8404-4037D2D39BB4}" type="datetimeFigureOut">
               <a:rPr lang="de-DE" smtClean="0"/>
-              <a:t>03.02.2017</a:t>
+              <a:t>08.02.2017</a:t>
             </a:fld>
             <a:endParaRPr lang="de-DE"/>
           </a:p>
@@ -413,7 +414,7 @@
           <a:p>
             <a:fld id="{2107A019-A245-4CF9-8404-4037D2D39BB4}" type="datetimeFigureOut">
               <a:rPr lang="de-DE" smtClean="0"/>
-              <a:t>03.02.2017</a:t>
+              <a:t>08.02.2017</a:t>
             </a:fld>
             <a:endParaRPr lang="de-DE"/>
           </a:p>
@@ -591,7 +592,7 @@
           <a:p>
             <a:fld id="{2107A019-A245-4CF9-8404-4037D2D39BB4}" type="datetimeFigureOut">
               <a:rPr lang="de-DE" smtClean="0"/>
-              <a:t>03.02.2017</a:t>
+              <a:t>08.02.2017</a:t>
             </a:fld>
             <a:endParaRPr lang="de-DE"/>
           </a:p>
@@ -759,7 +760,7 @@
           <a:p>
             <a:fld id="{2107A019-A245-4CF9-8404-4037D2D39BB4}" type="datetimeFigureOut">
               <a:rPr lang="de-DE" smtClean="0"/>
-              <a:t>03.02.2017</a:t>
+              <a:t>08.02.2017</a:t>
             </a:fld>
             <a:endParaRPr lang="de-DE"/>
           </a:p>
@@ -1004,7 +1005,7 @@
           <a:p>
             <a:fld id="{2107A019-A245-4CF9-8404-4037D2D39BB4}" type="datetimeFigureOut">
               <a:rPr lang="de-DE" smtClean="0"/>
-              <a:t>03.02.2017</a:t>
+              <a:t>08.02.2017</a:t>
             </a:fld>
             <a:endParaRPr lang="de-DE"/>
           </a:p>
@@ -1233,7 +1234,7 @@
           <a:p>
             <a:fld id="{2107A019-A245-4CF9-8404-4037D2D39BB4}" type="datetimeFigureOut">
               <a:rPr lang="de-DE" smtClean="0"/>
-              <a:t>03.02.2017</a:t>
+              <a:t>08.02.2017</a:t>
             </a:fld>
             <a:endParaRPr lang="de-DE"/>
           </a:p>
@@ -1597,7 +1598,7 @@
           <a:p>
             <a:fld id="{2107A019-A245-4CF9-8404-4037D2D39BB4}" type="datetimeFigureOut">
               <a:rPr lang="de-DE" smtClean="0"/>
-              <a:t>03.02.2017</a:t>
+              <a:t>08.02.2017</a:t>
             </a:fld>
             <a:endParaRPr lang="de-DE"/>
           </a:p>
@@ -1714,7 +1715,7 @@
           <a:p>
             <a:fld id="{2107A019-A245-4CF9-8404-4037D2D39BB4}" type="datetimeFigureOut">
               <a:rPr lang="de-DE" smtClean="0"/>
-              <a:t>03.02.2017</a:t>
+              <a:t>08.02.2017</a:t>
             </a:fld>
             <a:endParaRPr lang="de-DE"/>
           </a:p>
@@ -1809,7 +1810,7 @@
           <a:p>
             <a:fld id="{2107A019-A245-4CF9-8404-4037D2D39BB4}" type="datetimeFigureOut">
               <a:rPr lang="de-DE" smtClean="0"/>
-              <a:t>03.02.2017</a:t>
+              <a:t>08.02.2017</a:t>
             </a:fld>
             <a:endParaRPr lang="de-DE"/>
           </a:p>
@@ -2084,7 +2085,7 @@
           <a:p>
             <a:fld id="{2107A019-A245-4CF9-8404-4037D2D39BB4}" type="datetimeFigureOut">
               <a:rPr lang="de-DE" smtClean="0"/>
-              <a:t>03.02.2017</a:t>
+              <a:t>08.02.2017</a:t>
             </a:fld>
             <a:endParaRPr lang="de-DE"/>
           </a:p>
@@ -2336,7 +2337,7 @@
           <a:p>
             <a:fld id="{2107A019-A245-4CF9-8404-4037D2D39BB4}" type="datetimeFigureOut">
               <a:rPr lang="de-DE" smtClean="0"/>
-              <a:t>03.02.2017</a:t>
+              <a:t>08.02.2017</a:t>
             </a:fld>
             <a:endParaRPr lang="de-DE"/>
           </a:p>
@@ -2547,7 +2548,7 @@
           <a:p>
             <a:fld id="{2107A019-A245-4CF9-8404-4037D2D39BB4}" type="datetimeFigureOut">
               <a:rPr lang="de-DE" smtClean="0"/>
-              <a:t>03.02.2017</a:t>
+              <a:t>08.02.2017</a:t>
             </a:fld>
             <a:endParaRPr lang="de-DE"/>
           </a:p>
@@ -3303,7 +3304,10 @@
               <a:rPr lang="de-DE" dirty="0" err="1"/>
               <a:t>Challanges</a:t>
             </a:r>
-            <a:endParaRPr lang="de-DE" dirty="0"/>
+            <a:r>
+              <a:rPr lang="de-DE" dirty="0"/>
+              <a:t> (1/2)</a:t>
+            </a:r>
           </a:p>
         </p:txBody>
       </p:sp>
@@ -3317,10 +3321,15 @@
             <p:ph idx="1"/>
           </p:nvPr>
         </p:nvSpPr>
-        <p:spPr/>
+        <p:spPr>
+          <a:xfrm>
+            <a:off x="838200" y="1825625"/>
+            <a:ext cx="10515600" cy="4601054"/>
+          </a:xfrm>
+        </p:spPr>
         <p:txBody>
           <a:bodyPr>
-            <a:normAutofit fontScale="92500" lnSpcReduction="20000"/>
+            <a:normAutofit/>
           </a:bodyPr>
           <a:lstStyle/>
           <a:p>
@@ -3359,7 +3368,7 @@
             <a:pPr lvl="1"/>
             <a:r>
               <a:rPr lang="de-DE" dirty="0"/>
-              <a:t>Vue.js </a:t>
+              <a:t> Vue.js </a:t>
             </a:r>
             <a:r>
               <a:rPr lang="de-DE" dirty="0" err="1"/>
@@ -3403,7 +3412,75 @@
             <a:pPr lvl="1"/>
             <a:r>
               <a:rPr lang="de-DE" dirty="0"/>
-              <a:t>All </a:t>
+              <a:t> Vue.js </a:t>
+            </a:r>
+            <a:r>
+              <a:rPr lang="de-DE" dirty="0" err="1"/>
+              <a:t>has</a:t>
+            </a:r>
+            <a:r>
+              <a:rPr lang="de-DE" dirty="0"/>
+              <a:t> </a:t>
+            </a:r>
+            <a:r>
+              <a:rPr lang="de-DE" dirty="0" err="1"/>
+              <a:t>best</a:t>
+            </a:r>
+            <a:r>
+              <a:rPr lang="de-DE" dirty="0"/>
+              <a:t> </a:t>
+            </a:r>
+            <a:r>
+              <a:rPr lang="de-DE" dirty="0" err="1"/>
+              <a:t>engine</a:t>
+            </a:r>
+            <a:r>
+              <a:rPr lang="de-DE" dirty="0"/>
+              <a:t> </a:t>
+            </a:r>
+            <a:r>
+              <a:rPr lang="de-DE" dirty="0" err="1"/>
+              <a:t>to</a:t>
+            </a:r>
+            <a:r>
+              <a:rPr lang="de-DE" dirty="0"/>
+              <a:t> </a:t>
+            </a:r>
+            <a:r>
+              <a:rPr lang="de-DE" dirty="0" err="1"/>
+              <a:t>dynamically</a:t>
+            </a:r>
+            <a:r>
+              <a:rPr lang="de-DE" dirty="0"/>
+              <a:t> </a:t>
+            </a:r>
+            <a:r>
+              <a:rPr lang="de-DE" dirty="0" err="1"/>
+              <a:t>calculate</a:t>
+            </a:r>
+            <a:r>
+              <a:rPr lang="de-DE" dirty="0"/>
+              <a:t> </a:t>
+            </a:r>
+            <a:r>
+              <a:rPr lang="de-DE" dirty="0" err="1"/>
+              <a:t>node</a:t>
+            </a:r>
+            <a:r>
+              <a:rPr lang="de-DE" dirty="0"/>
+              <a:t> </a:t>
+            </a:r>
+            <a:r>
+              <a:rPr lang="de-DE" dirty="0" err="1"/>
+              <a:t>positions</a:t>
+            </a:r>
+            <a:endParaRPr lang="de-DE" dirty="0"/>
+          </a:p>
+          <a:p>
+            <a:pPr lvl="1"/>
+            <a:r>
+              <a:rPr lang="de-DE" dirty="0"/>
+              <a:t> All </a:t>
             </a:r>
             <a:r>
               <a:rPr lang="de-DE" dirty="0" err="1"/>
@@ -3528,6 +3605,13 @@
               <a:rPr lang="de-DE" dirty="0" err="1"/>
               <a:t>graphs</a:t>
             </a:r>
+            <a:endParaRPr lang="de-DE" dirty="0"/>
+          </a:p>
+          <a:p>
+            <a:pPr lvl="1">
+              <a:buFont typeface="Wingdings" panose="05000000000000000000" pitchFamily="2" charset="2"/>
+              <a:buChar char="Ø"/>
+            </a:pPr>
             <a:endParaRPr lang="de-DE" dirty="0"/>
           </a:p>
           <a:p>
@@ -3591,136 +3675,6 @@
               <a:rPr lang="de-DE" dirty="0"/>
               <a:t> URIs</a:t>
             </a:r>
-          </a:p>
-          <a:p>
-            <a:pPr>
-              <a:lnSpc>
-                <a:spcPct val="110000"/>
-              </a:lnSpc>
-            </a:pPr>
-            <a:r>
-              <a:rPr lang="de-DE" dirty="0"/>
-              <a:t>CORS-</a:t>
-            </a:r>
-            <a:r>
-              <a:rPr lang="de-DE" dirty="0" err="1"/>
-              <a:t>Requests</a:t>
-            </a:r>
-            <a:r>
-              <a:rPr lang="de-DE" dirty="0"/>
-              <a:t> </a:t>
-            </a:r>
-            <a:r>
-              <a:rPr lang="de-DE" dirty="0" err="1"/>
-              <a:t>are</a:t>
-            </a:r>
-            <a:r>
-              <a:rPr lang="de-DE" dirty="0"/>
-              <a:t> </a:t>
-            </a:r>
-            <a:r>
-              <a:rPr lang="de-DE" dirty="0" err="1"/>
-              <a:t>forbidden</a:t>
-            </a:r>
-            <a:r>
-              <a:rPr lang="de-DE" dirty="0"/>
-              <a:t> in JavaScript</a:t>
-            </a:r>
-          </a:p>
-          <a:p>
-            <a:pPr lvl="1">
-              <a:buFont typeface="Wingdings" panose="05000000000000000000" pitchFamily="2" charset="2"/>
-              <a:buChar char="Ø"/>
-            </a:pPr>
-            <a:r>
-              <a:rPr lang="de-DE" dirty="0"/>
-              <a:t> Jsonp</a:t>
-            </a:r>
-          </a:p>
-          <a:p>
-            <a:pPr>
-              <a:lnSpc>
-                <a:spcPct val="110000"/>
-              </a:lnSpc>
-            </a:pPr>
-            <a:r>
-              <a:rPr lang="de-DE" dirty="0" err="1"/>
-              <a:t>Good</a:t>
-            </a:r>
-            <a:r>
-              <a:rPr lang="de-DE" dirty="0"/>
-              <a:t> </a:t>
-            </a:r>
-            <a:r>
-              <a:rPr lang="de-DE" dirty="0" err="1"/>
-              <a:t>movie</a:t>
-            </a:r>
-            <a:r>
-              <a:rPr lang="de-DE" dirty="0"/>
-              <a:t> </a:t>
-            </a:r>
-            <a:r>
-              <a:rPr lang="en-GB" dirty="0"/>
-              <a:t>recommendations</a:t>
-            </a:r>
-          </a:p>
-          <a:p>
-            <a:pPr lvl="1"/>
-            <a:r>
-              <a:rPr lang="en-GB" dirty="0"/>
-              <a:t> Missing </a:t>
-            </a:r>
-            <a:r>
-              <a:rPr lang="en-GB" dirty="0" err="1"/>
-              <a:t>LinkedMDB</a:t>
-            </a:r>
-            <a:r>
-              <a:rPr lang="en-GB" dirty="0"/>
-              <a:t> properties</a:t>
-            </a:r>
-          </a:p>
-          <a:p>
-            <a:pPr lvl="1"/>
-            <a:r>
-              <a:rPr lang="en-GB" dirty="0"/>
-              <a:t> Missing links between </a:t>
-            </a:r>
-            <a:r>
-              <a:rPr lang="en-GB" dirty="0" err="1"/>
-              <a:t>LinkedMDB</a:t>
-            </a:r>
-            <a:r>
-              <a:rPr lang="en-GB" dirty="0"/>
-              <a:t> and </a:t>
-            </a:r>
-            <a:r>
-              <a:rPr lang="en-GB" dirty="0" err="1"/>
-              <a:t>DBPedia</a:t>
-            </a:r>
-            <a:endParaRPr lang="en-GB" dirty="0"/>
-          </a:p>
-          <a:p>
-            <a:pPr lvl="1">
-              <a:buFont typeface="Wingdings" panose="05000000000000000000" pitchFamily="2" charset="2"/>
-              <a:buChar char="Ø"/>
-            </a:pPr>
-            <a:r>
-              <a:rPr lang="en-GB" dirty="0"/>
-              <a:t> Not possible with </a:t>
-            </a:r>
-            <a:r>
-              <a:rPr lang="en-GB" dirty="0" err="1"/>
-              <a:t>LinkedMDB</a:t>
-            </a:r>
-            <a:r>
-              <a:rPr lang="en-GB" dirty="0"/>
-              <a:t> and </a:t>
-            </a:r>
-            <a:r>
-              <a:rPr lang="en-GB" dirty="0" err="1"/>
-              <a:t>DBPedia</a:t>
-            </a:r>
-            <a:endParaRPr lang="en-GB" dirty="0"/>
           </a:p>
         </p:txBody>
       </p:sp>
@@ -3771,7 +3725,7 @@
           <a:p>
             <a:r>
               <a:rPr lang="de-DE" dirty="0" err="1"/>
-              <a:t>Unforeseen</a:t>
+              <a:t>Foreseen</a:t>
             </a:r>
             <a:r>
               <a:rPr lang="de-DE" dirty="0"/>
@@ -3779,9 +3733,12 @@
             </a:r>
             <a:r>
               <a:rPr lang="de-DE" dirty="0" err="1"/>
-              <a:t>Challenges</a:t>
-            </a:r>
-            <a:endParaRPr lang="de-DE" dirty="0"/>
+              <a:t>Challanges</a:t>
+            </a:r>
+            <a:r>
+              <a:rPr lang="de-DE" dirty="0"/>
+              <a:t> (2/2)</a:t>
+            </a:r>
           </a:p>
         </p:txBody>
       </p:sp>
@@ -3795,30 +3752,85 @@
             <p:ph idx="1"/>
           </p:nvPr>
         </p:nvSpPr>
-        <p:spPr/>
+        <p:spPr>
+          <a:xfrm>
+            <a:off x="838200" y="1825625"/>
+            <a:ext cx="10515600" cy="4601054"/>
+          </a:xfrm>
+        </p:spPr>
         <p:txBody>
           <a:bodyPr>
             <a:normAutofit/>
           </a:bodyPr>
           <a:lstStyle/>
           <a:p>
-            <a:r>
-              <a:rPr lang="en-GB" dirty="0"/>
-              <a:t>Image Source</a:t>
-            </a:r>
-          </a:p>
-          <a:p>
-            <a:pPr lvl="1"/>
-            <a:r>
-              <a:rPr lang="en-GB" dirty="0"/>
-              <a:t> Image Size</a:t>
-            </a:r>
-          </a:p>
-          <a:p>
-            <a:pPr lvl="1"/>
-            <a:r>
-              <a:rPr lang="en-GB" dirty="0"/>
-              <a:t> Disambiguation</a:t>
+            <a:pPr>
+              <a:lnSpc>
+                <a:spcPct val="110000"/>
+              </a:lnSpc>
+            </a:pPr>
+            <a:r>
+              <a:rPr lang="de-DE" dirty="0"/>
+              <a:t>Cross-Domain-</a:t>
+            </a:r>
+            <a:r>
+              <a:rPr lang="de-DE" dirty="0" err="1"/>
+              <a:t>Requests</a:t>
+            </a:r>
+            <a:r>
+              <a:rPr lang="de-DE" dirty="0"/>
+              <a:t> </a:t>
+            </a:r>
+            <a:r>
+              <a:rPr lang="de-DE" dirty="0" err="1"/>
+              <a:t>are</a:t>
+            </a:r>
+            <a:r>
+              <a:rPr lang="de-DE" dirty="0"/>
+              <a:t> </a:t>
+            </a:r>
+            <a:r>
+              <a:rPr lang="de-DE" dirty="0" err="1"/>
+              <a:t>forbidden</a:t>
+            </a:r>
+            <a:r>
+              <a:rPr lang="de-DE" dirty="0"/>
+              <a:t> in JavaScript</a:t>
+            </a:r>
+          </a:p>
+          <a:p>
+            <a:pPr lvl="1">
+              <a:lnSpc>
+                <a:spcPct val="110000"/>
+              </a:lnSpc>
+            </a:pPr>
+            <a:r>
+              <a:rPr lang="de-DE" dirty="0"/>
+              <a:t> </a:t>
+            </a:r>
+            <a:r>
+              <a:rPr lang="de-DE" dirty="0" err="1"/>
+              <a:t>LinkedMDB</a:t>
+            </a:r>
+            <a:r>
+              <a:rPr lang="de-DE" dirty="0"/>
+              <a:t> </a:t>
+            </a:r>
+            <a:r>
+              <a:rPr lang="de-DE" dirty="0" err="1"/>
+              <a:t>does</a:t>
+            </a:r>
+            <a:r>
+              <a:rPr lang="de-DE" dirty="0"/>
+              <a:t> not </a:t>
+            </a:r>
+            <a:r>
+              <a:rPr lang="de-DE" dirty="0" err="1"/>
+              <a:t>offer</a:t>
+            </a:r>
+            <a:r>
+              <a:rPr lang="de-DE" dirty="0"/>
+              <a:t> CORS</a:t>
             </a:r>
           </a:p>
           <a:p>
@@ -3827,44 +3839,262 @@
               <a:buChar char="Ø"/>
             </a:pPr>
             <a:r>
-              <a:rPr lang="en-GB" dirty="0"/>
-              <a:t> Wikipedia Image API</a:t>
-            </a:r>
-          </a:p>
-          <a:p>
-            <a:pPr lvl="1"/>
-            <a:endParaRPr lang="en-GB" dirty="0"/>
-          </a:p>
-          <a:p>
-            <a:r>
-              <a:rPr lang="en-GB" dirty="0" err="1"/>
-              <a:t>LinkedMDB</a:t>
-            </a:r>
-            <a:r>
-              <a:rPr lang="en-GB" dirty="0"/>
-              <a:t> outage </a:t>
-            </a:r>
-          </a:p>
-          <a:p>
-            <a:pPr lvl="1"/>
-            <a:r>
-              <a:rPr lang="en-GB" dirty="0"/>
-              <a:t> Additionally corrupt </a:t>
-            </a:r>
-            <a:r>
-              <a:rPr lang="en-GB" dirty="0" err="1"/>
-              <a:t>LinkedMDB</a:t>
-            </a:r>
-            <a:r>
-              <a:rPr lang="en-GB" dirty="0"/>
-              <a:t> dumps</a:t>
-            </a:r>
+              <a:rPr lang="de-DE" dirty="0"/>
+              <a:t> </a:t>
+            </a:r>
+            <a:r>
+              <a:rPr lang="de-DE" dirty="0" err="1"/>
+              <a:t>Jsonp</a:t>
+            </a:r>
+            <a:endParaRPr lang="de-DE" dirty="0"/>
           </a:p>
           <a:p>
             <a:pPr lvl="1">
               <a:buFont typeface="Wingdings" panose="05000000000000000000" pitchFamily="2" charset="2"/>
               <a:buChar char="Ø"/>
             </a:pPr>
+            <a:endParaRPr lang="de-DE" dirty="0"/>
+          </a:p>
+          <a:p>
+            <a:pPr>
+              <a:lnSpc>
+                <a:spcPct val="110000"/>
+              </a:lnSpc>
+            </a:pPr>
+            <a:r>
+              <a:rPr lang="de-DE" dirty="0"/>
+              <a:t>Movie </a:t>
+            </a:r>
+            <a:r>
+              <a:rPr lang="en-GB" dirty="0"/>
+              <a:t>recommendations</a:t>
+            </a:r>
+          </a:p>
+          <a:p>
+            <a:pPr lvl="1"/>
+            <a:r>
+              <a:rPr lang="en-GB" dirty="0"/>
+              <a:t> Missing </a:t>
+            </a:r>
+            <a:r>
+              <a:rPr lang="en-GB" dirty="0" err="1"/>
+              <a:t>LinkedMDB</a:t>
+            </a:r>
+            <a:r>
+              <a:rPr lang="en-GB" dirty="0"/>
+              <a:t> properties for movie topics</a:t>
+            </a:r>
+          </a:p>
+          <a:p>
+            <a:pPr lvl="1"/>
+            <a:r>
+              <a:rPr lang="en-GB" dirty="0"/>
+              <a:t> Missing links between </a:t>
+            </a:r>
+            <a:r>
+              <a:rPr lang="en-GB" dirty="0" err="1"/>
+              <a:t>LinkedMDB</a:t>
+            </a:r>
+            <a:r>
+              <a:rPr lang="en-GB" dirty="0"/>
+              <a:t> and </a:t>
+            </a:r>
+            <a:r>
+              <a:rPr lang="en-GB" dirty="0" err="1"/>
+              <a:t>DBPedia</a:t>
+            </a:r>
+            <a:endParaRPr lang="en-GB" dirty="0"/>
+          </a:p>
+          <a:p>
+            <a:pPr lvl="1">
+              <a:buFont typeface="Wingdings" panose="05000000000000000000" pitchFamily="2" charset="2"/>
+              <a:buChar char="Ø"/>
+            </a:pPr>
+            <a:r>
+              <a:rPr lang="en-GB" dirty="0"/>
+              <a:t> Not possible with </a:t>
+            </a:r>
+            <a:r>
+              <a:rPr lang="en-GB" dirty="0" err="1"/>
+              <a:t>LinkedMDB</a:t>
+            </a:r>
+            <a:r>
+              <a:rPr lang="en-GB" dirty="0"/>
+              <a:t> and </a:t>
+            </a:r>
+            <a:r>
+              <a:rPr lang="en-GB" dirty="0" err="1"/>
+              <a:t>DBPedia</a:t>
+            </a:r>
+            <a:endParaRPr lang="en-GB" dirty="0"/>
+          </a:p>
+          <a:p>
+            <a:pPr lvl="1">
+              <a:buFont typeface="Wingdings" panose="05000000000000000000" pitchFamily="2" charset="2"/>
+              <a:buChar char="Ø"/>
+            </a:pPr>
+            <a:r>
+              <a:rPr lang="en-GB" dirty="0"/>
+              <a:t> Show pre- and sequels instead</a:t>
+            </a:r>
+          </a:p>
+        </p:txBody>
+      </p:sp>
+    </p:spTree>
+    <p:extLst>
+      <p:ext uri="{BB962C8B-B14F-4D97-AF65-F5344CB8AC3E}">
+        <p14:creationId xmlns:p14="http://schemas.microsoft.com/office/powerpoint/2010/main" val="3745417513"/>
+      </p:ext>
+    </p:extLst>
+  </p:cSld>
+  <p:clrMapOvr>
+    <a:masterClrMapping/>
+  </p:clrMapOvr>
+</p:sld>
+</file>
+
+<file path=ppt/slides/slide5.xml><?xml version="1.0" encoding="utf-8"?>
+<p:sld xmlns:a="http://schemas.openxmlformats.org/drawingml/2006/main" xmlns:r="http://schemas.openxmlformats.org/officeDocument/2006/relationships" xmlns:p="http://schemas.openxmlformats.org/presentationml/2006/main">
+  <p:cSld>
+    <p:spTree>
+      <p:nvGrpSpPr>
+        <p:cNvPr id="1" name=""/>
+        <p:cNvGrpSpPr/>
+        <p:nvPr/>
+      </p:nvGrpSpPr>
+      <p:grpSpPr>
+        <a:xfrm>
+          <a:off x="0" y="0"/>
+          <a:ext cx="0" cy="0"/>
+          <a:chOff x="0" y="0"/>
+          <a:chExt cx="0" cy="0"/>
+        </a:xfrm>
+      </p:grpSpPr>
+      <p:sp>
+        <p:nvSpPr>
+          <p:cNvPr id="2" name="Titel 1"/>
+          <p:cNvSpPr>
+            <a:spLocks noGrp="1"/>
+          </p:cNvSpPr>
+          <p:nvPr>
+            <p:ph type="title"/>
+          </p:nvPr>
+        </p:nvSpPr>
+        <p:spPr/>
+        <p:txBody>
+          <a:bodyPr/>
+          <a:lstStyle/>
+          <a:p>
+            <a:r>
+              <a:rPr lang="de-DE" dirty="0" err="1"/>
+              <a:t>Unforeseen</a:t>
+            </a:r>
+            <a:r>
+              <a:rPr lang="de-DE" dirty="0"/>
+              <a:t> </a:t>
+            </a:r>
+            <a:r>
+              <a:rPr lang="de-DE" dirty="0" err="1"/>
+              <a:t>Challenges</a:t>
+            </a:r>
+            <a:endParaRPr lang="de-DE" dirty="0"/>
+          </a:p>
+        </p:txBody>
+      </p:sp>
+      <p:sp>
+        <p:nvSpPr>
+          <p:cNvPr id="3" name="Inhaltsplatzhalter 2"/>
+          <p:cNvSpPr>
+            <a:spLocks noGrp="1"/>
+          </p:cNvSpPr>
+          <p:nvPr>
+            <p:ph idx="1"/>
+          </p:nvPr>
+        </p:nvSpPr>
+        <p:spPr/>
+        <p:txBody>
+          <a:bodyPr>
+            <a:normAutofit/>
+          </a:bodyPr>
+          <a:lstStyle/>
+          <a:p>
+            <a:r>
+              <a:rPr lang="en-GB" dirty="0"/>
+              <a:t>Image Source</a:t>
+            </a:r>
+          </a:p>
+          <a:p>
+            <a:pPr lvl="1"/>
+            <a:r>
+              <a:rPr lang="en-GB" dirty="0"/>
+              <a:t> Image Size</a:t>
+            </a:r>
+          </a:p>
+          <a:p>
+            <a:pPr lvl="2"/>
+            <a:r>
+              <a:rPr lang="en-GB" dirty="0"/>
+              <a:t>Performance</a:t>
+            </a:r>
+          </a:p>
+          <a:p>
+            <a:pPr lvl="2"/>
+            <a:r>
+              <a:rPr lang="en-GB" dirty="0"/>
+              <a:t>Network delay</a:t>
+            </a:r>
+          </a:p>
+          <a:p>
+            <a:pPr lvl="1"/>
+            <a:r>
+              <a:rPr lang="en-GB" dirty="0"/>
+              <a:t> Disambiguation needed</a:t>
+            </a:r>
+          </a:p>
+          <a:p>
+            <a:pPr lvl="1">
+              <a:buFont typeface="Wingdings" panose="05000000000000000000" pitchFamily="2" charset="2"/>
+              <a:buChar char="Ø"/>
+            </a:pPr>
+            <a:r>
+              <a:rPr lang="en-GB" dirty="0"/>
+              <a:t> Wikipedia Image API (but no disambiguation possible)</a:t>
+            </a:r>
+          </a:p>
+          <a:p>
+            <a:pPr lvl="1"/>
+            <a:endParaRPr lang="en-GB" dirty="0"/>
+          </a:p>
+          <a:p>
+            <a:r>
+              <a:rPr lang="en-GB" dirty="0" err="1"/>
+              <a:t>LinkedMDB</a:t>
+            </a:r>
+            <a:r>
+              <a:rPr lang="en-GB" dirty="0"/>
+              <a:t> outage </a:t>
+            </a:r>
+          </a:p>
+          <a:p>
+            <a:pPr lvl="1"/>
+            <a:r>
+              <a:rPr lang="en-GB" dirty="0"/>
+              <a:t> Additionally corrupt </a:t>
+            </a:r>
+            <a:r>
+              <a:rPr lang="en-GB" dirty="0" err="1"/>
+              <a:t>LinkedMDB</a:t>
+            </a:r>
+            <a:r>
+              <a:rPr lang="en-GB" dirty="0"/>
+              <a:t> dumps</a:t>
+            </a:r>
+          </a:p>
+          <a:p>
+            <a:pPr lvl="1">
+              <a:buFont typeface="Wingdings" panose="05000000000000000000" pitchFamily="2" charset="2"/>
+              <a:buChar char="Ø"/>
+            </a:pPr>
             <a:r>
               <a:rPr lang="en-GB" dirty="0"/>
               <a:t> Local </a:t>
@@ -3875,11 +4105,20 @@
             </a:r>
             <a:r>
               <a:rPr lang="en-GB" dirty="0"/>
-              <a:t> endpoint</a:t>
-            </a:r>
-          </a:p>
-          <a:p>
-            <a:endParaRPr lang="en-GB" dirty="0"/>
+              <a:t> endpoint (</a:t>
+            </a:r>
+            <a:r>
+              <a:rPr lang="en-GB" dirty="0"/>
+              <a:t>but no </a:t>
+            </a:r>
+            <a:r>
+              <a:rPr lang="en-GB" dirty="0" err="1"/>
+              <a:t>Jsonp</a:t>
+            </a:r>
+            <a:r>
+              <a:rPr lang="en-GB" dirty="0"/>
+              <a:t> possible)</a:t>
+            </a:r>
           </a:p>
         </p:txBody>
       </p:sp>
@@ -3896,7 +4135,7 @@
 </p:sld>
 </file>
 
-<file path=ppt/slides/slide5.xml><?xml version="1.0" encoding="utf-8"?>
+<file path=ppt/slides/slide6.xml><?xml version="1.0" encoding="utf-8"?>
 <p:sld xmlns:a="http://schemas.openxmlformats.org/drawingml/2006/main" xmlns:r="http://schemas.openxmlformats.org/officeDocument/2006/relationships" xmlns:p="http://schemas.openxmlformats.org/presentationml/2006/main">
   <p:cSld>
     <p:spTree>

--- a/Linked Movie Exploration Graph.pptx
+++ b/Linked Movie Exploration Graph.pptx
@@ -3545,6 +3545,65 @@
             <a:endParaRPr lang="de-DE" dirty="0"/>
           </a:p>
           <a:p>
+            <a:pPr lvl="1"/>
+            <a:r>
+              <a:rPr lang="de-DE" dirty="0"/>
+              <a:t> Outsource </a:t>
+            </a:r>
+            <a:r>
+              <a:rPr lang="de-DE" dirty="0" err="1"/>
+              <a:t>physics</a:t>
+            </a:r>
+            <a:r>
+              <a:rPr lang="de-DE" dirty="0"/>
+              <a:t> </a:t>
+            </a:r>
+            <a:r>
+              <a:rPr lang="de-DE" dirty="0" err="1"/>
+              <a:t>caluclations</a:t>
+            </a:r>
+            <a:r>
+              <a:rPr lang="de-DE" dirty="0"/>
+              <a:t> in web </a:t>
+            </a:r>
+            <a:r>
+              <a:rPr lang="de-DE" dirty="0" err="1"/>
+              <a:t>worker</a:t>
+            </a:r>
+            <a:r>
+              <a:rPr lang="de-DE" dirty="0"/>
+              <a:t> </a:t>
+            </a:r>
+          </a:p>
+          <a:p>
+            <a:pPr lvl="2"/>
+            <a:r>
+              <a:rPr lang="de-DE" dirty="0"/>
+              <a:t>But </a:t>
+            </a:r>
+            <a:r>
+              <a:rPr lang="de-DE" dirty="0" err="1"/>
+              <a:t>communication</a:t>
+            </a:r>
+            <a:r>
+              <a:rPr lang="de-DE" dirty="0"/>
+              <a:t> </a:t>
+            </a:r>
+            <a:r>
+              <a:rPr lang="de-DE" dirty="0" err="1"/>
+              <a:t>with</a:t>
+            </a:r>
+            <a:r>
+              <a:rPr lang="de-DE" dirty="0"/>
+              <a:t> DOM </a:t>
+            </a:r>
+            <a:r>
+              <a:rPr lang="de-DE" dirty="0" err="1"/>
+              <a:t>difficult</a:t>
+            </a:r>
+            <a:endParaRPr lang="de-DE" dirty="0"/>
+          </a:p>
+          <a:p>
             <a:pPr lvl="1">
               <a:buFont typeface="Wingdings" panose="05000000000000000000" pitchFamily="2" charset="2"/>
               <a:buChar char="Ø"/>
@@ -4027,7 +4086,7 @@
             <a:pPr lvl="1"/>
             <a:r>
               <a:rPr lang="en-GB" dirty="0"/>
-              <a:t> Image Size</a:t>
+              <a:t> Image size needs to be strictly limited</a:t>
             </a:r>
           </a:p>
           <a:p>
@@ -4105,20 +4164,21 @@
             </a:r>
             <a:r>
               <a:rPr lang="en-GB" dirty="0"/>
-              <a:t> endpoint (</a:t>
-            </a:r>
-            <a:r>
-              <a:rPr lang="en-GB" dirty="0"/>
-              <a:t>but no </a:t>
+              <a:t> endpoint (but no </a:t>
             </a:r>
             <a:r>
               <a:rPr lang="en-GB" dirty="0" err="1"/>
               <a:t>Jsonp</a:t>
             </a:r>
             <a:r>
-              <a:rPr lang="en-GB" dirty="0"/>
-              <a:t> possible)</a:t>
-            </a:r>
+              <a:rPr lang="en-GB"/>
+              <a:t> possible</a:t>
+            </a:r>
+            <a:r>
+              <a:rPr lang="en-GB"/>
+              <a:t>)</a:t>
+            </a:r>
+            <a:endParaRPr lang="en-GB" dirty="0"/>
           </a:p>
         </p:txBody>
       </p:sp>

--- a/Linked Movie Exploration Graph.pptx
+++ b/Linked Movie Exploration Graph.pptx
@@ -7,10 +7,12 @@
   <p:sldIdLst>
     <p:sldId id="256" r:id="rId2"/>
     <p:sldId id="257" r:id="rId3"/>
-    <p:sldId id="259" r:id="rId4"/>
-    <p:sldId id="261" r:id="rId5"/>
-    <p:sldId id="258" r:id="rId6"/>
-    <p:sldId id="260" r:id="rId7"/>
+    <p:sldId id="263" r:id="rId4"/>
+    <p:sldId id="259" r:id="rId5"/>
+    <p:sldId id="261" r:id="rId6"/>
+    <p:sldId id="258" r:id="rId7"/>
+    <p:sldId id="262" r:id="rId8"/>
+    <p:sldId id="260" r:id="rId9"/>
   </p:sldIdLst>
   <p:sldSz cx="12192000" cy="6858000"/>
   <p:notesSz cx="6858000" cy="9144000"/>
@@ -3159,90 +3161,13 @@
           <a:lstStyle/>
           <a:p>
             <a:r>
-              <a:rPr lang="de-DE" dirty="0"/>
-              <a:t>Language: JavaScript</a:t>
-            </a:r>
-          </a:p>
-          <a:p>
-            <a:r>
-              <a:rPr lang="de-DE" dirty="0"/>
-              <a:t>Frontend-Template: Materialdesign Light</a:t>
-            </a:r>
-          </a:p>
-          <a:p>
-            <a:r>
-              <a:rPr lang="de-DE" dirty="0"/>
-              <a:t>Libraries: </a:t>
-            </a:r>
-          </a:p>
-          <a:p>
-            <a:pPr lvl="1"/>
-            <a:r>
-              <a:rPr lang="de-DE" dirty="0"/>
-              <a:t>Graph-Drawing: Vis.JS</a:t>
-            </a:r>
-          </a:p>
-          <a:p>
-            <a:pPr lvl="1"/>
-            <a:r>
-              <a:rPr lang="de-DE" dirty="0"/>
-              <a:t>Jsonp-</a:t>
-            </a:r>
-            <a:r>
-              <a:rPr lang="de-DE" dirty="0" err="1"/>
-              <a:t>Requests</a:t>
-            </a:r>
-            <a:r>
-              <a:rPr lang="de-DE" dirty="0"/>
-              <a:t>: </a:t>
-            </a:r>
-            <a:r>
-              <a:rPr lang="de-DE" dirty="0" err="1"/>
-              <a:t>fetch-jsonp</a:t>
-            </a:r>
-            <a:endParaRPr lang="de-DE" dirty="0"/>
-          </a:p>
-          <a:p>
-            <a:r>
-              <a:rPr lang="de-DE" dirty="0" err="1"/>
-              <a:t>Sparql</a:t>
-            </a:r>
-            <a:r>
-              <a:rPr lang="de-DE" dirty="0"/>
-              <a:t>-Endpoints:</a:t>
-            </a:r>
-          </a:p>
-          <a:p>
-            <a:pPr lvl="1"/>
-            <a:r>
-              <a:rPr lang="de-DE" dirty="0" err="1"/>
+              <a:rPr lang="en-US" dirty="0"/>
+              <a:t>Build an app that allows you to create a graph similar to the Google Knowledge Graph based on the movie data on </a:t>
+            </a:r>
+            <a:r>
+              <a:rPr lang="en-US" dirty="0" err="1"/>
               <a:t>LinkedMDB</a:t>
             </a:r>
-            <a:endParaRPr lang="de-DE" dirty="0"/>
-          </a:p>
-          <a:p>
-            <a:r>
-              <a:rPr lang="de-DE" dirty="0"/>
-              <a:t>Image-</a:t>
-            </a:r>
-            <a:r>
-              <a:rPr lang="de-DE" dirty="0" err="1"/>
-              <a:t>Endpoint</a:t>
-            </a:r>
-            <a:r>
-              <a:rPr lang="de-DE" dirty="0"/>
-              <a:t>:</a:t>
-            </a:r>
-          </a:p>
-          <a:p>
-            <a:pPr lvl="1"/>
-            <a:r>
-              <a:rPr lang="de-DE" dirty="0"/>
-              <a:t>Wikipedia Image API</a:t>
-            </a:r>
-          </a:p>
-          <a:p>
-            <a:pPr lvl="1"/>
             <a:endParaRPr lang="de-DE" dirty="0"/>
           </a:p>
         </p:txBody>
@@ -3294,19 +3219,11 @@
           <a:p>
             <a:r>
               <a:rPr lang="de-DE" dirty="0" err="1"/>
-              <a:t>Foreseen</a:t>
-            </a:r>
-            <a:r>
-              <a:rPr lang="de-DE" dirty="0"/>
-              <a:t> </a:t>
-            </a:r>
-            <a:r>
-              <a:rPr lang="de-DE" dirty="0" err="1"/>
-              <a:t>Challanges</a:t>
-            </a:r>
-            <a:r>
-              <a:rPr lang="de-DE" dirty="0"/>
-              <a:t> (1/2)</a:t>
+              <a:t>Linked</a:t>
+            </a:r>
+            <a:r>
+              <a:rPr lang="de-DE" dirty="0"/>
+              <a:t> Movie Exploration Graph</a:t>
             </a:r>
           </a:p>
         </p:txBody>
@@ -3321,426 +3238,106 @@
             <p:ph idx="1"/>
           </p:nvPr>
         </p:nvSpPr>
-        <p:spPr>
-          <a:xfrm>
-            <a:off x="838200" y="1825625"/>
-            <a:ext cx="10515600" cy="4601054"/>
-          </a:xfrm>
-        </p:spPr>
+        <p:spPr/>
         <p:txBody>
           <a:bodyPr>
             <a:normAutofit/>
           </a:bodyPr>
           <a:lstStyle/>
           <a:p>
-            <a:pPr>
-              <a:lnSpc>
-                <a:spcPct val="110000"/>
-              </a:lnSpc>
-            </a:pPr>
-            <a:r>
-              <a:rPr lang="de-DE" dirty="0"/>
-              <a:t>Performance </a:t>
-            </a:r>
-            <a:r>
-              <a:rPr lang="de-DE" dirty="0" err="1"/>
-              <a:t>of</a:t>
-            </a:r>
-            <a:r>
-              <a:rPr lang="de-DE" dirty="0"/>
-              <a:t> </a:t>
-            </a:r>
-            <a:r>
-              <a:rPr lang="de-DE" dirty="0" err="1"/>
-              <a:t>graph</a:t>
-            </a:r>
-            <a:r>
-              <a:rPr lang="de-DE" dirty="0"/>
-              <a:t> </a:t>
-            </a:r>
-            <a:r>
-              <a:rPr lang="de-DE" dirty="0" err="1"/>
-              <a:t>drawing</a:t>
+            <a:r>
+              <a:rPr lang="de-DE" dirty="0"/>
+              <a:t>Language: JavaScript</a:t>
+            </a:r>
+          </a:p>
+          <a:p>
+            <a:r>
+              <a:rPr lang="de-DE" dirty="0"/>
+              <a:t>Frontend-Template: Materialdesign Light</a:t>
+            </a:r>
+          </a:p>
+          <a:p>
+            <a:r>
+              <a:rPr lang="de-DE" dirty="0"/>
+              <a:t>Libraries: </a:t>
+            </a:r>
+          </a:p>
+          <a:p>
+            <a:pPr lvl="1"/>
+            <a:r>
+              <a:rPr lang="de-DE" dirty="0"/>
+              <a:t>Graph-Drawing: Vis.JS</a:t>
+            </a:r>
+          </a:p>
+          <a:p>
+            <a:pPr lvl="1"/>
+            <a:r>
+              <a:rPr lang="de-DE" dirty="0"/>
+              <a:t>Jsonp-</a:t>
+            </a:r>
+            <a:r>
+              <a:rPr lang="de-DE" dirty="0" err="1"/>
+              <a:t>Requests</a:t>
+            </a:r>
+            <a:r>
+              <a:rPr lang="de-DE" dirty="0"/>
+              <a:t>: </a:t>
+            </a:r>
+            <a:r>
+              <a:rPr lang="de-DE" dirty="0" err="1"/>
+              <a:t>fetch-jsonp</a:t>
             </a:r>
             <a:endParaRPr lang="de-DE" dirty="0"/>
           </a:p>
           <a:p>
+            <a:r>
+              <a:rPr lang="de-DE" dirty="0" err="1"/>
+              <a:t>Sparql</a:t>
+            </a:r>
+            <a:r>
+              <a:rPr lang="de-DE" dirty="0"/>
+              <a:t>-Endpoints:</a:t>
+            </a:r>
+          </a:p>
+          <a:p>
             <a:pPr lvl="1"/>
             <a:r>
-              <a:rPr lang="de-DE" dirty="0"/>
-              <a:t> Vue.js </a:t>
-            </a:r>
-            <a:r>
-              <a:rPr lang="de-DE" dirty="0" err="1"/>
-              <a:t>best</a:t>
-            </a:r>
-            <a:r>
-              <a:rPr lang="de-DE" dirty="0"/>
-              <a:t> API in </a:t>
-            </a:r>
-            <a:r>
-              <a:rPr lang="de-DE" dirty="0" err="1"/>
-              <a:t>comparison</a:t>
-            </a:r>
-            <a:r>
-              <a:rPr lang="de-DE" dirty="0"/>
-              <a:t> </a:t>
-            </a:r>
-            <a:r>
-              <a:rPr lang="de-DE" dirty="0" err="1"/>
-              <a:t>to</a:t>
-            </a:r>
-            <a:r>
-              <a:rPr lang="de-DE" dirty="0"/>
-              <a:t> cytoscape.js </a:t>
-            </a:r>
-            <a:r>
-              <a:rPr lang="de-DE" dirty="0" err="1"/>
-              <a:t>and</a:t>
-            </a:r>
-            <a:r>
-              <a:rPr lang="de-DE" dirty="0"/>
-              <a:t> </a:t>
-            </a:r>
-            <a:r>
-              <a:rPr lang="de-DE" dirty="0" err="1"/>
-              <a:t>jsnetworkx</a:t>
+              <a:rPr lang="de-DE" dirty="0" err="1"/>
+              <a:t>LinkedMDB</a:t>
             </a:r>
             <a:endParaRPr lang="de-DE" dirty="0"/>
           </a:p>
           <a:p>
+            <a:r>
+              <a:rPr lang="de-DE" dirty="0"/>
+              <a:t>Image-</a:t>
+            </a:r>
+            <a:r>
+              <a:rPr lang="de-DE" dirty="0" err="1"/>
+              <a:t>Endpoint</a:t>
+            </a:r>
+            <a:r>
+              <a:rPr lang="de-DE" dirty="0"/>
+              <a:t>:</a:t>
+            </a:r>
+          </a:p>
+          <a:p>
             <a:pPr lvl="1"/>
             <a:r>
               <a:rPr lang="de-DE" dirty="0"/>
-              <a:t> Vue.js </a:t>
-            </a:r>
-            <a:r>
-              <a:rPr lang="de-DE" dirty="0" err="1"/>
-              <a:t>has</a:t>
-            </a:r>
-            <a:r>
-              <a:rPr lang="de-DE" dirty="0"/>
-              <a:t> </a:t>
-            </a:r>
-            <a:r>
-              <a:rPr lang="de-DE" dirty="0" err="1"/>
-              <a:t>best</a:t>
-            </a:r>
-            <a:r>
-              <a:rPr lang="de-DE" dirty="0"/>
-              <a:t> </a:t>
-            </a:r>
-            <a:r>
-              <a:rPr lang="de-DE" dirty="0" err="1"/>
-              <a:t>engine</a:t>
-            </a:r>
-            <a:r>
-              <a:rPr lang="de-DE" dirty="0"/>
-              <a:t> </a:t>
-            </a:r>
-            <a:r>
-              <a:rPr lang="de-DE" dirty="0" err="1"/>
-              <a:t>to</a:t>
-            </a:r>
-            <a:r>
-              <a:rPr lang="de-DE" dirty="0"/>
-              <a:t> </a:t>
-            </a:r>
-            <a:r>
-              <a:rPr lang="de-DE" dirty="0" err="1"/>
-              <a:t>dynamically</a:t>
-            </a:r>
-            <a:r>
-              <a:rPr lang="de-DE" dirty="0"/>
-              <a:t> </a:t>
-            </a:r>
-            <a:r>
-              <a:rPr lang="de-DE" dirty="0" err="1"/>
-              <a:t>calculate</a:t>
-            </a:r>
-            <a:r>
-              <a:rPr lang="de-DE" dirty="0"/>
-              <a:t> </a:t>
-            </a:r>
-            <a:r>
-              <a:rPr lang="de-DE" dirty="0" err="1"/>
-              <a:t>node</a:t>
-            </a:r>
-            <a:r>
-              <a:rPr lang="de-DE" dirty="0"/>
-              <a:t> </a:t>
-            </a:r>
-            <a:r>
-              <a:rPr lang="de-DE" dirty="0" err="1"/>
-              <a:t>positions</a:t>
-            </a:r>
+              <a:t>Wikipedia Image API</a:t>
+            </a:r>
+          </a:p>
+          <a:p>
+            <a:pPr lvl="1"/>
             <a:endParaRPr lang="de-DE" dirty="0"/>
-          </a:p>
-          <a:p>
-            <a:pPr lvl="1"/>
-            <a:r>
-              <a:rPr lang="de-DE" dirty="0"/>
-              <a:t> All </a:t>
-            </a:r>
-            <a:r>
-              <a:rPr lang="de-DE" dirty="0" err="1"/>
-              <a:t>dynamic</a:t>
-            </a:r>
-            <a:r>
-              <a:rPr lang="de-DE" dirty="0"/>
-              <a:t> </a:t>
-            </a:r>
-            <a:r>
-              <a:rPr lang="de-DE" dirty="0" err="1"/>
-              <a:t>graph</a:t>
-            </a:r>
-            <a:r>
-              <a:rPr lang="de-DE" dirty="0"/>
-              <a:t> </a:t>
-            </a:r>
-            <a:r>
-              <a:rPr lang="de-DE" dirty="0" err="1"/>
-              <a:t>libraries</a:t>
-            </a:r>
-            <a:r>
-              <a:rPr lang="de-DE" dirty="0"/>
-              <a:t> </a:t>
-            </a:r>
-            <a:r>
-              <a:rPr lang="de-DE" dirty="0" err="1"/>
-              <a:t>struggle</a:t>
-            </a:r>
-            <a:r>
-              <a:rPr lang="de-DE" dirty="0"/>
-              <a:t> </a:t>
-            </a:r>
-            <a:r>
-              <a:rPr lang="de-DE" dirty="0" err="1"/>
-              <a:t>when</a:t>
-            </a:r>
-            <a:r>
-              <a:rPr lang="de-DE" dirty="0"/>
-              <a:t> </a:t>
-            </a:r>
-            <a:r>
-              <a:rPr lang="de-DE" dirty="0" err="1"/>
-              <a:t>displaying</a:t>
-            </a:r>
-            <a:r>
-              <a:rPr lang="de-DE" dirty="0"/>
-              <a:t> </a:t>
-            </a:r>
-            <a:r>
-              <a:rPr lang="de-DE" dirty="0" err="1"/>
-              <a:t>animated</a:t>
-            </a:r>
-            <a:r>
-              <a:rPr lang="de-DE" dirty="0"/>
-              <a:t> </a:t>
-            </a:r>
-            <a:r>
-              <a:rPr lang="de-DE" dirty="0" err="1"/>
-              <a:t>images</a:t>
-            </a:r>
-            <a:endParaRPr lang="de-DE" dirty="0"/>
-          </a:p>
-          <a:p>
-            <a:pPr lvl="1"/>
-            <a:r>
-              <a:rPr lang="de-DE" dirty="0"/>
-              <a:t> Outsource </a:t>
-            </a:r>
-            <a:r>
-              <a:rPr lang="de-DE" dirty="0" err="1"/>
-              <a:t>physics</a:t>
-            </a:r>
-            <a:r>
-              <a:rPr lang="de-DE" dirty="0"/>
-              <a:t> </a:t>
-            </a:r>
-            <a:r>
-              <a:rPr lang="de-DE" dirty="0" err="1"/>
-              <a:t>caluclations</a:t>
-            </a:r>
-            <a:r>
-              <a:rPr lang="de-DE" dirty="0"/>
-              <a:t> in web </a:t>
-            </a:r>
-            <a:r>
-              <a:rPr lang="de-DE" dirty="0" err="1"/>
-              <a:t>worker</a:t>
-            </a:r>
-            <a:r>
-              <a:rPr lang="de-DE" dirty="0"/>
-              <a:t> </a:t>
-            </a:r>
-          </a:p>
-          <a:p>
-            <a:pPr lvl="2"/>
-            <a:r>
-              <a:rPr lang="de-DE" dirty="0"/>
-              <a:t>But </a:t>
-            </a:r>
-            <a:r>
-              <a:rPr lang="de-DE" dirty="0" err="1"/>
-              <a:t>communication</a:t>
-            </a:r>
-            <a:r>
-              <a:rPr lang="de-DE" dirty="0"/>
-              <a:t> </a:t>
-            </a:r>
-            <a:r>
-              <a:rPr lang="de-DE" dirty="0" err="1"/>
-              <a:t>with</a:t>
-            </a:r>
-            <a:r>
-              <a:rPr lang="de-DE" dirty="0"/>
-              <a:t> DOM </a:t>
-            </a:r>
-            <a:r>
-              <a:rPr lang="de-DE" dirty="0" err="1"/>
-              <a:t>difficult</a:t>
-            </a:r>
-            <a:endParaRPr lang="de-DE" dirty="0"/>
-          </a:p>
-          <a:p>
-            <a:pPr lvl="1">
-              <a:buFont typeface="Wingdings" panose="05000000000000000000" pitchFamily="2" charset="2"/>
-              <a:buChar char="Ø"/>
-            </a:pPr>
-            <a:r>
-              <a:rPr lang="de-DE" dirty="0"/>
-              <a:t> </a:t>
-            </a:r>
-            <a:r>
-              <a:rPr lang="de-DE" dirty="0" err="1"/>
-              <a:t>Possibility</a:t>
-            </a:r>
-            <a:r>
-              <a:rPr lang="de-DE" dirty="0"/>
-              <a:t> </a:t>
-            </a:r>
-            <a:r>
-              <a:rPr lang="de-DE" dirty="0" err="1"/>
-              <a:t>to</a:t>
-            </a:r>
-            <a:r>
-              <a:rPr lang="de-DE" dirty="0"/>
-              <a:t> </a:t>
-            </a:r>
-            <a:r>
-              <a:rPr lang="de-DE" dirty="0" err="1"/>
-              <a:t>disable</a:t>
-            </a:r>
-            <a:r>
-              <a:rPr lang="de-DE" dirty="0"/>
-              <a:t> </a:t>
-            </a:r>
-            <a:r>
-              <a:rPr lang="de-DE" dirty="0" err="1"/>
-              <a:t>node</a:t>
-            </a:r>
-            <a:r>
-              <a:rPr lang="de-DE" dirty="0"/>
-              <a:t> </a:t>
-            </a:r>
-            <a:r>
-              <a:rPr lang="de-DE" dirty="0" err="1"/>
-              <a:t>images</a:t>
-            </a:r>
-            <a:r>
-              <a:rPr lang="de-DE" dirty="0"/>
-              <a:t> </a:t>
-            </a:r>
-            <a:r>
-              <a:rPr lang="de-DE" dirty="0" err="1"/>
-              <a:t>for</a:t>
-            </a:r>
-            <a:r>
-              <a:rPr lang="de-DE" dirty="0"/>
-              <a:t> larger </a:t>
-            </a:r>
-            <a:r>
-              <a:rPr lang="de-DE" dirty="0" err="1"/>
-              <a:t>graphs</a:t>
-            </a:r>
-            <a:endParaRPr lang="de-DE" dirty="0"/>
-          </a:p>
-          <a:p>
-            <a:pPr lvl="1">
-              <a:buFont typeface="Wingdings" panose="05000000000000000000" pitchFamily="2" charset="2"/>
-              <a:buChar char="Ø"/>
-            </a:pPr>
-            <a:endParaRPr lang="de-DE" dirty="0"/>
-          </a:p>
-          <a:p>
-            <a:pPr>
-              <a:lnSpc>
-                <a:spcPct val="110000"/>
-              </a:lnSpc>
-            </a:pPr>
-            <a:r>
-              <a:rPr lang="de-DE" dirty="0" err="1"/>
-              <a:t>Merge</a:t>
-            </a:r>
-            <a:r>
-              <a:rPr lang="de-DE" dirty="0"/>
-              <a:t> </a:t>
-            </a:r>
-            <a:r>
-              <a:rPr lang="en-GB" dirty="0"/>
-              <a:t>already</a:t>
-            </a:r>
-            <a:r>
-              <a:rPr lang="de-DE" dirty="0"/>
-              <a:t> </a:t>
-            </a:r>
-            <a:r>
-              <a:rPr lang="de-DE" dirty="0" err="1"/>
-              <a:t>existing</a:t>
-            </a:r>
-            <a:r>
-              <a:rPr lang="de-DE" dirty="0"/>
-              <a:t> </a:t>
-            </a:r>
-            <a:r>
-              <a:rPr lang="de-DE" dirty="0" err="1"/>
-              <a:t>nodes</a:t>
-            </a:r>
-            <a:endParaRPr lang="de-DE" dirty="0"/>
-          </a:p>
-          <a:p>
-            <a:pPr lvl="1">
-              <a:buFont typeface="Wingdings" panose="05000000000000000000" pitchFamily="2" charset="2"/>
-              <a:buChar char="Ø"/>
-            </a:pPr>
-            <a:r>
-              <a:rPr lang="de-DE" dirty="0"/>
-              <a:t> Lookup </a:t>
-            </a:r>
-            <a:r>
-              <a:rPr lang="de-DE" dirty="0" err="1"/>
-              <a:t>by</a:t>
-            </a:r>
-            <a:r>
-              <a:rPr lang="de-DE" dirty="0"/>
-              <a:t> </a:t>
-            </a:r>
-            <a:r>
-              <a:rPr lang="de-DE" dirty="0" err="1"/>
-              <a:t>LinkedMDB</a:t>
-            </a:r>
-            <a:r>
-              <a:rPr lang="de-DE" dirty="0"/>
-              <a:t> URIs</a:t>
-            </a:r>
           </a:p>
         </p:txBody>
       </p:sp>
     </p:spTree>
     <p:extLst>
       <p:ext uri="{BB962C8B-B14F-4D97-AF65-F5344CB8AC3E}">
-        <p14:creationId xmlns:p14="http://schemas.microsoft.com/office/powerpoint/2010/main" val="3389106340"/>
+        <p14:creationId xmlns:p14="http://schemas.microsoft.com/office/powerpoint/2010/main" val="416909337"/>
       </p:ext>
     </p:extLst>
   </p:cSld>
@@ -3796,7 +3393,7 @@
             </a:r>
             <a:r>
               <a:rPr lang="de-DE" dirty="0"/>
-              <a:t> (2/2)</a:t>
+              <a:t> (1/2)</a:t>
             </a:r>
           </a:p>
         </p:txBody>
@@ -3830,11 +3427,11 @@
             </a:pPr>
             <a:r>
               <a:rPr lang="de-DE" dirty="0"/>
-              <a:t>Cross-Domain-</a:t>
-            </a:r>
-            <a:r>
-              <a:rPr lang="de-DE" dirty="0" err="1"/>
-              <a:t>Requests</a:t>
+              <a:t>Performance </a:t>
+            </a:r>
+            <a:r>
+              <a:rPr lang="de-DE" dirty="0" err="1"/>
+              <a:t>of</a:t>
             </a:r>
             <a:r>
               <a:rPr lang="de-DE" dirty="0"/>
@@ -3842,7 +3439,7 @@
             </a:r>
             <a:r>
               <a:rPr lang="de-DE" dirty="0" err="1"/>
-              <a:t>are</a:t>
+              <a:t>graph</a:t>
             </a:r>
             <a:r>
               <a:rPr lang="de-DE" dirty="0"/>
@@ -3850,26 +3447,43 @@
             </a:r>
             <a:r>
               <a:rPr lang="de-DE" dirty="0" err="1"/>
-              <a:t>forbidden</a:t>
-            </a:r>
-            <a:r>
-              <a:rPr lang="de-DE" dirty="0"/>
-              <a:t> in JavaScript</a:t>
-            </a:r>
-          </a:p>
-          <a:p>
-            <a:pPr lvl="1">
-              <a:lnSpc>
-                <a:spcPct val="110000"/>
-              </a:lnSpc>
-            </a:pPr>
+              <a:t>drawing</a:t>
+            </a:r>
+            <a:endParaRPr lang="de-DE" dirty="0"/>
+          </a:p>
+          <a:p>
+            <a:pPr lvl="1"/>
+            <a:r>
+              <a:rPr lang="de-DE" dirty="0"/>
+              <a:t> Vue.js </a:t>
+            </a:r>
+            <a:r>
+              <a:rPr lang="de-DE" dirty="0" err="1"/>
+              <a:t>best</a:t>
+            </a:r>
+            <a:r>
+              <a:rPr lang="de-DE" dirty="0"/>
+              <a:t> API in </a:t>
+            </a:r>
+            <a:r>
+              <a:rPr lang="de-DE" dirty="0" err="1"/>
+              <a:t>comparison</a:t>
+            </a:r>
             <a:r>
               <a:rPr lang="de-DE" dirty="0"/>
               <a:t> </a:t>
             </a:r>
             <a:r>
               <a:rPr lang="de-DE" dirty="0" err="1"/>
-              <a:t>LinkedMDB</a:t>
+              <a:t>to</a:t>
+            </a:r>
+            <a:r>
+              <a:rPr lang="de-DE" dirty="0"/>
+              <a:t> cytoscape.js </a:t>
+            </a:r>
+            <a:r>
+              <a:rPr lang="de-DE" dirty="0" err="1"/>
+              <a:t>and</a:t>
             </a:r>
             <a:r>
               <a:rPr lang="de-DE" dirty="0"/>
@@ -3877,20 +3491,204 @@
             </a:r>
             <a:r>
               <a:rPr lang="de-DE" dirty="0" err="1"/>
-              <a:t>does</a:t>
-            </a:r>
-            <a:r>
-              <a:rPr lang="de-DE" dirty="0"/>
-              <a:t> not </a:t>
-            </a:r>
-            <a:r>
-              <a:rPr lang="de-DE" dirty="0" err="1"/>
-              <a:t>offer</a:t>
-            </a:r>
-            <a:r>
-              <a:rPr lang="de-DE" dirty="0"/>
-              <a:t> CORS</a:t>
-            </a:r>
+              <a:t>jsnetworkx</a:t>
+            </a:r>
+            <a:endParaRPr lang="de-DE" dirty="0"/>
+          </a:p>
+          <a:p>
+            <a:pPr lvl="1"/>
+            <a:r>
+              <a:rPr lang="de-DE" dirty="0"/>
+              <a:t> Vue.js </a:t>
+            </a:r>
+            <a:r>
+              <a:rPr lang="de-DE" dirty="0" err="1"/>
+              <a:t>has</a:t>
+            </a:r>
+            <a:r>
+              <a:rPr lang="de-DE" dirty="0"/>
+              <a:t> </a:t>
+            </a:r>
+            <a:r>
+              <a:rPr lang="de-DE" dirty="0" err="1"/>
+              <a:t>best</a:t>
+            </a:r>
+            <a:r>
+              <a:rPr lang="de-DE" dirty="0"/>
+              <a:t> </a:t>
+            </a:r>
+            <a:r>
+              <a:rPr lang="de-DE" dirty="0" err="1"/>
+              <a:t>engine</a:t>
+            </a:r>
+            <a:r>
+              <a:rPr lang="de-DE" dirty="0"/>
+              <a:t> </a:t>
+            </a:r>
+            <a:r>
+              <a:rPr lang="de-DE" dirty="0" err="1"/>
+              <a:t>to</a:t>
+            </a:r>
+            <a:r>
+              <a:rPr lang="de-DE" dirty="0"/>
+              <a:t> </a:t>
+            </a:r>
+            <a:r>
+              <a:rPr lang="de-DE" dirty="0" err="1"/>
+              <a:t>dynamically</a:t>
+            </a:r>
+            <a:r>
+              <a:rPr lang="de-DE" dirty="0"/>
+              <a:t> </a:t>
+            </a:r>
+            <a:r>
+              <a:rPr lang="de-DE" dirty="0" err="1"/>
+              <a:t>calculate</a:t>
+            </a:r>
+            <a:r>
+              <a:rPr lang="de-DE" dirty="0"/>
+              <a:t> </a:t>
+            </a:r>
+            <a:r>
+              <a:rPr lang="de-DE" dirty="0" err="1"/>
+              <a:t>node</a:t>
+            </a:r>
+            <a:r>
+              <a:rPr lang="de-DE" dirty="0"/>
+              <a:t> </a:t>
+            </a:r>
+            <a:r>
+              <a:rPr lang="de-DE" dirty="0" err="1"/>
+              <a:t>positions</a:t>
+            </a:r>
+            <a:endParaRPr lang="de-DE" dirty="0"/>
+          </a:p>
+          <a:p>
+            <a:pPr lvl="1"/>
+            <a:r>
+              <a:rPr lang="de-DE" dirty="0"/>
+              <a:t> All </a:t>
+            </a:r>
+            <a:r>
+              <a:rPr lang="de-DE" dirty="0" err="1"/>
+              <a:t>dynamic</a:t>
+            </a:r>
+            <a:r>
+              <a:rPr lang="de-DE" dirty="0"/>
+              <a:t> </a:t>
+            </a:r>
+            <a:r>
+              <a:rPr lang="de-DE" dirty="0" err="1"/>
+              <a:t>graph</a:t>
+            </a:r>
+            <a:r>
+              <a:rPr lang="de-DE" dirty="0"/>
+              <a:t> </a:t>
+            </a:r>
+            <a:r>
+              <a:rPr lang="de-DE" dirty="0" err="1"/>
+              <a:t>libraries</a:t>
+            </a:r>
+            <a:r>
+              <a:rPr lang="de-DE" dirty="0"/>
+              <a:t> </a:t>
+            </a:r>
+            <a:r>
+              <a:rPr lang="de-DE" dirty="0" err="1"/>
+              <a:t>struggle</a:t>
+            </a:r>
+            <a:r>
+              <a:rPr lang="de-DE" dirty="0"/>
+              <a:t> </a:t>
+            </a:r>
+            <a:r>
+              <a:rPr lang="de-DE" dirty="0" err="1"/>
+              <a:t>when</a:t>
+            </a:r>
+            <a:r>
+              <a:rPr lang="de-DE" dirty="0"/>
+              <a:t> </a:t>
+            </a:r>
+            <a:r>
+              <a:rPr lang="de-DE" dirty="0" err="1"/>
+              <a:t>displaying</a:t>
+            </a:r>
+            <a:r>
+              <a:rPr lang="de-DE" dirty="0"/>
+              <a:t> </a:t>
+            </a:r>
+            <a:r>
+              <a:rPr lang="de-DE" dirty="0" err="1"/>
+              <a:t>animated</a:t>
+            </a:r>
+            <a:r>
+              <a:rPr lang="de-DE" dirty="0"/>
+              <a:t> </a:t>
+            </a:r>
+            <a:r>
+              <a:rPr lang="de-DE" dirty="0" err="1"/>
+              <a:t>images</a:t>
+            </a:r>
+            <a:endParaRPr lang="de-DE" dirty="0"/>
+          </a:p>
+          <a:p>
+            <a:pPr lvl="1"/>
+            <a:r>
+              <a:rPr lang="de-DE" dirty="0"/>
+              <a:t> Outsource </a:t>
+            </a:r>
+            <a:r>
+              <a:rPr lang="de-DE" dirty="0" err="1"/>
+              <a:t>physics</a:t>
+            </a:r>
+            <a:r>
+              <a:rPr lang="de-DE" dirty="0"/>
+              <a:t> </a:t>
+            </a:r>
+            <a:r>
+              <a:rPr lang="de-DE" dirty="0" err="1"/>
+              <a:t>caluclations</a:t>
+            </a:r>
+            <a:r>
+              <a:rPr lang="de-DE" dirty="0"/>
+              <a:t> in web </a:t>
+            </a:r>
+            <a:r>
+              <a:rPr lang="de-DE" dirty="0" err="1"/>
+              <a:t>worker</a:t>
+            </a:r>
+            <a:r>
+              <a:rPr lang="de-DE" dirty="0"/>
+              <a:t> </a:t>
+            </a:r>
+          </a:p>
+          <a:p>
+            <a:pPr lvl="2"/>
+            <a:r>
+              <a:rPr lang="de-DE" dirty="0"/>
+              <a:t>But </a:t>
+            </a:r>
+            <a:r>
+              <a:rPr lang="de-DE" dirty="0" err="1"/>
+              <a:t>communication</a:t>
+            </a:r>
+            <a:r>
+              <a:rPr lang="de-DE" dirty="0"/>
+              <a:t> </a:t>
+            </a:r>
+            <a:r>
+              <a:rPr lang="de-DE" dirty="0" err="1"/>
+              <a:t>with</a:t>
+            </a:r>
+            <a:r>
+              <a:rPr lang="de-DE" dirty="0"/>
+              <a:t> DOM </a:t>
+            </a:r>
+            <a:r>
+              <a:rPr lang="de-DE" dirty="0" err="1"/>
+              <a:t>difficult</a:t>
+            </a:r>
+            <a:endParaRPr lang="de-DE" dirty="0"/>
           </a:p>
           <a:p>
             <a:pPr lvl="1">
@@ -3903,7 +3701,55 @@
             </a:r>
             <a:r>
               <a:rPr lang="de-DE" dirty="0" err="1"/>
-              <a:t>Jsonp</a:t>
+              <a:t>Possibility</a:t>
+            </a:r>
+            <a:r>
+              <a:rPr lang="de-DE" dirty="0"/>
+              <a:t> </a:t>
+            </a:r>
+            <a:r>
+              <a:rPr lang="de-DE" dirty="0" err="1"/>
+              <a:t>to</a:t>
+            </a:r>
+            <a:r>
+              <a:rPr lang="de-DE" dirty="0"/>
+              <a:t> </a:t>
+            </a:r>
+            <a:r>
+              <a:rPr lang="de-DE" dirty="0" err="1"/>
+              <a:t>disable</a:t>
+            </a:r>
+            <a:r>
+              <a:rPr lang="de-DE" dirty="0"/>
+              <a:t> </a:t>
+            </a:r>
+            <a:r>
+              <a:rPr lang="de-DE" dirty="0" err="1"/>
+              <a:t>node</a:t>
+            </a:r>
+            <a:r>
+              <a:rPr lang="de-DE" dirty="0"/>
+              <a:t> </a:t>
+            </a:r>
+            <a:r>
+              <a:rPr lang="de-DE" dirty="0" err="1"/>
+              <a:t>images</a:t>
+            </a:r>
+            <a:r>
+              <a:rPr lang="de-DE" dirty="0"/>
+              <a:t> </a:t>
+            </a:r>
+            <a:r>
+              <a:rPr lang="de-DE" dirty="0" err="1"/>
+              <a:t>for</a:t>
+            </a:r>
+            <a:r>
+              <a:rPr lang="de-DE" dirty="0"/>
+              <a:t> larger </a:t>
+            </a:r>
+            <a:r>
+              <a:rPr lang="de-DE" dirty="0" err="1"/>
+              <a:t>graphs</a:t>
             </a:r>
             <a:endParaRPr lang="de-DE" dirty="0"/>
           </a:p>
@@ -3921,48 +3767,34 @@
               </a:lnSpc>
             </a:pPr>
             <a:r>
-              <a:rPr lang="de-DE" dirty="0"/>
-              <a:t>Movie </a:t>
+              <a:rPr lang="de-DE" dirty="0" err="1"/>
+              <a:t>Merge</a:t>
+            </a:r>
+            <a:r>
+              <a:rPr lang="de-DE" dirty="0"/>
+              <a:t> </a:t>
             </a:r>
             <a:r>
               <a:rPr lang="en-GB" dirty="0"/>
-              <a:t>recommendations</a:t>
-            </a:r>
-          </a:p>
-          <a:p>
-            <a:pPr lvl="1"/>
-            <a:r>
-              <a:rPr lang="en-GB" dirty="0"/>
-              <a:t> Missing </a:t>
-            </a:r>
-            <a:r>
-              <a:rPr lang="en-GB" dirty="0" err="1"/>
-              <a:t>LinkedMDB</a:t>
-            </a:r>
-            <a:r>
-              <a:rPr lang="en-GB" dirty="0"/>
-              <a:t> properties for movie topics</a:t>
-            </a:r>
-          </a:p>
-          <a:p>
-            <a:pPr lvl="1"/>
-            <a:r>
-              <a:rPr lang="en-GB" dirty="0"/>
-              <a:t> Missing links between </a:t>
-            </a:r>
-            <a:r>
-              <a:rPr lang="en-GB" dirty="0" err="1"/>
-              <a:t>LinkedMDB</a:t>
-            </a:r>
-            <a:r>
-              <a:rPr lang="en-GB" dirty="0"/>
-              <a:t> and </a:t>
-            </a:r>
-            <a:r>
-              <a:rPr lang="en-GB" dirty="0" err="1"/>
-              <a:t>DBPedia</a:t>
-            </a:r>
-            <a:endParaRPr lang="en-GB" dirty="0"/>
+              <a:t>already</a:t>
+            </a:r>
+            <a:r>
+              <a:rPr lang="de-DE" dirty="0"/>
+              <a:t> </a:t>
+            </a:r>
+            <a:r>
+              <a:rPr lang="de-DE" dirty="0" err="1"/>
+              <a:t>existing</a:t>
+            </a:r>
+            <a:r>
+              <a:rPr lang="de-DE" dirty="0"/>
+              <a:t> </a:t>
+            </a:r>
+            <a:r>
+              <a:rPr lang="de-DE" dirty="0" err="1"/>
+              <a:t>nodes</a:t>
+            </a:r>
+            <a:endParaRPr lang="de-DE" dirty="0"/>
           </a:p>
           <a:p>
             <a:pPr lvl="1">
@@ -3970,31 +3802,24 @@
               <a:buChar char="Ø"/>
             </a:pPr>
             <a:r>
-              <a:rPr lang="en-GB" dirty="0"/>
-              <a:t> Not possible with </a:t>
-            </a:r>
-            <a:r>
-              <a:rPr lang="en-GB" dirty="0" err="1"/>
+              <a:rPr lang="de-DE" dirty="0"/>
+              <a:t> Lookup </a:t>
+            </a:r>
+            <a:r>
+              <a:rPr lang="de-DE" dirty="0" err="1"/>
+              <a:t>by</a:t>
+            </a:r>
+            <a:r>
+              <a:rPr lang="de-DE" dirty="0"/>
+              <a:t> </a:t>
+            </a:r>
+            <a:r>
+              <a:rPr lang="de-DE" dirty="0" err="1"/>
               <a:t>LinkedMDB</a:t>
             </a:r>
             <a:r>
-              <a:rPr lang="en-GB" dirty="0"/>
-              <a:t> and </a:t>
-            </a:r>
-            <a:r>
-              <a:rPr lang="en-GB" dirty="0" err="1"/>
-              <a:t>DBPedia</a:t>
-            </a:r>
-            <a:endParaRPr lang="en-GB" dirty="0"/>
-          </a:p>
-          <a:p>
-            <a:pPr lvl="1">
-              <a:buFont typeface="Wingdings" panose="05000000000000000000" pitchFamily="2" charset="2"/>
-              <a:buChar char="Ø"/>
-            </a:pPr>
-            <a:r>
-              <a:rPr lang="en-GB" dirty="0"/>
-              <a:t> Show pre- and sequels instead</a:t>
+              <a:rPr lang="de-DE" dirty="0"/>
+              <a:t> URIs</a:t>
             </a:r>
           </a:p>
         </p:txBody>
@@ -4002,7 +3827,7 @@
     </p:spTree>
     <p:extLst>
       <p:ext uri="{BB962C8B-B14F-4D97-AF65-F5344CB8AC3E}">
-        <p14:creationId xmlns:p14="http://schemas.microsoft.com/office/powerpoint/2010/main" val="3745417513"/>
+        <p14:creationId xmlns:p14="http://schemas.microsoft.com/office/powerpoint/2010/main" val="3389106340"/>
       </p:ext>
     </p:extLst>
   </p:cSld>
@@ -4046,7 +3871,7 @@
           <a:p>
             <a:r>
               <a:rPr lang="de-DE" dirty="0" err="1"/>
-              <a:t>Unforeseen</a:t>
+              <a:t>Foreseen</a:t>
             </a:r>
             <a:r>
               <a:rPr lang="de-DE" dirty="0"/>
@@ -4054,9 +3879,12 @@
             </a:r>
             <a:r>
               <a:rPr lang="de-DE" dirty="0" err="1"/>
-              <a:t>Challenges</a:t>
-            </a:r>
-            <a:endParaRPr lang="de-DE" dirty="0"/>
+              <a:t>Challanges</a:t>
+            </a:r>
+            <a:r>
+              <a:rPr lang="de-DE" dirty="0"/>
+              <a:t> (2/2)</a:t>
+            </a:r>
           </a:p>
         </p:txBody>
       </p:sp>
@@ -4070,44 +3898,85 @@
             <p:ph idx="1"/>
           </p:nvPr>
         </p:nvSpPr>
-        <p:spPr/>
+        <p:spPr>
+          <a:xfrm>
+            <a:off x="838200" y="1825625"/>
+            <a:ext cx="10515600" cy="4601054"/>
+          </a:xfrm>
+        </p:spPr>
         <p:txBody>
           <a:bodyPr>
             <a:normAutofit/>
           </a:bodyPr>
           <a:lstStyle/>
           <a:p>
-            <a:r>
-              <a:rPr lang="en-GB" dirty="0"/>
-              <a:t>Image Source</a:t>
-            </a:r>
-          </a:p>
-          <a:p>
-            <a:pPr lvl="1"/>
-            <a:r>
-              <a:rPr lang="en-GB" dirty="0"/>
-              <a:t> Image size needs to be strictly limited</a:t>
-            </a:r>
-          </a:p>
-          <a:p>
-            <a:pPr lvl="2"/>
-            <a:r>
-              <a:rPr lang="en-GB" dirty="0"/>
-              <a:t>Performance</a:t>
-            </a:r>
-          </a:p>
-          <a:p>
-            <a:pPr lvl="2"/>
-            <a:r>
-              <a:rPr lang="en-GB" dirty="0"/>
-              <a:t>Network delay</a:t>
-            </a:r>
-          </a:p>
-          <a:p>
-            <a:pPr lvl="1"/>
-            <a:r>
-              <a:rPr lang="en-GB" dirty="0"/>
-              <a:t> Disambiguation needed</a:t>
+            <a:pPr>
+              <a:lnSpc>
+                <a:spcPct val="110000"/>
+              </a:lnSpc>
+            </a:pPr>
+            <a:r>
+              <a:rPr lang="de-DE" dirty="0"/>
+              <a:t>Cross-Domain-</a:t>
+            </a:r>
+            <a:r>
+              <a:rPr lang="de-DE" dirty="0" err="1"/>
+              <a:t>Requests</a:t>
+            </a:r>
+            <a:r>
+              <a:rPr lang="de-DE" dirty="0"/>
+              <a:t> </a:t>
+            </a:r>
+            <a:r>
+              <a:rPr lang="de-DE" dirty="0" err="1"/>
+              <a:t>are</a:t>
+            </a:r>
+            <a:r>
+              <a:rPr lang="de-DE" dirty="0"/>
+              <a:t> </a:t>
+            </a:r>
+            <a:r>
+              <a:rPr lang="de-DE" dirty="0" err="1"/>
+              <a:t>forbidden</a:t>
+            </a:r>
+            <a:r>
+              <a:rPr lang="de-DE" dirty="0"/>
+              <a:t> in JavaScript</a:t>
+            </a:r>
+          </a:p>
+          <a:p>
+            <a:pPr lvl="1">
+              <a:lnSpc>
+                <a:spcPct val="110000"/>
+              </a:lnSpc>
+            </a:pPr>
+            <a:r>
+              <a:rPr lang="de-DE" dirty="0"/>
+              <a:t> </a:t>
+            </a:r>
+            <a:r>
+              <a:rPr lang="de-DE" dirty="0" err="1"/>
+              <a:t>LinkedMDB</a:t>
+            </a:r>
+            <a:r>
+              <a:rPr lang="de-DE" dirty="0"/>
+              <a:t> </a:t>
+            </a:r>
+            <a:r>
+              <a:rPr lang="de-DE" dirty="0" err="1"/>
+              <a:t>does</a:t>
+            </a:r>
+            <a:r>
+              <a:rPr lang="de-DE" dirty="0"/>
+              <a:t> not </a:t>
+            </a:r>
+            <a:r>
+              <a:rPr lang="de-DE" dirty="0" err="1"/>
+              <a:t>offer</a:t>
+            </a:r>
+            <a:r>
+              <a:rPr lang="de-DE" dirty="0"/>
+              <a:t> CORS</a:t>
             </a:r>
           </a:p>
           <a:p>
@@ -4116,44 +3985,262 @@
               <a:buChar char="Ø"/>
             </a:pPr>
             <a:r>
-              <a:rPr lang="en-GB" dirty="0"/>
-              <a:t> Wikipedia Image API (but no disambiguation possible)</a:t>
-            </a:r>
-          </a:p>
-          <a:p>
-            <a:pPr lvl="1"/>
-            <a:endParaRPr lang="en-GB" dirty="0"/>
-          </a:p>
-          <a:p>
-            <a:r>
-              <a:rPr lang="en-GB" dirty="0" err="1"/>
-              <a:t>LinkedMDB</a:t>
-            </a:r>
-            <a:r>
-              <a:rPr lang="en-GB" dirty="0"/>
-              <a:t> outage </a:t>
-            </a:r>
-          </a:p>
-          <a:p>
-            <a:pPr lvl="1"/>
-            <a:r>
-              <a:rPr lang="en-GB" dirty="0"/>
-              <a:t> Additionally corrupt </a:t>
-            </a:r>
-            <a:r>
-              <a:rPr lang="en-GB" dirty="0" err="1"/>
-              <a:t>LinkedMDB</a:t>
-            </a:r>
-            <a:r>
-              <a:rPr lang="en-GB" dirty="0"/>
-              <a:t> dumps</a:t>
-            </a:r>
+              <a:rPr lang="de-DE" dirty="0"/>
+              <a:t> </a:t>
+            </a:r>
+            <a:r>
+              <a:rPr lang="de-DE" dirty="0" err="1"/>
+              <a:t>Jsonp</a:t>
+            </a:r>
+            <a:endParaRPr lang="de-DE" dirty="0"/>
           </a:p>
           <a:p>
             <a:pPr lvl="1">
               <a:buFont typeface="Wingdings" panose="05000000000000000000" pitchFamily="2" charset="2"/>
               <a:buChar char="Ø"/>
             </a:pPr>
+            <a:endParaRPr lang="de-DE" dirty="0"/>
+          </a:p>
+          <a:p>
+            <a:pPr>
+              <a:lnSpc>
+                <a:spcPct val="110000"/>
+              </a:lnSpc>
+            </a:pPr>
+            <a:r>
+              <a:rPr lang="de-DE" dirty="0"/>
+              <a:t>Movie </a:t>
+            </a:r>
+            <a:r>
+              <a:rPr lang="en-GB" dirty="0"/>
+              <a:t>recommendations</a:t>
+            </a:r>
+          </a:p>
+          <a:p>
+            <a:pPr lvl="1"/>
+            <a:r>
+              <a:rPr lang="en-GB" dirty="0"/>
+              <a:t> Missing </a:t>
+            </a:r>
+            <a:r>
+              <a:rPr lang="en-GB" dirty="0" err="1"/>
+              <a:t>LinkedMDB</a:t>
+            </a:r>
+            <a:r>
+              <a:rPr lang="en-GB" dirty="0"/>
+              <a:t> properties for movie topics</a:t>
+            </a:r>
+          </a:p>
+          <a:p>
+            <a:pPr lvl="1"/>
+            <a:r>
+              <a:rPr lang="en-GB" dirty="0"/>
+              <a:t> Missing links between </a:t>
+            </a:r>
+            <a:r>
+              <a:rPr lang="en-GB" dirty="0" err="1"/>
+              <a:t>LinkedMDB</a:t>
+            </a:r>
+            <a:r>
+              <a:rPr lang="en-GB" dirty="0"/>
+              <a:t> and </a:t>
+            </a:r>
+            <a:r>
+              <a:rPr lang="en-GB" dirty="0" err="1"/>
+              <a:t>DBPedia</a:t>
+            </a:r>
+            <a:endParaRPr lang="en-GB" dirty="0"/>
+          </a:p>
+          <a:p>
+            <a:pPr lvl="1">
+              <a:buFont typeface="Wingdings" panose="05000000000000000000" pitchFamily="2" charset="2"/>
+              <a:buChar char="Ø"/>
+            </a:pPr>
+            <a:r>
+              <a:rPr lang="en-GB" dirty="0"/>
+              <a:t> Not possible with </a:t>
+            </a:r>
+            <a:r>
+              <a:rPr lang="en-GB" dirty="0" err="1"/>
+              <a:t>LinkedMDB</a:t>
+            </a:r>
+            <a:r>
+              <a:rPr lang="en-GB" dirty="0"/>
+              <a:t> and </a:t>
+            </a:r>
+            <a:r>
+              <a:rPr lang="en-GB" dirty="0" err="1"/>
+              <a:t>DBPedia</a:t>
+            </a:r>
+            <a:endParaRPr lang="en-GB" dirty="0"/>
+          </a:p>
+          <a:p>
+            <a:pPr lvl="1">
+              <a:buFont typeface="Wingdings" panose="05000000000000000000" pitchFamily="2" charset="2"/>
+              <a:buChar char="Ø"/>
+            </a:pPr>
+            <a:r>
+              <a:rPr lang="en-GB" dirty="0"/>
+              <a:t> Show pre- and sequels instead</a:t>
+            </a:r>
+          </a:p>
+        </p:txBody>
+      </p:sp>
+    </p:spTree>
+    <p:extLst>
+      <p:ext uri="{BB962C8B-B14F-4D97-AF65-F5344CB8AC3E}">
+        <p14:creationId xmlns:p14="http://schemas.microsoft.com/office/powerpoint/2010/main" val="3745417513"/>
+      </p:ext>
+    </p:extLst>
+  </p:cSld>
+  <p:clrMapOvr>
+    <a:masterClrMapping/>
+  </p:clrMapOvr>
+</p:sld>
+</file>
+
+<file path=ppt/slides/slide6.xml><?xml version="1.0" encoding="utf-8"?>
+<p:sld xmlns:a="http://schemas.openxmlformats.org/drawingml/2006/main" xmlns:r="http://schemas.openxmlformats.org/officeDocument/2006/relationships" xmlns:p="http://schemas.openxmlformats.org/presentationml/2006/main">
+  <p:cSld>
+    <p:spTree>
+      <p:nvGrpSpPr>
+        <p:cNvPr id="1" name=""/>
+        <p:cNvGrpSpPr/>
+        <p:nvPr/>
+      </p:nvGrpSpPr>
+      <p:grpSpPr>
+        <a:xfrm>
+          <a:off x="0" y="0"/>
+          <a:ext cx="0" cy="0"/>
+          <a:chOff x="0" y="0"/>
+          <a:chExt cx="0" cy="0"/>
+        </a:xfrm>
+      </p:grpSpPr>
+      <p:sp>
+        <p:nvSpPr>
+          <p:cNvPr id="2" name="Titel 1"/>
+          <p:cNvSpPr>
+            <a:spLocks noGrp="1"/>
+          </p:cNvSpPr>
+          <p:nvPr>
+            <p:ph type="title"/>
+          </p:nvPr>
+        </p:nvSpPr>
+        <p:spPr/>
+        <p:txBody>
+          <a:bodyPr/>
+          <a:lstStyle/>
+          <a:p>
+            <a:r>
+              <a:rPr lang="de-DE" dirty="0" err="1"/>
+              <a:t>Unforeseen</a:t>
+            </a:r>
+            <a:r>
+              <a:rPr lang="de-DE" dirty="0"/>
+              <a:t> </a:t>
+            </a:r>
+            <a:r>
+              <a:rPr lang="de-DE" dirty="0" err="1"/>
+              <a:t>Challenges</a:t>
+            </a:r>
+            <a:endParaRPr lang="de-DE" dirty="0"/>
+          </a:p>
+        </p:txBody>
+      </p:sp>
+      <p:sp>
+        <p:nvSpPr>
+          <p:cNvPr id="3" name="Inhaltsplatzhalter 2"/>
+          <p:cNvSpPr>
+            <a:spLocks noGrp="1"/>
+          </p:cNvSpPr>
+          <p:nvPr>
+            <p:ph idx="1"/>
+          </p:nvPr>
+        </p:nvSpPr>
+        <p:spPr/>
+        <p:txBody>
+          <a:bodyPr>
+            <a:normAutofit/>
+          </a:bodyPr>
+          <a:lstStyle/>
+          <a:p>
+            <a:r>
+              <a:rPr lang="en-GB" dirty="0"/>
+              <a:t>Image Source</a:t>
+            </a:r>
+          </a:p>
+          <a:p>
+            <a:pPr lvl="1"/>
+            <a:r>
+              <a:rPr lang="en-GB" dirty="0"/>
+              <a:t> Image size needs to be strictly limited</a:t>
+            </a:r>
+          </a:p>
+          <a:p>
+            <a:pPr lvl="2"/>
+            <a:r>
+              <a:rPr lang="en-GB" dirty="0"/>
+              <a:t>Performance</a:t>
+            </a:r>
+          </a:p>
+          <a:p>
+            <a:pPr lvl="2"/>
+            <a:r>
+              <a:rPr lang="en-GB" dirty="0"/>
+              <a:t>Network delay</a:t>
+            </a:r>
+          </a:p>
+          <a:p>
+            <a:pPr lvl="1"/>
+            <a:r>
+              <a:rPr lang="en-GB" dirty="0"/>
+              <a:t> Disambiguation needed</a:t>
+            </a:r>
+          </a:p>
+          <a:p>
+            <a:pPr lvl="1">
+              <a:buFont typeface="Wingdings" panose="05000000000000000000" pitchFamily="2" charset="2"/>
+              <a:buChar char="Ø"/>
+            </a:pPr>
+            <a:r>
+              <a:rPr lang="en-GB" dirty="0"/>
+              <a:t> Wikipedia Image API (but no disambiguation possible)</a:t>
+            </a:r>
+          </a:p>
+          <a:p>
+            <a:pPr lvl="1"/>
+            <a:endParaRPr lang="en-GB" dirty="0"/>
+          </a:p>
+          <a:p>
+            <a:r>
+              <a:rPr lang="en-GB" dirty="0" err="1"/>
+              <a:t>LinkedMDB</a:t>
+            </a:r>
+            <a:r>
+              <a:rPr lang="en-GB" dirty="0"/>
+              <a:t> outage </a:t>
+            </a:r>
+          </a:p>
+          <a:p>
+            <a:pPr lvl="1"/>
+            <a:r>
+              <a:rPr lang="en-GB" dirty="0"/>
+              <a:t> Additionally corrupt </a:t>
+            </a:r>
+            <a:r>
+              <a:rPr lang="en-GB" dirty="0" err="1"/>
+              <a:t>LinkedMDB</a:t>
+            </a:r>
+            <a:r>
+              <a:rPr lang="en-GB" dirty="0"/>
+              <a:t> dumps</a:t>
+            </a:r>
+          </a:p>
+          <a:p>
+            <a:pPr lvl="1">
+              <a:buFont typeface="Wingdings" panose="05000000000000000000" pitchFamily="2" charset="2"/>
+              <a:buChar char="Ø"/>
+            </a:pPr>
             <a:r>
               <a:rPr lang="en-GB" dirty="0"/>
               <a:t> Local </a:t>
@@ -4171,14 +4258,9 @@
               <a:t>Jsonp</a:t>
             </a:r>
             <a:r>
-              <a:rPr lang="en-GB"/>
-              <a:t> possible</a:t>
-            </a:r>
-            <a:r>
-              <a:rPr lang="en-GB"/>
-              <a:t>)</a:t>
-            </a:r>
-            <a:endParaRPr lang="en-GB" dirty="0"/>
+              <a:rPr lang="en-GB" dirty="0"/>
+              <a:t> possible)</a:t>
+            </a:r>
           </a:p>
         </p:txBody>
       </p:sp>
@@ -4195,7 +4277,152 @@
 </p:sld>
 </file>
 
-<file path=ppt/slides/slide6.xml><?xml version="1.0" encoding="utf-8"?>
+<file path=ppt/slides/slide7.xml><?xml version="1.0" encoding="utf-8"?>
+<p:sld xmlns:a="http://schemas.openxmlformats.org/drawingml/2006/main" xmlns:r="http://schemas.openxmlformats.org/officeDocument/2006/relationships" xmlns:p="http://schemas.openxmlformats.org/presentationml/2006/main">
+  <p:cSld>
+    <p:spTree>
+      <p:nvGrpSpPr>
+        <p:cNvPr id="1" name=""/>
+        <p:cNvGrpSpPr/>
+        <p:nvPr/>
+      </p:nvGrpSpPr>
+      <p:grpSpPr>
+        <a:xfrm>
+          <a:off x="0" y="0"/>
+          <a:ext cx="0" cy="0"/>
+          <a:chOff x="0" y="0"/>
+          <a:chExt cx="0" cy="0"/>
+        </a:xfrm>
+      </p:grpSpPr>
+      <p:sp>
+        <p:nvSpPr>
+          <p:cNvPr id="2" name="Titel 1"/>
+          <p:cNvSpPr>
+            <a:spLocks noGrp="1"/>
+          </p:cNvSpPr>
+          <p:nvPr>
+            <p:ph type="title"/>
+          </p:nvPr>
+        </p:nvSpPr>
+        <p:spPr/>
+        <p:txBody>
+          <a:bodyPr/>
+          <a:lstStyle/>
+          <a:p>
+            <a:r>
+              <a:rPr lang="de-DE" dirty="0"/>
+              <a:t>Future </a:t>
+            </a:r>
+            <a:r>
+              <a:rPr lang="de-DE" dirty="0" err="1"/>
+              <a:t>work</a:t>
+            </a:r>
+            <a:r>
+              <a:rPr lang="de-DE" dirty="0"/>
+              <a:t>	</a:t>
+            </a:r>
+          </a:p>
+        </p:txBody>
+      </p:sp>
+      <p:sp>
+        <p:nvSpPr>
+          <p:cNvPr id="3" name="Inhaltsplatzhalter 2"/>
+          <p:cNvSpPr>
+            <a:spLocks noGrp="1"/>
+          </p:cNvSpPr>
+          <p:nvPr>
+            <p:ph idx="1"/>
+          </p:nvPr>
+        </p:nvSpPr>
+        <p:spPr/>
+        <p:txBody>
+          <a:bodyPr>
+            <a:normAutofit/>
+          </a:bodyPr>
+          <a:lstStyle/>
+          <a:p>
+            <a:r>
+              <a:rPr lang="en-GB" dirty="0"/>
+              <a:t>Build an image proxy server</a:t>
+            </a:r>
+          </a:p>
+          <a:p>
+            <a:pPr lvl="1"/>
+            <a:r>
+              <a:rPr lang="en-GB" dirty="0"/>
+              <a:t>Can use </a:t>
+            </a:r>
+            <a:r>
+              <a:rPr lang="en-GB" dirty="0" err="1"/>
+              <a:t>flickr</a:t>
+            </a:r>
+            <a:r>
+              <a:rPr lang="en-GB" dirty="0"/>
+              <a:t>-wrapper or Google Image API with better disambiguation possibilities</a:t>
+            </a:r>
+          </a:p>
+          <a:p>
+            <a:pPr lvl="1"/>
+            <a:r>
+              <a:rPr lang="en-GB" dirty="0"/>
+              <a:t>Can scale image to appropriate size</a:t>
+            </a:r>
+          </a:p>
+          <a:p>
+            <a:pPr lvl="1"/>
+            <a:r>
+              <a:rPr lang="en-GB" dirty="0"/>
+              <a:t>Solves cross origin issues</a:t>
+            </a:r>
+          </a:p>
+          <a:p>
+            <a:r>
+              <a:rPr lang="en-GB" dirty="0"/>
+              <a:t>Filter movies actors (how to determine importance?)</a:t>
+            </a:r>
+          </a:p>
+          <a:p>
+            <a:r>
+              <a:rPr lang="en-GB" dirty="0"/>
+              <a:t>Filter actors movies (the 10 movies with highest </a:t>
+            </a:r>
+            <a:r>
+              <a:rPr lang="en-GB" dirty="0" err="1"/>
+              <a:t>boxoffice</a:t>
+            </a:r>
+            <a:r>
+              <a:rPr lang="en-GB" dirty="0"/>
+              <a:t>?)</a:t>
+            </a:r>
+          </a:p>
+          <a:p>
+            <a:r>
+              <a:rPr lang="en-GB" dirty="0"/>
+              <a:t>Improve performance with web workers</a:t>
+            </a:r>
+          </a:p>
+          <a:p>
+            <a:r>
+              <a:rPr lang="en-GB" dirty="0"/>
+              <a:t>Movie recommendations?</a:t>
+            </a:r>
+          </a:p>
+        </p:txBody>
+      </p:sp>
+    </p:spTree>
+    <p:extLst>
+      <p:ext uri="{BB962C8B-B14F-4D97-AF65-F5344CB8AC3E}">
+        <p14:creationId xmlns:p14="http://schemas.microsoft.com/office/powerpoint/2010/main" val="77849914"/>
+      </p:ext>
+    </p:extLst>
+  </p:cSld>
+  <p:clrMapOvr>
+    <a:masterClrMapping/>
+  </p:clrMapOvr>
+</p:sld>
+</file>
+
+<file path=ppt/slides/slide8.xml><?xml version="1.0" encoding="utf-8"?>
 <p:sld xmlns:a="http://schemas.openxmlformats.org/drawingml/2006/main" xmlns:r="http://schemas.openxmlformats.org/officeDocument/2006/relationships" xmlns:p="http://schemas.openxmlformats.org/presentationml/2006/main">
   <p:cSld>
     <p:spTree>
